--- a/presentation/ApacheCamel.pptx
+++ b/presentation/ApacheCamel.pptx
@@ -5,7 +5,7 @@
     <p:sldMasterId id="2147483648" r:id="rId1"/>
   </p:sldMasterIdLst>
   <p:notesMasterIdLst>
-    <p:notesMasterId r:id="rId20"/>
+    <p:notesMasterId r:id="rId21"/>
   </p:notesMasterIdLst>
   <p:sldIdLst>
     <p:sldId id="256" r:id="rId2"/>
@@ -25,7 +25,8 @@
     <p:sldId id="264" r:id="rId16"/>
     <p:sldId id="278" r:id="rId17"/>
     <p:sldId id="267" r:id="rId18"/>
-    <p:sldId id="272" r:id="rId19"/>
+    <p:sldId id="280" r:id="rId19"/>
+    <p:sldId id="272" r:id="rId20"/>
   </p:sldIdLst>
   <p:sldSz cx="12192000" cy="6858000"/>
   <p:notesSz cx="6858000" cy="9144000"/>
@@ -214,7 +215,7 @@
           <a:p>
             <a:fld id="{9F750727-92B0-8045-9855-3A6FFC1FE122}" type="datetimeFigureOut">
               <a:rPr lang="en-US" smtClean="0"/>
-              <a:t>2/28/2019</a:t>
+              <a:t>3/4/2019</a:t>
             </a:fld>
             <a:endParaRPr lang="en-US"/>
           </a:p>
@@ -1062,6 +1063,90 @@
 </p:notes>
 </file>
 
+<file path=ppt/notesSlides/notesSlide7.xml><?xml version="1.0" encoding="utf-8"?>
+<p:notes xmlns:a="http://schemas.openxmlformats.org/drawingml/2006/main" xmlns:r="http://schemas.openxmlformats.org/officeDocument/2006/relationships" xmlns:p="http://schemas.openxmlformats.org/presentationml/2006/main">
+  <p:cSld>
+    <p:spTree>
+      <p:nvGrpSpPr>
+        <p:cNvPr id="1" name=""/>
+        <p:cNvGrpSpPr/>
+        <p:nvPr/>
+      </p:nvGrpSpPr>
+      <p:grpSpPr>
+        <a:xfrm>
+          <a:off x="0" y="0"/>
+          <a:ext cx="0" cy="0"/>
+          <a:chOff x="0" y="0"/>
+          <a:chExt cx="0" cy="0"/>
+        </a:xfrm>
+      </p:grpSpPr>
+      <p:sp>
+        <p:nvSpPr>
+          <p:cNvPr id="2" name="Slide Image Placeholder 1"/>
+          <p:cNvSpPr>
+            <a:spLocks noGrp="1" noRot="1" noChangeAspect="1"/>
+          </p:cNvSpPr>
+          <p:nvPr>
+            <p:ph type="sldImg"/>
+          </p:nvPr>
+        </p:nvSpPr>
+        <p:spPr/>
+      </p:sp>
+      <p:sp>
+        <p:nvSpPr>
+          <p:cNvPr id="3" name="Notes Placeholder 2"/>
+          <p:cNvSpPr>
+            <a:spLocks noGrp="1"/>
+          </p:cNvSpPr>
+          <p:nvPr>
+            <p:ph type="body" idx="1"/>
+          </p:nvPr>
+        </p:nvSpPr>
+        <p:spPr/>
+        <p:txBody>
+          <a:bodyPr/>
+          <a:lstStyle/>
+          <a:p>
+            <a:endParaRPr lang="en-AU" dirty="0"/>
+          </a:p>
+        </p:txBody>
+      </p:sp>
+      <p:sp>
+        <p:nvSpPr>
+          <p:cNvPr id="4" name="Slide Number Placeholder 3"/>
+          <p:cNvSpPr>
+            <a:spLocks noGrp="1"/>
+          </p:cNvSpPr>
+          <p:nvPr>
+            <p:ph type="sldNum" sz="quarter" idx="5"/>
+          </p:nvPr>
+        </p:nvSpPr>
+        <p:spPr/>
+        <p:txBody>
+          <a:bodyPr/>
+          <a:lstStyle/>
+          <a:p>
+            <a:fld id="{E965BAF6-7E9C-7E43-B884-0DA1A318AC7A}" type="slidenum">
+              <a:rPr lang="en-US" smtClean="0"/>
+              <a:t>18</a:t>
+            </a:fld>
+            <a:endParaRPr lang="en-US"/>
+          </a:p>
+        </p:txBody>
+      </p:sp>
+    </p:spTree>
+    <p:extLst>
+      <p:ext uri="{BB962C8B-B14F-4D97-AF65-F5344CB8AC3E}">
+        <p14:creationId xmlns:p14="http://schemas.microsoft.com/office/powerpoint/2010/main" val="2403465999"/>
+      </p:ext>
+    </p:extLst>
+  </p:cSld>
+  <p:clrMapOvr>
+    <a:masterClrMapping/>
+  </p:clrMapOvr>
+</p:notes>
+</file>
+
 <file path=ppt/slideLayouts/slideLayout1.xml><?xml version="1.0" encoding="utf-8"?>
 <p:sldLayout xmlns:a="http://schemas.openxmlformats.org/drawingml/2006/main" xmlns:r="http://schemas.openxmlformats.org/officeDocument/2006/relationships" xmlns:p="http://schemas.openxmlformats.org/presentationml/2006/main" type="title" preserve="1">
   <p:cSld name="Title Slide">
@@ -1251,7 +1336,7 @@
             <a:fld id="{B61BEF0D-F0BB-DE4B-95CE-6DB70DBA9567}" type="datetimeFigureOut">
               <a:rPr lang="en-US" dirty="0"/>
               <a:pPr/>
-              <a:t>2/28/2019</a:t>
+              <a:t>3/4/2019</a:t>
             </a:fld>
             <a:endParaRPr lang="en-US" dirty="0"/>
           </a:p>
@@ -1586,7 +1671,7 @@
             <a:fld id="{B61BEF0D-F0BB-DE4B-95CE-6DB70DBA9567}" type="datetimeFigureOut">
               <a:rPr lang="en-US" dirty="0"/>
               <a:pPr/>
-              <a:t>2/28/2019</a:t>
+              <a:t>3/4/2019</a:t>
             </a:fld>
             <a:endParaRPr lang="en-US" dirty="0"/>
           </a:p>
@@ -1984,7 +2069,7 @@
             <a:fld id="{B61BEF0D-F0BB-DE4B-95CE-6DB70DBA9567}" type="datetimeFigureOut">
               <a:rPr lang="en-US" dirty="0"/>
               <a:pPr/>
-              <a:t>2/28/2019</a:t>
+              <a:t>3/4/2019</a:t>
             </a:fld>
             <a:endParaRPr lang="en-US" dirty="0"/>
           </a:p>
@@ -2317,7 +2402,7 @@
             <a:fld id="{B61BEF0D-F0BB-DE4B-95CE-6DB70DBA9567}" type="datetimeFigureOut">
               <a:rPr lang="en-US" dirty="0"/>
               <a:pPr/>
-              <a:t>2/28/2019</a:t>
+              <a:t>3/4/2019</a:t>
             </a:fld>
             <a:endParaRPr lang="en-US" dirty="0"/>
           </a:p>
@@ -2634,7 +2719,7 @@
             <a:fld id="{B61BEF0D-F0BB-DE4B-95CE-6DB70DBA9567}" type="datetimeFigureOut">
               <a:rPr lang="en-US" dirty="0"/>
               <a:pPr/>
-              <a:t>2/28/2019</a:t>
+              <a:t>3/4/2019</a:t>
             </a:fld>
             <a:endParaRPr lang="en-US" dirty="0"/>
           </a:p>
@@ -3027,7 +3112,7 @@
             <a:fld id="{B61BEF0D-F0BB-DE4B-95CE-6DB70DBA9567}" type="datetimeFigureOut">
               <a:rPr lang="en-US" dirty="0"/>
               <a:pPr/>
-              <a:t>2/28/2019</a:t>
+              <a:t>3/4/2019</a:t>
             </a:fld>
             <a:endParaRPr lang="en-US" dirty="0"/>
           </a:p>
@@ -3281,7 +3366,7 @@
             <a:fld id="{B61BEF0D-F0BB-DE4B-95CE-6DB70DBA9567}" type="datetimeFigureOut">
               <a:rPr lang="en-US" dirty="0"/>
               <a:pPr/>
-              <a:t>2/28/2019</a:t>
+              <a:t>3/4/2019</a:t>
             </a:fld>
             <a:endParaRPr lang="en-US" dirty="0"/>
           </a:p>
@@ -3540,7 +3625,7 @@
             <a:fld id="{B61BEF0D-F0BB-DE4B-95CE-6DB70DBA9567}" type="datetimeFigureOut">
               <a:rPr lang="en-US" dirty="0"/>
               <a:pPr/>
-              <a:t>2/28/2019</a:t>
+              <a:t>3/4/2019</a:t>
             </a:fld>
             <a:endParaRPr lang="en-US" dirty="0"/>
           </a:p>
@@ -3799,7 +3884,7 @@
             <a:fld id="{B61BEF0D-F0BB-DE4B-95CE-6DB70DBA9567}" type="datetimeFigureOut">
               <a:rPr lang="en-US" dirty="0"/>
               <a:pPr/>
-              <a:t>2/28/2019</a:t>
+              <a:t>3/4/2019</a:t>
             </a:fld>
             <a:endParaRPr lang="en-US" dirty="0"/>
           </a:p>
@@ -4125,7 +4210,7 @@
             <a:fld id="{B61BEF0D-F0BB-DE4B-95CE-6DB70DBA9567}" type="datetimeFigureOut">
               <a:rPr lang="en-US" dirty="0"/>
               <a:pPr/>
-              <a:t>2/28/2019</a:t>
+              <a:t>3/4/2019</a:t>
             </a:fld>
             <a:endParaRPr lang="en-US" dirty="0"/>
           </a:p>
@@ -4445,7 +4530,7 @@
             <a:fld id="{B61BEF0D-F0BB-DE4B-95CE-6DB70DBA9567}" type="datetimeFigureOut">
               <a:rPr lang="en-US" dirty="0"/>
               <a:pPr/>
-              <a:t>2/28/2019</a:t>
+              <a:t>3/4/2019</a:t>
             </a:fld>
             <a:endParaRPr lang="en-US" dirty="0"/>
           </a:p>
@@ -4899,7 +4984,7 @@
             <a:fld id="{B61BEF0D-F0BB-DE4B-95CE-6DB70DBA9567}" type="datetimeFigureOut">
               <a:rPr lang="en-US" dirty="0"/>
               <a:pPr/>
-              <a:t>2/28/2019</a:t>
+              <a:t>3/4/2019</a:t>
             </a:fld>
             <a:endParaRPr lang="en-US" dirty="0"/>
           </a:p>
@@ -5101,7 +5186,7 @@
             <a:fld id="{B61BEF0D-F0BB-DE4B-95CE-6DB70DBA9567}" type="datetimeFigureOut">
               <a:rPr lang="en-US" dirty="0"/>
               <a:pPr/>
-              <a:t>2/28/2019</a:t>
+              <a:t>3/4/2019</a:t>
             </a:fld>
             <a:endParaRPr lang="en-US" dirty="0"/>
           </a:p>
@@ -5275,7 +5360,7 @@
             <a:fld id="{B61BEF0D-F0BB-DE4B-95CE-6DB70DBA9567}" type="datetimeFigureOut">
               <a:rPr lang="en-US" dirty="0"/>
               <a:pPr/>
-              <a:t>2/28/2019</a:t>
+              <a:t>3/4/2019</a:t>
             </a:fld>
             <a:endParaRPr lang="en-US" dirty="0"/>
           </a:p>
@@ -5605,7 +5690,7 @@
             <a:fld id="{B61BEF0D-F0BB-DE4B-95CE-6DB70DBA9567}" type="datetimeFigureOut">
               <a:rPr lang="en-US" dirty="0"/>
               <a:pPr/>
-              <a:t>2/28/2019</a:t>
+              <a:t>3/4/2019</a:t>
             </a:fld>
             <a:endParaRPr lang="en-US" dirty="0"/>
           </a:p>
@@ -5947,7 +6032,7 @@
             <a:fld id="{B61BEF0D-F0BB-DE4B-95CE-6DB70DBA9567}" type="datetimeFigureOut">
               <a:rPr lang="en-US" dirty="0"/>
               <a:pPr/>
-              <a:t>2/28/2019</a:t>
+              <a:t>3/4/2019</a:t>
             </a:fld>
             <a:endParaRPr lang="en-US" dirty="0"/>
           </a:p>
@@ -8061,7 +8146,7 @@
             <a:fld id="{B61BEF0D-F0BB-DE4B-95CE-6DB70DBA9567}" type="datetimeFigureOut">
               <a:rPr lang="en-US" dirty="0"/>
               <a:pPr/>
-              <a:t>2/28/2019</a:t>
+              <a:t>3/4/2019</a:t>
             </a:fld>
             <a:endParaRPr lang="en-US" dirty="0"/>
           </a:p>
@@ -8782,7 +8867,7 @@
         </p:blipFill>
         <p:spPr>
           <a:xfrm>
-            <a:off x="1226428" y="1480221"/>
+            <a:off x="2372276" y="1977665"/>
             <a:ext cx="5647337" cy="994888"/>
           </a:xfrm>
           <a:prstGeom prst="rect">
@@ -8809,7 +8894,7 @@
         </p:nvSpPr>
         <p:spPr>
           <a:xfrm>
-            <a:off x="2372276" y="2816851"/>
+            <a:off x="2372276" y="3701929"/>
             <a:ext cx="3469125" cy="2181364"/>
           </a:xfrm>
           <a:prstGeom prst="rect">
@@ -8820,7 +8905,7 @@
           </a:ln>
           <a:extLst>
             <a:ext uri="{C572A759-6A51-4108-AA02-DFA0A04FC94B}">
-              <ma14:wrappingTextBoxFlag xmlns:lc="http://schemas.openxmlformats.org/drawingml/2006/lockedCanvas" xmlns:ma14="http://schemas.microsoft.com/office/mac/drawingml/2011/main" xmlns:a14="http://schemas.microsoft.com/office/drawing/2010/main" xmlns:m="http://schemas.openxmlformats.org/officeDocument/2006/math" xmlns="" val="1"/>
+              <ma14:wrappingTextBoxFlag xmlns="" xmlns:m="http://schemas.openxmlformats.org/officeDocument/2006/math" xmlns:a14="http://schemas.microsoft.com/office/drawing/2010/main" xmlns:ma14="http://schemas.microsoft.com/office/mac/drawingml/2011/main" xmlns:lc="http://schemas.openxmlformats.org/drawingml/2006/lockedCanvas" val="1"/>
             </a:ext>
           </a:extLst>
         </p:spPr>
@@ -9206,8 +9291,8 @@
         </p:blipFill>
         <p:spPr>
           <a:xfrm>
-            <a:off x="6217921" y="1493980"/>
-            <a:ext cx="5540420" cy="3648175"/>
+            <a:off x="6217921" y="1493981"/>
+            <a:ext cx="5378334" cy="3005284"/>
           </a:xfrm>
           <a:prstGeom prst="rect">
             <a:avLst/>
@@ -9241,8 +9326,8 @@
         </p:blipFill>
         <p:spPr>
           <a:xfrm>
-            <a:off x="1289908" y="1481509"/>
-            <a:ext cx="4250281" cy="3660645"/>
+            <a:off x="1289909" y="1481510"/>
+            <a:ext cx="4040628" cy="3105978"/>
           </a:xfrm>
           <a:prstGeom prst="rect">
             <a:avLst/>
@@ -9412,7 +9497,7 @@
           </a:ln>
           <a:extLst>
             <a:ext uri="{C572A759-6A51-4108-AA02-DFA0A04FC94B}">
-              <ma14:wrappingTextBoxFlag xmlns:lc="http://schemas.openxmlformats.org/drawingml/2006/lockedCanvas" xmlns:ma14="http://schemas.microsoft.com/office/mac/drawingml/2011/main" xmlns:a14="http://schemas.microsoft.com/office/drawing/2010/main" xmlns:m="http://schemas.openxmlformats.org/officeDocument/2006/math" xmlns="" val="1"/>
+              <ma14:wrappingTextBoxFlag xmlns="" xmlns:m="http://schemas.openxmlformats.org/officeDocument/2006/math" xmlns:a14="http://schemas.microsoft.com/office/drawing/2010/main" xmlns:ma14="http://schemas.microsoft.com/office/mac/drawingml/2011/main" xmlns:lc="http://schemas.openxmlformats.org/drawingml/2006/lockedCanvas" val="1"/>
             </a:ext>
           </a:extLst>
         </p:spPr>
@@ -9803,7 +9888,7 @@
           </a:ln>
           <a:extLst>
             <a:ext uri="{C572A759-6A51-4108-AA02-DFA0A04FC94B}">
-              <ma14:wrappingTextBoxFlag xmlns:lc="http://schemas.openxmlformats.org/drawingml/2006/lockedCanvas" xmlns:ma14="http://schemas.microsoft.com/office/mac/drawingml/2011/main" xmlns:a14="http://schemas.microsoft.com/office/drawing/2010/main" xmlns:m="http://schemas.openxmlformats.org/officeDocument/2006/math" xmlns="" val="1"/>
+              <ma14:wrappingTextBoxFlag xmlns="" xmlns:m="http://schemas.openxmlformats.org/officeDocument/2006/math" xmlns:a14="http://schemas.microsoft.com/office/drawing/2010/main" xmlns:ma14="http://schemas.microsoft.com/office/mac/drawingml/2011/main" xmlns:lc="http://schemas.openxmlformats.org/drawingml/2006/lockedCanvas" val="1"/>
             </a:ext>
           </a:extLst>
         </p:spPr>
@@ -10386,10 +10471,10 @@
       </p:sp>
       <p:pic>
         <p:nvPicPr>
-          <p:cNvPr id="7" name="Picture 6">
+          <p:cNvPr id="4" name="Picture 3">
             <a:extLst>
               <a:ext uri="{FF2B5EF4-FFF2-40B4-BE49-F238E27FC236}">
-                <a16:creationId xmlns:a16="http://schemas.microsoft.com/office/drawing/2014/main" id="{2ECD9359-90E3-4387-AF3D-6309FB394BF0}"/>
+                <a16:creationId xmlns:a16="http://schemas.microsoft.com/office/drawing/2014/main" id="{C2C129E6-0042-4D19-A0ED-A3B85E31AC32}"/>
               </a:ext>
             </a:extLst>
           </p:cNvPr>
@@ -10406,7 +10491,7 @@
         </p:blipFill>
         <p:spPr>
           <a:xfrm>
-            <a:off x="3146804" y="1725750"/>
+            <a:off x="3146804" y="1359990"/>
             <a:ext cx="5898391" cy="4138019"/>
           </a:xfrm>
           <a:prstGeom prst="rect">
@@ -10547,10 +10632,10 @@
       </p:sp>
       <p:pic>
         <p:nvPicPr>
-          <p:cNvPr id="6" name="Picture 5">
+          <p:cNvPr id="4" name="Picture 3">
             <a:extLst>
               <a:ext uri="{FF2B5EF4-FFF2-40B4-BE49-F238E27FC236}">
-                <a16:creationId xmlns:a16="http://schemas.microsoft.com/office/drawing/2014/main" id="{DD7503CB-3208-4E5B-868F-31F53DDE9D45}"/>
+                <a16:creationId xmlns:a16="http://schemas.microsoft.com/office/drawing/2014/main" id="{B8400A99-5388-4E51-BAA0-55E4A2DC493D}"/>
               </a:ext>
             </a:extLst>
           </p:cNvPr>
@@ -10567,8 +10652,8 @@
         </p:blipFill>
         <p:spPr>
           <a:xfrm>
-            <a:off x="2205318" y="1032733"/>
-            <a:ext cx="8767904" cy="4295699"/>
+            <a:off x="2947594" y="1114097"/>
+            <a:ext cx="8025627" cy="4214335"/>
           </a:xfrm>
           <a:prstGeom prst="rect">
             <a:avLst/>
@@ -10780,24 +10865,161 @@
             <p:ph type="title"/>
           </p:nvPr>
         </p:nvSpPr>
-        <p:spPr/>
+        <p:spPr>
+          <a:xfrm>
+            <a:off x="1990253" y="277089"/>
+            <a:ext cx="8911687" cy="813955"/>
+          </a:xfrm>
+        </p:spPr>
         <p:txBody>
           <a:bodyPr/>
           <a:lstStyle/>
           <a:p>
             <a:r>
               <a:rPr lang="en-US" dirty="0"/>
-              <a:t>Customer Details &amp; Item Details</a:t>
-            </a:r>
+              <a:t>Routing Architecture</a:t>
+            </a:r>
+          </a:p>
+        </p:txBody>
+      </p:sp>
+      <p:sp>
+        <p:nvSpPr>
+          <p:cNvPr id="12" name="Content Placeholder 3">
+            <a:extLst>
+              <a:ext uri="{FF2B5EF4-FFF2-40B4-BE49-F238E27FC236}">
+                <a16:creationId xmlns:a16="http://schemas.microsoft.com/office/drawing/2014/main" id="{18D64E8E-5EA1-4EF5-988D-5C9E278E3D7C}"/>
+              </a:ext>
+            </a:extLst>
+          </p:cNvPr>
+          <p:cNvSpPr>
+            <a:spLocks noGrp="1"/>
+          </p:cNvSpPr>
+          <p:nvPr>
+            <p:ph idx="1"/>
+          </p:nvPr>
+        </p:nvSpPr>
+        <p:spPr>
+          <a:xfrm>
+            <a:off x="7570438" y="2286530"/>
+            <a:ext cx="4301837" cy="4324574"/>
+          </a:xfrm>
+        </p:spPr>
+        <p:txBody>
+          <a:bodyPr>
+            <a:normAutofit fontScale="92500"/>
+          </a:bodyPr>
+          <a:lstStyle/>
+          <a:p>
+            <a:pPr lvl="1"/>
+            <a:r>
+              <a:rPr lang="en-AU" dirty="0"/>
+              <a:t>Third Party Customer Details Info API</a:t>
+            </a:r>
+          </a:p>
+          <a:p>
+            <a:pPr lvl="2"/>
+            <a:r>
+              <a:rPr lang="en-AU" dirty="0"/>
+              <a:t>DSLs used to integrate Http Component</a:t>
+            </a:r>
+          </a:p>
+          <a:p>
+            <a:pPr lvl="2"/>
+            <a:r>
+              <a:rPr lang="en-AU" dirty="0"/>
+              <a:t>Exception Handling – Global/Processor Level</a:t>
+            </a:r>
+          </a:p>
+          <a:p>
+            <a:pPr lvl="1"/>
+            <a:r>
+              <a:rPr lang="en-AU" dirty="0"/>
+              <a:t>Local Item Details Services</a:t>
+            </a:r>
+          </a:p>
+          <a:p>
+            <a:pPr lvl="2"/>
+            <a:r>
+              <a:rPr lang="en-AU" dirty="0"/>
+              <a:t>Service Activator EIP – bean DSL</a:t>
+            </a:r>
+          </a:p>
+          <a:p>
+            <a:pPr lvl="2"/>
+            <a:r>
+              <a:rPr lang="en-AU" dirty="0"/>
+              <a:t>Splitter</a:t>
+            </a:r>
+          </a:p>
+          <a:p>
+            <a:pPr lvl="2"/>
+            <a:r>
+              <a:rPr lang="en-AU" dirty="0"/>
+              <a:t>Aggregator – Immediate/Threaded</a:t>
+            </a:r>
+          </a:p>
+          <a:p>
+            <a:pPr lvl="2"/>
+            <a:r>
+              <a:rPr lang="en-AU" dirty="0"/>
+              <a:t>Multicast and </a:t>
+            </a:r>
+            <a:r>
+              <a:rPr lang="en-AU" dirty="0" err="1"/>
+              <a:t>ParallelProcessing</a:t>
+            </a:r>
+            <a:r>
+              <a:rPr lang="en-AU" dirty="0"/>
+              <a:t> DSL</a:t>
+            </a:r>
+          </a:p>
+          <a:p>
+            <a:pPr lvl="2"/>
+            <a:r>
+              <a:rPr lang="en-AU" dirty="0"/>
+              <a:t>Enrich DSL</a:t>
+            </a:r>
+          </a:p>
+          <a:p>
+            <a:pPr lvl="1"/>
+            <a:r>
+              <a:rPr lang="en-AU" dirty="0"/>
+              <a:t>Event Processor </a:t>
+            </a:r>
+          </a:p>
+          <a:p>
+            <a:pPr lvl="2"/>
+            <a:r>
+              <a:rPr lang="en-AU" dirty="0"/>
+              <a:t>How to write your own Component</a:t>
+            </a:r>
+          </a:p>
+          <a:p>
+            <a:pPr lvl="1"/>
+            <a:endParaRPr lang="en-AU" dirty="0"/>
+          </a:p>
+          <a:p>
+            <a:pPr lvl="1"/>
+            <a:endParaRPr lang="en-AU" dirty="0"/>
+          </a:p>
+          <a:p>
+            <a:pPr marL="457200" lvl="1" indent="0">
+              <a:buNone/>
+            </a:pPr>
+            <a:endParaRPr lang="en-AU" dirty="0"/>
+          </a:p>
+          <a:p>
+            <a:pPr lvl="1"/>
+            <a:endParaRPr lang="en-AU" dirty="0"/>
           </a:p>
         </p:txBody>
       </p:sp>
       <p:pic>
         <p:nvPicPr>
-          <p:cNvPr id="6" name="Picture 5">
+          <p:cNvPr id="4" name="Picture 3">
             <a:extLst>
               <a:ext uri="{FF2B5EF4-FFF2-40B4-BE49-F238E27FC236}">
-                <a16:creationId xmlns:a16="http://schemas.microsoft.com/office/drawing/2014/main" id="{649B96EC-8CFB-41FA-B8C1-C3714BF29147}"/>
+                <a16:creationId xmlns:a16="http://schemas.microsoft.com/office/drawing/2014/main" id="{87699416-2A7E-417A-9275-A71C22632126}"/>
               </a:ext>
             </a:extLst>
           </p:cNvPr>
@@ -10814,8 +11036,8 @@
         </p:blipFill>
         <p:spPr>
           <a:xfrm>
-            <a:off x="2059054" y="1905000"/>
-            <a:ext cx="8375106" cy="4145639"/>
+            <a:off x="584583" y="1484555"/>
+            <a:ext cx="7139408" cy="5013092"/>
           </a:xfrm>
           <a:prstGeom prst="rect">
             <a:avLst/>
@@ -10836,6 +11058,69 @@
 </file>
 
 <file path=ppt/slides/slide18.xml><?xml version="1.0" encoding="utf-8"?>
+<p:sld xmlns:a="http://schemas.openxmlformats.org/drawingml/2006/main" xmlns:r="http://schemas.openxmlformats.org/officeDocument/2006/relationships" xmlns:p="http://schemas.openxmlformats.org/presentationml/2006/main">
+  <p:cSld>
+    <p:spTree>
+      <p:nvGrpSpPr>
+        <p:cNvPr id="1" name=""/>
+        <p:cNvGrpSpPr/>
+        <p:nvPr/>
+      </p:nvGrpSpPr>
+      <p:grpSpPr>
+        <a:xfrm>
+          <a:off x="0" y="0"/>
+          <a:ext cx="0" cy="0"/>
+          <a:chOff x="0" y="0"/>
+          <a:chExt cx="0" cy="0"/>
+        </a:xfrm>
+      </p:grpSpPr>
+      <p:sp>
+        <p:nvSpPr>
+          <p:cNvPr id="2" name="Title 1">
+            <a:extLst>
+              <a:ext uri="{FF2B5EF4-FFF2-40B4-BE49-F238E27FC236}">
+                <a16:creationId xmlns:a16="http://schemas.microsoft.com/office/drawing/2014/main" id="{AD6090EC-A95C-4D4B-A7FB-293C55976D65}"/>
+              </a:ext>
+            </a:extLst>
+          </p:cNvPr>
+          <p:cNvSpPr>
+            <a:spLocks noGrp="1"/>
+          </p:cNvSpPr>
+          <p:nvPr>
+            <p:ph type="title"/>
+          </p:nvPr>
+        </p:nvSpPr>
+        <p:spPr>
+          <a:xfrm>
+            <a:off x="1990253" y="277089"/>
+            <a:ext cx="8911687" cy="813955"/>
+          </a:xfrm>
+        </p:spPr>
+        <p:txBody>
+          <a:bodyPr/>
+          <a:lstStyle/>
+          <a:p>
+            <a:r>
+              <a:rPr lang="en-US" dirty="0"/>
+              <a:t>Project Layout</a:t>
+            </a:r>
+          </a:p>
+        </p:txBody>
+      </p:sp>
+    </p:spTree>
+    <p:extLst>
+      <p:ext uri="{BB962C8B-B14F-4D97-AF65-F5344CB8AC3E}">
+        <p14:creationId xmlns:p14="http://schemas.microsoft.com/office/powerpoint/2010/main" val="1228963046"/>
+      </p:ext>
+    </p:extLst>
+  </p:cSld>
+  <p:clrMapOvr>
+    <a:masterClrMapping/>
+  </p:clrMapOvr>
+</p:sld>
+</file>
+
+<file path=ppt/slides/slide19.xml><?xml version="1.0" encoding="utf-8"?>
 <p:sld xmlns:a="http://schemas.openxmlformats.org/drawingml/2006/main" xmlns:r="http://schemas.openxmlformats.org/officeDocument/2006/relationships" xmlns:p="http://schemas.openxmlformats.org/presentationml/2006/main">
   <p:cSld>
     <p:spTree>

--- a/presentation/ApacheCamel.pptx
+++ b/presentation/ApacheCamel.pptx
@@ -5,7 +5,7 @@
     <p:sldMasterId id="2147483648" r:id="rId1"/>
   </p:sldMasterIdLst>
   <p:notesMasterIdLst>
-    <p:notesMasterId r:id="rId21"/>
+    <p:notesMasterId r:id="rId20"/>
   </p:notesMasterIdLst>
   <p:sldIdLst>
     <p:sldId id="256" r:id="rId2"/>
@@ -26,7 +26,6 @@
     <p:sldId id="278" r:id="rId17"/>
     <p:sldId id="267" r:id="rId18"/>
     <p:sldId id="280" r:id="rId19"/>
-    <p:sldId id="272" r:id="rId20"/>
   </p:sldIdLst>
   <p:sldSz cx="12192000" cy="6858000"/>
   <p:notesSz cx="6858000" cy="9144000"/>
@@ -8905,7 +8904,7 @@
           </a:ln>
           <a:extLst>
             <a:ext uri="{C572A759-6A51-4108-AA02-DFA0A04FC94B}">
-              <ma14:wrappingTextBoxFlag xmlns="" xmlns:m="http://schemas.openxmlformats.org/officeDocument/2006/math" xmlns:a14="http://schemas.microsoft.com/office/drawing/2010/main" xmlns:ma14="http://schemas.microsoft.com/office/mac/drawingml/2011/main" xmlns:lc="http://schemas.openxmlformats.org/drawingml/2006/lockedCanvas" val="1"/>
+              <ma14:wrappingTextBoxFlag xmlns:lc="http://schemas.openxmlformats.org/drawingml/2006/lockedCanvas" xmlns:ma14="http://schemas.microsoft.com/office/mac/drawingml/2011/main" xmlns:a14="http://schemas.microsoft.com/office/drawing/2010/main" xmlns:m="http://schemas.openxmlformats.org/officeDocument/2006/math" xmlns="" val="1"/>
             </a:ext>
           </a:extLst>
         </p:spPr>
@@ -9497,7 +9496,7 @@
           </a:ln>
           <a:extLst>
             <a:ext uri="{C572A759-6A51-4108-AA02-DFA0A04FC94B}">
-              <ma14:wrappingTextBoxFlag xmlns="" xmlns:m="http://schemas.openxmlformats.org/officeDocument/2006/math" xmlns:a14="http://schemas.microsoft.com/office/drawing/2010/main" xmlns:ma14="http://schemas.microsoft.com/office/mac/drawingml/2011/main" xmlns:lc="http://schemas.openxmlformats.org/drawingml/2006/lockedCanvas" val="1"/>
+              <ma14:wrappingTextBoxFlag xmlns:lc="http://schemas.openxmlformats.org/drawingml/2006/lockedCanvas" xmlns:ma14="http://schemas.microsoft.com/office/mac/drawingml/2011/main" xmlns:a14="http://schemas.microsoft.com/office/drawing/2010/main" xmlns:m="http://schemas.openxmlformats.org/officeDocument/2006/math" xmlns="" val="1"/>
             </a:ext>
           </a:extLst>
         </p:spPr>
@@ -9888,7 +9887,7 @@
           </a:ln>
           <a:extLst>
             <a:ext uri="{C572A759-6A51-4108-AA02-DFA0A04FC94B}">
-              <ma14:wrappingTextBoxFlag xmlns="" xmlns:m="http://schemas.openxmlformats.org/officeDocument/2006/math" xmlns:a14="http://schemas.microsoft.com/office/drawing/2010/main" xmlns:ma14="http://schemas.microsoft.com/office/mac/drawingml/2011/main" xmlns:lc="http://schemas.openxmlformats.org/drawingml/2006/lockedCanvas" val="1"/>
+              <ma14:wrappingTextBoxFlag xmlns:lc="http://schemas.openxmlformats.org/drawingml/2006/lockedCanvas" xmlns:ma14="http://schemas.microsoft.com/office/mac/drawingml/2011/main" xmlns:a14="http://schemas.microsoft.com/office/drawing/2010/main" xmlns:m="http://schemas.openxmlformats.org/officeDocument/2006/math" xmlns="" val="1"/>
             </a:ext>
           </a:extLst>
         </p:spPr>
@@ -11107,438 +11106,40 @@
           </a:p>
         </p:txBody>
       </p:sp>
+      <p:pic>
+        <p:nvPicPr>
+          <p:cNvPr id="3" name="Picture 2">
+            <a:extLst>
+              <a:ext uri="{FF2B5EF4-FFF2-40B4-BE49-F238E27FC236}">
+                <a16:creationId xmlns:a16="http://schemas.microsoft.com/office/drawing/2014/main" id="{7396B889-35E8-4F68-B98E-77BD405C2707}"/>
+              </a:ext>
+            </a:extLst>
+          </p:cNvPr>
+          <p:cNvPicPr>
+            <a:picLocks noChangeAspect="1"/>
+          </p:cNvPicPr>
+          <p:nvPr/>
+        </p:nvPicPr>
+        <p:blipFill>
+          <a:blip r:embed="rId3"/>
+          <a:stretch>
+            <a:fillRect/>
+          </a:stretch>
+        </p:blipFill>
+        <p:spPr>
+          <a:xfrm>
+            <a:off x="1990253" y="1273924"/>
+            <a:ext cx="4915326" cy="5174428"/>
+          </a:xfrm>
+          <a:prstGeom prst="rect">
+            <a:avLst/>
+          </a:prstGeom>
+        </p:spPr>
+      </p:pic>
     </p:spTree>
     <p:extLst>
       <p:ext uri="{BB962C8B-B14F-4D97-AF65-F5344CB8AC3E}">
         <p14:creationId xmlns:p14="http://schemas.microsoft.com/office/powerpoint/2010/main" val="1228963046"/>
-      </p:ext>
-    </p:extLst>
-  </p:cSld>
-  <p:clrMapOvr>
-    <a:masterClrMapping/>
-  </p:clrMapOvr>
-</p:sld>
-</file>
-
-<file path=ppt/slides/slide19.xml><?xml version="1.0" encoding="utf-8"?>
-<p:sld xmlns:a="http://schemas.openxmlformats.org/drawingml/2006/main" xmlns:r="http://schemas.openxmlformats.org/officeDocument/2006/relationships" xmlns:p="http://schemas.openxmlformats.org/presentationml/2006/main">
-  <p:cSld>
-    <p:spTree>
-      <p:nvGrpSpPr>
-        <p:cNvPr id="1" name=""/>
-        <p:cNvGrpSpPr/>
-        <p:nvPr/>
-      </p:nvGrpSpPr>
-      <p:grpSpPr>
-        <a:xfrm>
-          <a:off x="0" y="0"/>
-          <a:ext cx="0" cy="0"/>
-          <a:chOff x="0" y="0"/>
-          <a:chExt cx="0" cy="0"/>
-        </a:xfrm>
-      </p:grpSpPr>
-      <p:sp>
-        <p:nvSpPr>
-          <p:cNvPr id="2" name="Title 1">
-            <a:extLst>
-              <a:ext uri="{FF2B5EF4-FFF2-40B4-BE49-F238E27FC236}">
-                <a16:creationId xmlns:a16="http://schemas.microsoft.com/office/drawing/2014/main" id="{2A6A7509-3510-E84E-9BC4-0A0EF04F28F8}"/>
-              </a:ext>
-            </a:extLst>
-          </p:cNvPr>
-          <p:cNvSpPr>
-            <a:spLocks noGrp="1"/>
-          </p:cNvSpPr>
-          <p:nvPr>
-            <p:ph type="title"/>
-          </p:nvPr>
-        </p:nvSpPr>
-        <p:spPr/>
-        <p:txBody>
-          <a:bodyPr/>
-          <a:lstStyle/>
-          <a:p>
-            <a:r>
-              <a:rPr lang="en-US" dirty="0"/>
-              <a:t>Appendix - Google Cloud</a:t>
-            </a:r>
-          </a:p>
-        </p:txBody>
-      </p:sp>
-      <p:sp>
-        <p:nvSpPr>
-          <p:cNvPr id="4" name="Content Placeholder 3">
-            <a:extLst>
-              <a:ext uri="{FF2B5EF4-FFF2-40B4-BE49-F238E27FC236}">
-                <a16:creationId xmlns:a16="http://schemas.microsoft.com/office/drawing/2014/main" id="{65A76E98-9216-4EED-8AB5-40415E214144}"/>
-              </a:ext>
-            </a:extLst>
-          </p:cNvPr>
-          <p:cNvSpPr>
-            <a:spLocks noGrp="1"/>
-          </p:cNvSpPr>
-          <p:nvPr>
-            <p:ph idx="1"/>
-          </p:nvPr>
-        </p:nvSpPr>
-        <p:spPr>
-          <a:xfrm>
-            <a:off x="2022437" y="1624405"/>
-            <a:ext cx="8799755" cy="4324574"/>
-          </a:xfrm>
-        </p:spPr>
-        <p:txBody>
-          <a:bodyPr>
-            <a:normAutofit/>
-          </a:bodyPr>
-          <a:lstStyle/>
-          <a:p>
-            <a:pPr lvl="1"/>
-            <a:endParaRPr lang="en-AU" dirty="0"/>
-          </a:p>
-          <a:p>
-            <a:pPr marL="457200" lvl="1" indent="0">
-              <a:buNone/>
-            </a:pPr>
-            <a:endParaRPr lang="en-AU" dirty="0"/>
-          </a:p>
-          <a:p>
-            <a:pPr lvl="1"/>
-            <a:endParaRPr lang="en-AU" dirty="0"/>
-          </a:p>
-        </p:txBody>
-      </p:sp>
-      <p:sp>
-        <p:nvSpPr>
-          <p:cNvPr id="5" name="Rectangle 2">
-            <a:extLst>
-              <a:ext uri="{FF2B5EF4-FFF2-40B4-BE49-F238E27FC236}">
-                <a16:creationId xmlns:a16="http://schemas.microsoft.com/office/drawing/2014/main" id="{02CB1686-ADE2-4020-A598-CE4D0762E7AE}"/>
-              </a:ext>
-            </a:extLst>
-          </p:cNvPr>
-          <p:cNvSpPr>
-            <a:spLocks noChangeArrowheads="1"/>
-          </p:cNvSpPr>
-          <p:nvPr/>
-        </p:nvSpPr>
-        <p:spPr bwMode="auto">
-          <a:xfrm>
-            <a:off x="2274450" y="1101187"/>
-            <a:ext cx="6816998" cy="1867113"/>
-          </a:xfrm>
-          <a:prstGeom prst="rect">
-            <a:avLst/>
-          </a:prstGeom>
-          <a:solidFill>
-            <a:srgbClr val="F7F7F7"/>
-          </a:solidFill>
-          <a:ln>
-            <a:noFill/>
-          </a:ln>
-          <a:effectLst/>
-          <a:extLst>
-            <a:ext uri="{91240B29-F687-4F45-9708-019B960494DF}">
-              <a14:hiddenLine xmlns:a14="http://schemas.microsoft.com/office/drawing/2010/main" w="9525">
-                <a:solidFill>
-                  <a:schemeClr val="tx1"/>
-                </a:solidFill>
-                <a:miter lim="800000"/>
-                <a:headEnd/>
-                <a:tailEnd/>
-              </a14:hiddenLine>
-            </a:ext>
-            <a:ext uri="{AF507438-7753-43E0-B8FC-AC1667EBCBE1}">
-              <a14:hiddenEffects xmlns:a14="http://schemas.microsoft.com/office/drawing/2010/main">
-                <a:effectLst>
-                  <a:outerShdw dist="35921" dir="2700000" algn="ctr" rotWithShape="0">
-                    <a:schemeClr val="bg2"/>
-                  </a:outerShdw>
-                </a:effectLst>
-              </a14:hiddenEffects>
-            </a:ext>
-          </a:extLst>
-        </p:spPr>
-        <p:txBody>
-          <a:bodyPr vert="horz" wrap="square" lIns="0" tIns="101568" rIns="0" bIns="101568" numCol="1" anchor="ctr" anchorCtr="0" compatLnSpc="1">
-            <a:prstTxWarp prst="textNoShape">
-              <a:avLst/>
-            </a:prstTxWarp>
-            <a:spAutoFit/>
-          </a:bodyPr>
-          <a:lstStyle/>
-          <a:p>
-            <a:pPr marL="0" marR="0" lvl="0" indent="0" algn="l" defTabSz="914400" rtl="0" eaLnBrk="0" fontAlgn="base" latinLnBrk="0" hangingPunct="0">
-              <a:lnSpc>
-                <a:spcPct val="100000"/>
-              </a:lnSpc>
-              <a:spcBef>
-                <a:spcPct val="0"/>
-              </a:spcBef>
-              <a:spcAft>
-                <a:spcPct val="0"/>
-              </a:spcAft>
-              <a:buClrTx/>
-              <a:buSzTx/>
-              <a:buFontTx/>
-              <a:buNone/>
-              <a:tabLst/>
-            </a:pPr>
-            <a:r>
-              <a:rPr lang="en-US" altLang="en-US" dirty="0" err="1">
-                <a:latin typeface="Arial" panose="020B0604020202020204" pitchFamily="34" charset="0"/>
-              </a:rPr>
-              <a:t>g</a:t>
-            </a:r>
-            <a:r>
-              <a:rPr kumimoji="0" lang="en-US" altLang="en-US" sz="1800" b="0" i="0" u="none" strike="noStrike" cap="none" normalizeH="0" baseline="0" dirty="0" err="1">
-                <a:ln>
-                  <a:noFill/>
-                </a:ln>
-                <a:solidFill>
-                  <a:schemeClr val="tx1"/>
-                </a:solidFill>
-                <a:effectLst/>
-                <a:latin typeface="Arial" panose="020B0604020202020204" pitchFamily="34" charset="0"/>
-              </a:rPr>
-              <a:t>cloud</a:t>
-            </a:r>
-            <a:r>
-              <a:rPr kumimoji="0" lang="en-US" altLang="en-US" sz="1800" b="0" i="0" u="none" strike="noStrike" cap="none" normalizeH="0" baseline="0" dirty="0">
-                <a:ln>
-                  <a:noFill/>
-                </a:ln>
-                <a:solidFill>
-                  <a:schemeClr val="tx1"/>
-                </a:solidFill>
-                <a:effectLst/>
-                <a:latin typeface="Arial" panose="020B0604020202020204" pitchFamily="34" charset="0"/>
-              </a:rPr>
-              <a:t> components install app-engine-java</a:t>
-            </a:r>
-          </a:p>
-          <a:p>
-            <a:pPr marL="0" marR="0" lvl="0" indent="0" algn="l" defTabSz="914400" rtl="0" eaLnBrk="0" fontAlgn="base" latinLnBrk="0" hangingPunct="0">
-              <a:lnSpc>
-                <a:spcPct val="100000"/>
-              </a:lnSpc>
-              <a:spcBef>
-                <a:spcPct val="0"/>
-              </a:spcBef>
-              <a:spcAft>
-                <a:spcPct val="0"/>
-              </a:spcAft>
-              <a:buClrTx/>
-              <a:buSzTx/>
-              <a:buFontTx/>
-              <a:buNone/>
-              <a:tabLst/>
-            </a:pPr>
-            <a:r>
-              <a:rPr kumimoji="0" lang="en-US" altLang="en-US" sz="1800" b="0" i="0" u="none" strike="noStrike" cap="none" normalizeH="0" baseline="0" dirty="0" err="1">
-                <a:ln>
-                  <a:noFill/>
-                </a:ln>
-                <a:solidFill>
-                  <a:schemeClr val="tx1"/>
-                </a:solidFill>
-                <a:effectLst/>
-                <a:latin typeface="Arial" panose="020B0604020202020204" pitchFamily="34" charset="0"/>
-              </a:rPr>
-              <a:t>gcloud</a:t>
-            </a:r>
-            <a:r>
-              <a:rPr kumimoji="0" lang="en-US" altLang="en-US" sz="1800" b="0" i="0" u="none" strike="noStrike" cap="none" normalizeH="0" baseline="0" dirty="0">
-                <a:ln>
-                  <a:noFill/>
-                </a:ln>
-                <a:solidFill>
-                  <a:schemeClr val="tx1"/>
-                </a:solidFill>
-                <a:effectLst/>
-                <a:latin typeface="Arial" panose="020B0604020202020204" pitchFamily="34" charset="0"/>
-              </a:rPr>
-              <a:t> config set proxy/type http</a:t>
-            </a:r>
-          </a:p>
-          <a:p>
-            <a:pPr marL="0" marR="0" lvl="0" indent="0" algn="l" defTabSz="914400" rtl="0" eaLnBrk="0" fontAlgn="base" latinLnBrk="0" hangingPunct="0">
-              <a:lnSpc>
-                <a:spcPct val="100000"/>
-              </a:lnSpc>
-              <a:spcBef>
-                <a:spcPct val="0"/>
-              </a:spcBef>
-              <a:spcAft>
-                <a:spcPct val="0"/>
-              </a:spcAft>
-              <a:buClrTx/>
-              <a:buSzTx/>
-              <a:buFontTx/>
-              <a:buNone/>
-              <a:tabLst/>
-            </a:pPr>
-            <a:r>
-              <a:rPr lang="en-US" altLang="en-US" dirty="0" err="1">
-                <a:latin typeface="Arial" panose="020B0604020202020204" pitchFamily="34" charset="0"/>
-              </a:rPr>
-              <a:t>gcloud</a:t>
-            </a:r>
-            <a:r>
-              <a:rPr lang="en-US" altLang="en-US" dirty="0">
-                <a:latin typeface="Arial" panose="020B0604020202020204" pitchFamily="34" charset="0"/>
-              </a:rPr>
-              <a:t> config set </a:t>
-            </a:r>
-            <a:r>
-              <a:rPr lang="en-US" altLang="en-US" dirty="0" err="1">
-                <a:latin typeface="Arial" panose="020B0604020202020204" pitchFamily="34" charset="0"/>
-              </a:rPr>
-              <a:t>proxyaddress</a:t>
-            </a:r>
-            <a:r>
-              <a:rPr lang="en-US" altLang="en-US" dirty="0">
-                <a:latin typeface="Arial" panose="020B0604020202020204" pitchFamily="34" charset="0"/>
-              </a:rPr>
-              <a:t> </a:t>
-            </a:r>
-            <a:r>
-              <a:rPr lang="en-US" altLang="en-US" dirty="0" err="1">
-                <a:latin typeface="Arial" panose="020B0604020202020204" pitchFamily="34" charset="0"/>
-              </a:rPr>
-              <a:t>eisproxyns</a:t>
-            </a:r>
-            <a:endParaRPr lang="en-US" altLang="en-US" dirty="0">
-              <a:latin typeface="Arial" panose="020B0604020202020204" pitchFamily="34" charset="0"/>
-            </a:endParaRPr>
-          </a:p>
-          <a:p>
-            <a:pPr marL="0" marR="0" lvl="0" indent="0" algn="l" defTabSz="914400" rtl="0" eaLnBrk="0" fontAlgn="base" latinLnBrk="0" hangingPunct="0">
-              <a:lnSpc>
-                <a:spcPct val="100000"/>
-              </a:lnSpc>
-              <a:spcBef>
-                <a:spcPct val="0"/>
-              </a:spcBef>
-              <a:spcAft>
-                <a:spcPct val="0"/>
-              </a:spcAft>
-              <a:buClrTx/>
-              <a:buSzTx/>
-              <a:buFontTx/>
-              <a:buNone/>
-              <a:tabLst/>
-            </a:pPr>
-            <a:r>
-              <a:rPr lang="en-US" altLang="en-US" dirty="0" err="1">
-                <a:latin typeface="Arial" panose="020B0604020202020204" pitchFamily="34" charset="0"/>
-              </a:rPr>
-              <a:t>g</a:t>
-            </a:r>
-            <a:r>
-              <a:rPr kumimoji="0" lang="en-US" altLang="en-US" sz="1800" b="0" i="0" u="none" strike="noStrike" cap="none" normalizeH="0" baseline="0" dirty="0" err="1">
-                <a:ln>
-                  <a:noFill/>
-                </a:ln>
-                <a:solidFill>
-                  <a:schemeClr val="tx1"/>
-                </a:solidFill>
-                <a:effectLst/>
-                <a:latin typeface="Arial" panose="020B0604020202020204" pitchFamily="34" charset="0"/>
-              </a:rPr>
-              <a:t>cloud</a:t>
-            </a:r>
-            <a:r>
-              <a:rPr kumimoji="0" lang="en-US" altLang="en-US" sz="1800" b="0" i="0" u="none" strike="noStrike" cap="none" normalizeH="0" baseline="0" dirty="0">
-                <a:ln>
-                  <a:noFill/>
-                </a:ln>
-                <a:solidFill>
-                  <a:schemeClr val="tx1"/>
-                </a:solidFill>
-                <a:effectLst/>
-                <a:latin typeface="Arial" panose="020B0604020202020204" pitchFamily="34" charset="0"/>
-              </a:rPr>
-              <a:t> config set proxy/port 8080</a:t>
-            </a:r>
-          </a:p>
-          <a:p>
-            <a:pPr marL="0" marR="0" lvl="0" indent="0" algn="l" defTabSz="914400" rtl="0" eaLnBrk="0" fontAlgn="base" latinLnBrk="0" hangingPunct="0">
-              <a:lnSpc>
-                <a:spcPct val="100000"/>
-              </a:lnSpc>
-              <a:spcBef>
-                <a:spcPct val="0"/>
-              </a:spcBef>
-              <a:spcAft>
-                <a:spcPct val="0"/>
-              </a:spcAft>
-              <a:buClrTx/>
-              <a:buSzTx/>
-              <a:buFontTx/>
-              <a:buNone/>
-              <a:tabLst/>
-            </a:pPr>
-            <a:endParaRPr lang="en-US" altLang="en-US" dirty="0">
-              <a:latin typeface="Arial" panose="020B0604020202020204" pitchFamily="34" charset="0"/>
-            </a:endParaRPr>
-          </a:p>
-          <a:p>
-            <a:pPr lvl="0" defTabSz="914400" eaLnBrk="0" fontAlgn="base" hangingPunct="0">
-              <a:spcBef>
-                <a:spcPct val="0"/>
-              </a:spcBef>
-              <a:spcAft>
-                <a:spcPct val="0"/>
-              </a:spcAft>
-            </a:pPr>
-            <a:r>
-              <a:rPr lang="en-US" altLang="en-US" dirty="0" err="1">
-                <a:latin typeface="Arial" panose="020B0604020202020204" pitchFamily="34" charset="0"/>
-              </a:rPr>
-              <a:t>gcloud</a:t>
-            </a:r>
-            <a:r>
-              <a:rPr lang="en-US" altLang="en-US" dirty="0">
-                <a:latin typeface="Arial" panose="020B0604020202020204" pitchFamily="34" charset="0"/>
-              </a:rPr>
-              <a:t> config set core/</a:t>
-            </a:r>
-            <a:r>
-              <a:rPr lang="en-US" altLang="en-US" dirty="0" err="1">
-                <a:latin typeface="Arial" panose="020B0604020202020204" pitchFamily="34" charset="0"/>
-              </a:rPr>
-              <a:t>custom_ca_certs_file</a:t>
-            </a:r>
-            <a:r>
-              <a:rPr lang="en-US" altLang="en-US" dirty="0">
-                <a:latin typeface="Arial" panose="020B0604020202020204" pitchFamily="34" charset="0"/>
-              </a:rPr>
-              <a:t> /path/to/</a:t>
-            </a:r>
-            <a:r>
-              <a:rPr lang="en-US" altLang="en-US" dirty="0" err="1">
-                <a:latin typeface="Arial" panose="020B0604020202020204" pitchFamily="34" charset="0"/>
-              </a:rPr>
-              <a:t>ca_certs</a:t>
-            </a:r>
-            <a:endParaRPr kumimoji="0" lang="en-US" altLang="en-US" sz="1800" b="0" i="0" u="none" strike="noStrike" cap="none" normalizeH="0" baseline="0" dirty="0">
-              <a:ln>
-                <a:noFill/>
-              </a:ln>
-              <a:solidFill>
-                <a:schemeClr val="tx1"/>
-              </a:solidFill>
-              <a:effectLst/>
-              <a:latin typeface="Arial" panose="020B0604020202020204" pitchFamily="34" charset="0"/>
-            </a:endParaRPr>
-          </a:p>
-        </p:txBody>
-      </p:sp>
-    </p:spTree>
-    <p:extLst>
-      <p:ext uri="{BB962C8B-B14F-4D97-AF65-F5344CB8AC3E}">
-        <p14:creationId xmlns:p14="http://schemas.microsoft.com/office/powerpoint/2010/main" val="2286473323"/>
       </p:ext>
     </p:extLst>
   </p:cSld>

--- a/presentation/ApacheCamel.pptx
+++ b/presentation/ApacheCamel.pptx
@@ -5,7 +5,7 @@
     <p:sldMasterId id="2147483648" r:id="rId1"/>
   </p:sldMasterIdLst>
   <p:notesMasterIdLst>
-    <p:notesMasterId r:id="rId20"/>
+    <p:notesMasterId r:id="rId31"/>
   </p:notesMasterIdLst>
   <p:sldIdLst>
     <p:sldId id="256" r:id="rId2"/>
@@ -26,6 +26,17 @@
     <p:sldId id="278" r:id="rId17"/>
     <p:sldId id="267" r:id="rId18"/>
     <p:sldId id="280" r:id="rId19"/>
+    <p:sldId id="281" r:id="rId20"/>
+    <p:sldId id="282" r:id="rId21"/>
+    <p:sldId id="283" r:id="rId22"/>
+    <p:sldId id="284" r:id="rId23"/>
+    <p:sldId id="286" r:id="rId24"/>
+    <p:sldId id="288" r:id="rId25"/>
+    <p:sldId id="289" r:id="rId26"/>
+    <p:sldId id="291" r:id="rId27"/>
+    <p:sldId id="292" r:id="rId28"/>
+    <p:sldId id="287" r:id="rId29"/>
+    <p:sldId id="285" r:id="rId30"/>
   </p:sldIdLst>
   <p:sldSz cx="12192000" cy="6858000"/>
   <p:notesSz cx="6858000" cy="9144000"/>
@@ -214,7 +225,7 @@
           <a:p>
             <a:fld id="{9F750727-92B0-8045-9855-3A6FFC1FE122}" type="datetimeFigureOut">
               <a:rPr lang="en-US" smtClean="0"/>
-              <a:t>3/4/2019</a:t>
+              <a:t>3/6/19</a:t>
             </a:fld>
             <a:endParaRPr lang="en-US"/>
           </a:p>
@@ -1335,7 +1346,7 @@
             <a:fld id="{B61BEF0D-F0BB-DE4B-95CE-6DB70DBA9567}" type="datetimeFigureOut">
               <a:rPr lang="en-US" dirty="0"/>
               <a:pPr/>
-              <a:t>3/4/2019</a:t>
+              <a:t>3/6/19</a:t>
             </a:fld>
             <a:endParaRPr lang="en-US" dirty="0"/>
           </a:p>
@@ -1670,7 +1681,7 @@
             <a:fld id="{B61BEF0D-F0BB-DE4B-95CE-6DB70DBA9567}" type="datetimeFigureOut">
               <a:rPr lang="en-US" dirty="0"/>
               <a:pPr/>
-              <a:t>3/4/2019</a:t>
+              <a:t>3/6/19</a:t>
             </a:fld>
             <a:endParaRPr lang="en-US" dirty="0"/>
           </a:p>
@@ -2068,7 +2079,7 @@
             <a:fld id="{B61BEF0D-F0BB-DE4B-95CE-6DB70DBA9567}" type="datetimeFigureOut">
               <a:rPr lang="en-US" dirty="0"/>
               <a:pPr/>
-              <a:t>3/4/2019</a:t>
+              <a:t>3/6/19</a:t>
             </a:fld>
             <a:endParaRPr lang="en-US" dirty="0"/>
           </a:p>
@@ -2401,7 +2412,7 @@
             <a:fld id="{B61BEF0D-F0BB-DE4B-95CE-6DB70DBA9567}" type="datetimeFigureOut">
               <a:rPr lang="en-US" dirty="0"/>
               <a:pPr/>
-              <a:t>3/4/2019</a:t>
+              <a:t>3/6/19</a:t>
             </a:fld>
             <a:endParaRPr lang="en-US" dirty="0"/>
           </a:p>
@@ -2718,7 +2729,7 @@
             <a:fld id="{B61BEF0D-F0BB-DE4B-95CE-6DB70DBA9567}" type="datetimeFigureOut">
               <a:rPr lang="en-US" dirty="0"/>
               <a:pPr/>
-              <a:t>3/4/2019</a:t>
+              <a:t>3/6/19</a:t>
             </a:fld>
             <a:endParaRPr lang="en-US" dirty="0"/>
           </a:p>
@@ -3111,7 +3122,7 @@
             <a:fld id="{B61BEF0D-F0BB-DE4B-95CE-6DB70DBA9567}" type="datetimeFigureOut">
               <a:rPr lang="en-US" dirty="0"/>
               <a:pPr/>
-              <a:t>3/4/2019</a:t>
+              <a:t>3/6/19</a:t>
             </a:fld>
             <a:endParaRPr lang="en-US" dirty="0"/>
           </a:p>
@@ -3365,7 +3376,7 @@
             <a:fld id="{B61BEF0D-F0BB-DE4B-95CE-6DB70DBA9567}" type="datetimeFigureOut">
               <a:rPr lang="en-US" dirty="0"/>
               <a:pPr/>
-              <a:t>3/4/2019</a:t>
+              <a:t>3/6/19</a:t>
             </a:fld>
             <a:endParaRPr lang="en-US" dirty="0"/>
           </a:p>
@@ -3624,7 +3635,7 @@
             <a:fld id="{B61BEF0D-F0BB-DE4B-95CE-6DB70DBA9567}" type="datetimeFigureOut">
               <a:rPr lang="en-US" dirty="0"/>
               <a:pPr/>
-              <a:t>3/4/2019</a:t>
+              <a:t>3/6/19</a:t>
             </a:fld>
             <a:endParaRPr lang="en-US" dirty="0"/>
           </a:p>
@@ -3883,7 +3894,7 @@
             <a:fld id="{B61BEF0D-F0BB-DE4B-95CE-6DB70DBA9567}" type="datetimeFigureOut">
               <a:rPr lang="en-US" dirty="0"/>
               <a:pPr/>
-              <a:t>3/4/2019</a:t>
+              <a:t>3/6/19</a:t>
             </a:fld>
             <a:endParaRPr lang="en-US" dirty="0"/>
           </a:p>
@@ -4209,7 +4220,7 @@
             <a:fld id="{B61BEF0D-F0BB-DE4B-95CE-6DB70DBA9567}" type="datetimeFigureOut">
               <a:rPr lang="en-US" dirty="0"/>
               <a:pPr/>
-              <a:t>3/4/2019</a:t>
+              <a:t>3/6/19</a:t>
             </a:fld>
             <a:endParaRPr lang="en-US" dirty="0"/>
           </a:p>
@@ -4529,7 +4540,7 @@
             <a:fld id="{B61BEF0D-F0BB-DE4B-95CE-6DB70DBA9567}" type="datetimeFigureOut">
               <a:rPr lang="en-US" dirty="0"/>
               <a:pPr/>
-              <a:t>3/4/2019</a:t>
+              <a:t>3/6/19</a:t>
             </a:fld>
             <a:endParaRPr lang="en-US" dirty="0"/>
           </a:p>
@@ -4983,7 +4994,7 @@
             <a:fld id="{B61BEF0D-F0BB-DE4B-95CE-6DB70DBA9567}" type="datetimeFigureOut">
               <a:rPr lang="en-US" dirty="0"/>
               <a:pPr/>
-              <a:t>3/4/2019</a:t>
+              <a:t>3/6/19</a:t>
             </a:fld>
             <a:endParaRPr lang="en-US" dirty="0"/>
           </a:p>
@@ -5185,7 +5196,7 @@
             <a:fld id="{B61BEF0D-F0BB-DE4B-95CE-6DB70DBA9567}" type="datetimeFigureOut">
               <a:rPr lang="en-US" dirty="0"/>
               <a:pPr/>
-              <a:t>3/4/2019</a:t>
+              <a:t>3/6/19</a:t>
             </a:fld>
             <a:endParaRPr lang="en-US" dirty="0"/>
           </a:p>
@@ -5359,7 +5370,7 @@
             <a:fld id="{B61BEF0D-F0BB-DE4B-95CE-6DB70DBA9567}" type="datetimeFigureOut">
               <a:rPr lang="en-US" dirty="0"/>
               <a:pPr/>
-              <a:t>3/4/2019</a:t>
+              <a:t>3/6/19</a:t>
             </a:fld>
             <a:endParaRPr lang="en-US" dirty="0"/>
           </a:p>
@@ -5689,7 +5700,7 @@
             <a:fld id="{B61BEF0D-F0BB-DE4B-95CE-6DB70DBA9567}" type="datetimeFigureOut">
               <a:rPr lang="en-US" dirty="0"/>
               <a:pPr/>
-              <a:t>3/4/2019</a:t>
+              <a:t>3/6/19</a:t>
             </a:fld>
             <a:endParaRPr lang="en-US" dirty="0"/>
           </a:p>
@@ -6031,7 +6042,7 @@
             <a:fld id="{B61BEF0D-F0BB-DE4B-95CE-6DB70DBA9567}" type="datetimeFigureOut">
               <a:rPr lang="en-US" dirty="0"/>
               <a:pPr/>
-              <a:t>3/4/2019</a:t>
+              <a:t>3/6/19</a:t>
             </a:fld>
             <a:endParaRPr lang="en-US" dirty="0"/>
           </a:p>
@@ -8145,7 +8156,7 @@
             <a:fld id="{B61BEF0D-F0BB-DE4B-95CE-6DB70DBA9567}" type="datetimeFigureOut">
               <a:rPr lang="en-US" dirty="0"/>
               <a:pPr/>
-              <a:t>3/4/2019</a:t>
+              <a:t>3/6/19</a:t>
             </a:fld>
             <a:endParaRPr lang="en-US" dirty="0"/>
           </a:p>
@@ -8791,7 +8802,7 @@
 </file>
 
 <file path=ppt/slides/slide10.xml><?xml version="1.0" encoding="utf-8"?>
-<p:sld xmlns:a="http://schemas.openxmlformats.org/drawingml/2006/main" xmlns:r="http://schemas.openxmlformats.org/officeDocument/2006/relationships" xmlns:p="http://schemas.openxmlformats.org/presentationml/2006/main">
+<p:sld xmlns:a="http://schemas.openxmlformats.org/drawingml/2006/main" xmlns:r="http://schemas.openxmlformats.org/officeDocument/2006/relationships" xmlns:p="http://schemas.openxmlformats.org/presentationml/2006/main" show="0">
   <p:cSld>
     <p:spTree>
       <p:nvGrpSpPr>
@@ -10275,7 +10286,7 @@
 </file>
 
 <file path=ppt/slides/slide13.xml><?xml version="1.0" encoding="utf-8"?>
-<p:sld xmlns:a="http://schemas.openxmlformats.org/drawingml/2006/main" xmlns:r="http://schemas.openxmlformats.org/officeDocument/2006/relationships" xmlns:p="http://schemas.openxmlformats.org/presentationml/2006/main">
+<p:sld xmlns:a="http://schemas.openxmlformats.org/drawingml/2006/main" xmlns:r="http://schemas.openxmlformats.org/officeDocument/2006/relationships" xmlns:p="http://schemas.openxmlformats.org/presentationml/2006/main" show="0">
   <p:cSld>
     <p:spTree>
       <p:nvGrpSpPr>
@@ -11149,8 +11160,845 @@
 </p:sld>
 </file>
 
+<file path=ppt/slides/slide19.xml><?xml version="1.0" encoding="utf-8"?>
+<p:sld xmlns:a="http://schemas.openxmlformats.org/drawingml/2006/main" xmlns:r="http://schemas.openxmlformats.org/officeDocument/2006/relationships" xmlns:p="http://schemas.openxmlformats.org/presentationml/2006/main">
+  <p:cSld>
+    <p:spTree>
+      <p:nvGrpSpPr>
+        <p:cNvPr id="1" name=""/>
+        <p:cNvGrpSpPr/>
+        <p:nvPr/>
+      </p:nvGrpSpPr>
+      <p:grpSpPr>
+        <a:xfrm>
+          <a:off x="0" y="0"/>
+          <a:ext cx="0" cy="0"/>
+          <a:chOff x="0" y="0"/>
+          <a:chExt cx="0" cy="0"/>
+        </a:xfrm>
+      </p:grpSpPr>
+      <p:sp>
+        <p:nvSpPr>
+          <p:cNvPr id="2" name="Title 1">
+            <a:extLst>
+              <a:ext uri="{FF2B5EF4-FFF2-40B4-BE49-F238E27FC236}">
+                <a16:creationId xmlns:a16="http://schemas.microsoft.com/office/drawing/2014/main" id="{2A6A7509-3510-E84E-9BC4-0A0EF04F28F8}"/>
+              </a:ext>
+            </a:extLst>
+          </p:cNvPr>
+          <p:cNvSpPr>
+            <a:spLocks noGrp="1"/>
+          </p:cNvSpPr>
+          <p:nvPr>
+            <p:ph type="title"/>
+          </p:nvPr>
+        </p:nvSpPr>
+        <p:spPr>
+          <a:xfrm>
+            <a:off x="2151491" y="274013"/>
+            <a:ext cx="8911687" cy="700193"/>
+          </a:xfrm>
+        </p:spPr>
+        <p:txBody>
+          <a:bodyPr/>
+          <a:lstStyle/>
+          <a:p>
+            <a:r>
+              <a:rPr lang="en-US" dirty="0"/>
+              <a:t>Integration Parts – Model</a:t>
+            </a:r>
+          </a:p>
+        </p:txBody>
+      </p:sp>
+      <p:sp>
+        <p:nvSpPr>
+          <p:cNvPr id="4" name="Content Placeholder 3">
+            <a:extLst>
+              <a:ext uri="{FF2B5EF4-FFF2-40B4-BE49-F238E27FC236}">
+                <a16:creationId xmlns:a16="http://schemas.microsoft.com/office/drawing/2014/main" id="{65A76E98-9216-4EED-8AB5-40415E214144}"/>
+              </a:ext>
+            </a:extLst>
+          </p:cNvPr>
+          <p:cNvSpPr>
+            <a:spLocks noGrp="1"/>
+          </p:cNvSpPr>
+          <p:nvPr>
+            <p:ph idx="1"/>
+          </p:nvPr>
+        </p:nvSpPr>
+        <p:spPr>
+          <a:xfrm>
+            <a:off x="2022437" y="974206"/>
+            <a:ext cx="4664113" cy="5483744"/>
+          </a:xfrm>
+        </p:spPr>
+        <p:txBody>
+          <a:bodyPr>
+            <a:normAutofit fontScale="55000" lnSpcReduction="20000"/>
+          </a:bodyPr>
+          <a:lstStyle/>
+          <a:p>
+            <a:pPr lvl="1"/>
+            <a:r>
+              <a:rPr lang="en-AU" sz="2000" dirty="0"/>
+              <a:t>JSON Schema – POJO through Jackson-Binding</a:t>
+            </a:r>
+          </a:p>
+          <a:p>
+            <a:pPr lvl="1"/>
+            <a:r>
+              <a:rPr lang="en-AU" sz="2000" dirty="0"/>
+              <a:t>{</a:t>
+            </a:r>
+            <a:br>
+              <a:rPr lang="en-AU" sz="2000" dirty="0"/>
+            </a:br>
+            <a:r>
+              <a:rPr lang="en-AU" sz="2000" dirty="0"/>
+              <a:t>  "</a:t>
+            </a:r>
+            <a:r>
+              <a:rPr lang="en-AU" sz="2000" dirty="0" err="1"/>
+              <a:t>customerId</a:t>
+            </a:r>
+            <a:r>
+              <a:rPr lang="en-AU" sz="2000" dirty="0"/>
+              <a:t>": "string",</a:t>
+            </a:r>
+            <a:br>
+              <a:rPr lang="en-AU" sz="2000" dirty="0"/>
+            </a:br>
+            <a:r>
+              <a:rPr lang="en-AU" sz="2000" dirty="0"/>
+              <a:t>  "</a:t>
+            </a:r>
+            <a:r>
+              <a:rPr lang="en-AU" sz="2000" dirty="0" err="1"/>
+              <a:t>customerDetails</a:t>
+            </a:r>
+            <a:r>
+              <a:rPr lang="en-AU" sz="2000" dirty="0"/>
+              <a:t>": {</a:t>
+            </a:r>
+            <a:br>
+              <a:rPr lang="en-AU" sz="2000" dirty="0"/>
+            </a:br>
+            <a:r>
+              <a:rPr lang="en-AU" sz="2000" dirty="0"/>
+              <a:t>    "</a:t>
+            </a:r>
+            <a:r>
+              <a:rPr lang="en-AU" sz="2000" dirty="0" err="1"/>
+              <a:t>deliveryDetails</a:t>
+            </a:r>
+            <a:r>
+              <a:rPr lang="en-AU" sz="2000" dirty="0"/>
+              <a:t>": {</a:t>
+            </a:r>
+            <a:br>
+              <a:rPr lang="en-AU" sz="2000" dirty="0"/>
+            </a:br>
+            <a:r>
+              <a:rPr lang="en-AU" sz="2000" dirty="0"/>
+              <a:t>      "address": "string",</a:t>
+            </a:r>
+            <a:br>
+              <a:rPr lang="en-AU" sz="2000" dirty="0"/>
+            </a:br>
+            <a:r>
+              <a:rPr lang="en-AU" sz="2000" dirty="0"/>
+              <a:t>      "city": "string",</a:t>
+            </a:r>
+            <a:br>
+              <a:rPr lang="en-AU" sz="2000" dirty="0"/>
+            </a:br>
+            <a:r>
+              <a:rPr lang="en-AU" sz="2000" dirty="0"/>
+              <a:t>      "state": "string",</a:t>
+            </a:r>
+            <a:br>
+              <a:rPr lang="en-AU" sz="2000" dirty="0"/>
+            </a:br>
+            <a:r>
+              <a:rPr lang="en-AU" sz="2000" dirty="0"/>
+              <a:t>      "postcode": "string"</a:t>
+            </a:r>
+            <a:br>
+              <a:rPr lang="en-AU" sz="2000" dirty="0"/>
+            </a:br>
+            <a:r>
+              <a:rPr lang="en-AU" sz="2000" dirty="0"/>
+              <a:t>    },</a:t>
+            </a:r>
+            <a:br>
+              <a:rPr lang="en-AU" sz="2000" dirty="0"/>
+            </a:br>
+            <a:r>
+              <a:rPr lang="en-AU" sz="2000" dirty="0"/>
+              <a:t>    "</a:t>
+            </a:r>
+            <a:r>
+              <a:rPr lang="en-AU" sz="2000" dirty="0" err="1"/>
+              <a:t>paymentDetails</a:t>
+            </a:r>
+            <a:r>
+              <a:rPr lang="en-AU" sz="2000" dirty="0"/>
+              <a:t>": {</a:t>
+            </a:r>
+            <a:br>
+              <a:rPr lang="en-AU" sz="2000" dirty="0"/>
+            </a:br>
+            <a:r>
+              <a:rPr lang="en-AU" sz="2000" dirty="0"/>
+              <a:t>      "</a:t>
+            </a:r>
+            <a:r>
+              <a:rPr lang="en-AU" sz="2000" dirty="0" err="1"/>
+              <a:t>paymentType</a:t>
+            </a:r>
+            <a:r>
+              <a:rPr lang="en-AU" sz="2000" dirty="0"/>
+              <a:t>": "string",</a:t>
+            </a:r>
+            <a:br>
+              <a:rPr lang="en-AU" sz="2000" dirty="0"/>
+            </a:br>
+            <a:r>
+              <a:rPr lang="en-AU" sz="2000" dirty="0"/>
+              <a:t>      "</a:t>
+            </a:r>
+            <a:r>
+              <a:rPr lang="en-AU" sz="2000" dirty="0" err="1"/>
+              <a:t>paymentId</a:t>
+            </a:r>
+            <a:r>
+              <a:rPr lang="en-AU" sz="2000" dirty="0"/>
+              <a:t>": "string",</a:t>
+            </a:r>
+            <a:br>
+              <a:rPr lang="en-AU" sz="2000" dirty="0"/>
+            </a:br>
+            <a:r>
+              <a:rPr lang="en-AU" sz="2000" dirty="0"/>
+              <a:t>      "</a:t>
+            </a:r>
+            <a:r>
+              <a:rPr lang="en-AU" sz="2000" dirty="0" err="1"/>
+              <a:t>expiryDate</a:t>
+            </a:r>
+            <a:r>
+              <a:rPr lang="en-AU" sz="2000" dirty="0"/>
+              <a:t>": "date"</a:t>
+            </a:r>
+            <a:br>
+              <a:rPr lang="en-AU" sz="2000" dirty="0"/>
+            </a:br>
+            <a:r>
+              <a:rPr lang="en-AU" sz="2000" dirty="0"/>
+              <a:t>    }</a:t>
+            </a:r>
+            <a:br>
+              <a:rPr lang="en-AU" sz="2000" dirty="0"/>
+            </a:br>
+            <a:r>
+              <a:rPr lang="en-AU" sz="2000" dirty="0"/>
+              <a:t>  },</a:t>
+            </a:r>
+            <a:br>
+              <a:rPr lang="en-AU" sz="2000" dirty="0"/>
+            </a:br>
+            <a:r>
+              <a:rPr lang="en-AU" sz="2000" dirty="0"/>
+              <a:t>  "</a:t>
+            </a:r>
+            <a:r>
+              <a:rPr lang="en-AU" sz="2000" dirty="0" err="1"/>
+              <a:t>orderDetails</a:t>
+            </a:r>
+            <a:r>
+              <a:rPr lang="en-AU" sz="2000" dirty="0"/>
+              <a:t>": {</a:t>
+            </a:r>
+            <a:br>
+              <a:rPr lang="en-AU" sz="2000" dirty="0"/>
+            </a:br>
+            <a:r>
+              <a:rPr lang="en-AU" sz="2000" dirty="0"/>
+              <a:t>    "items": [</a:t>
+            </a:r>
+            <a:br>
+              <a:rPr lang="en-AU" sz="2000" dirty="0"/>
+            </a:br>
+            <a:r>
+              <a:rPr lang="en-AU" sz="2000" dirty="0"/>
+              <a:t>      {</a:t>
+            </a:r>
+            <a:br>
+              <a:rPr lang="en-AU" sz="2000" dirty="0"/>
+            </a:br>
+            <a:r>
+              <a:rPr lang="en-AU" sz="2000" dirty="0"/>
+              <a:t>        "code": "string",</a:t>
+            </a:r>
+            <a:br>
+              <a:rPr lang="en-AU" sz="2000" dirty="0"/>
+            </a:br>
+            <a:r>
+              <a:rPr lang="en-AU" sz="2000" dirty="0"/>
+              <a:t>        "description": "string",</a:t>
+            </a:r>
+            <a:br>
+              <a:rPr lang="en-AU" sz="2000" dirty="0"/>
+            </a:br>
+            <a:r>
+              <a:rPr lang="en-AU" sz="2000" dirty="0"/>
+              <a:t>        "quantity": "integer",</a:t>
+            </a:r>
+            <a:br>
+              <a:rPr lang="en-AU" sz="2000" dirty="0"/>
+            </a:br>
+            <a:r>
+              <a:rPr lang="en-AU" sz="2000" dirty="0"/>
+              <a:t>        "price": "decimal",</a:t>
+            </a:r>
+            <a:br>
+              <a:rPr lang="en-AU" sz="2000" dirty="0"/>
+            </a:br>
+            <a:r>
+              <a:rPr lang="en-AU" sz="2000" dirty="0"/>
+              <a:t>        "specification": {</a:t>
+            </a:r>
+            <a:br>
+              <a:rPr lang="en-AU" sz="2000" dirty="0"/>
+            </a:br>
+            <a:r>
+              <a:rPr lang="en-AU" sz="2000" dirty="0"/>
+              <a:t>          "description": "string",</a:t>
+            </a:r>
+            <a:br>
+              <a:rPr lang="en-AU" sz="2000" dirty="0"/>
+            </a:br>
+            <a:r>
+              <a:rPr lang="en-AU" sz="2000" dirty="0"/>
+              <a:t>          "dimension": "string",</a:t>
+            </a:r>
+            <a:br>
+              <a:rPr lang="en-AU" sz="2000" dirty="0"/>
+            </a:br>
+            <a:r>
+              <a:rPr lang="en-AU" sz="2000" dirty="0"/>
+              <a:t>          "materials": "string"</a:t>
+            </a:r>
+            <a:br>
+              <a:rPr lang="en-AU" sz="2000" dirty="0"/>
+            </a:br>
+            <a:r>
+              <a:rPr lang="en-AU" sz="2000" dirty="0"/>
+              <a:t>        },</a:t>
+            </a:r>
+            <a:br>
+              <a:rPr lang="en-AU" sz="2000" dirty="0"/>
+            </a:br>
+            <a:r>
+              <a:rPr lang="en-AU" sz="2000" dirty="0"/>
+              <a:t>        "inventory": {</a:t>
+            </a:r>
+            <a:br>
+              <a:rPr lang="en-AU" sz="2000" dirty="0"/>
+            </a:br>
+            <a:r>
+              <a:rPr lang="en-AU" sz="2000" dirty="0"/>
+              <a:t>          "</a:t>
+            </a:r>
+            <a:r>
+              <a:rPr lang="en-AU" sz="2000" dirty="0" err="1"/>
+              <a:t>availableItems</a:t>
+            </a:r>
+            <a:r>
+              <a:rPr lang="en-AU" sz="2000" dirty="0"/>
+              <a:t>": "decimal",</a:t>
+            </a:r>
+            <a:br>
+              <a:rPr lang="en-AU" sz="2000" dirty="0"/>
+            </a:br>
+            <a:r>
+              <a:rPr lang="en-AU" sz="2000" dirty="0"/>
+              <a:t>          "location": "string"</a:t>
+            </a:r>
+            <a:br>
+              <a:rPr lang="en-AU" sz="2000" dirty="0"/>
+            </a:br>
+            <a:r>
+              <a:rPr lang="en-AU" sz="2000" dirty="0"/>
+              <a:t>        }</a:t>
+            </a:r>
+            <a:br>
+              <a:rPr lang="en-AU" sz="2000" dirty="0"/>
+            </a:br>
+            <a:r>
+              <a:rPr lang="en-AU" sz="2000" dirty="0"/>
+              <a:t>      }</a:t>
+            </a:r>
+            <a:br>
+              <a:rPr lang="en-AU" sz="2000" dirty="0"/>
+            </a:br>
+            <a:r>
+              <a:rPr lang="en-AU" sz="2000" dirty="0"/>
+              <a:t>    ]</a:t>
+            </a:r>
+            <a:br>
+              <a:rPr lang="en-AU" sz="2000" dirty="0"/>
+            </a:br>
+            <a:r>
+              <a:rPr lang="en-AU" sz="2000" dirty="0"/>
+              <a:t>  }</a:t>
+            </a:r>
+            <a:br>
+              <a:rPr lang="en-AU" sz="2000" dirty="0"/>
+            </a:br>
+            <a:r>
+              <a:rPr lang="en-AU" sz="2000" dirty="0"/>
+              <a:t>}</a:t>
+            </a:r>
+          </a:p>
+          <a:p>
+            <a:pPr lvl="1"/>
+            <a:endParaRPr lang="en-AU" dirty="0"/>
+          </a:p>
+          <a:p>
+            <a:pPr marL="457200" lvl="1" indent="0">
+              <a:buNone/>
+            </a:pPr>
+            <a:endParaRPr lang="en-AU" dirty="0"/>
+          </a:p>
+          <a:p>
+            <a:pPr lvl="1"/>
+            <a:endParaRPr lang="en-AU" dirty="0"/>
+          </a:p>
+        </p:txBody>
+      </p:sp>
+      <p:sp>
+        <p:nvSpPr>
+          <p:cNvPr id="3" name="TextBox 2">
+            <a:extLst>
+              <a:ext uri="{FF2B5EF4-FFF2-40B4-BE49-F238E27FC236}">
+                <a16:creationId xmlns:a16="http://schemas.microsoft.com/office/drawing/2014/main" id="{69179E84-9C72-514C-ACC5-8EA6C1A22375}"/>
+              </a:ext>
+            </a:extLst>
+          </p:cNvPr>
+          <p:cNvSpPr txBox="1"/>
+          <p:nvPr/>
+        </p:nvSpPr>
+        <p:spPr>
+          <a:xfrm>
+            <a:off x="5257800" y="4143375"/>
+            <a:ext cx="184731" cy="369332"/>
+          </a:xfrm>
+          <a:prstGeom prst="rect">
+            <a:avLst/>
+          </a:prstGeom>
+          <a:noFill/>
+        </p:spPr>
+        <p:txBody>
+          <a:bodyPr wrap="none" rtlCol="0">
+            <a:spAutoFit/>
+          </a:bodyPr>
+          <a:lstStyle/>
+          <a:p>
+            <a:endParaRPr lang="en-US" dirty="0"/>
+          </a:p>
+        </p:txBody>
+      </p:sp>
+      <p:sp>
+        <p:nvSpPr>
+          <p:cNvPr id="5" name="TextBox 4">
+            <a:extLst>
+              <a:ext uri="{FF2B5EF4-FFF2-40B4-BE49-F238E27FC236}">
+                <a16:creationId xmlns:a16="http://schemas.microsoft.com/office/drawing/2014/main" id="{3300ED95-65BD-F342-9078-203195C4461B}"/>
+              </a:ext>
+            </a:extLst>
+          </p:cNvPr>
+          <p:cNvSpPr txBox="1"/>
+          <p:nvPr/>
+        </p:nvSpPr>
+        <p:spPr>
+          <a:xfrm>
+            <a:off x="9986963" y="3786188"/>
+            <a:ext cx="184731" cy="369332"/>
+          </a:xfrm>
+          <a:prstGeom prst="rect">
+            <a:avLst/>
+          </a:prstGeom>
+          <a:noFill/>
+        </p:spPr>
+        <p:txBody>
+          <a:bodyPr wrap="none" rtlCol="0">
+            <a:spAutoFit/>
+          </a:bodyPr>
+          <a:lstStyle/>
+          <a:p>
+            <a:endParaRPr lang="en-US" dirty="0"/>
+          </a:p>
+        </p:txBody>
+      </p:sp>
+      <p:sp>
+        <p:nvSpPr>
+          <p:cNvPr id="7" name="Content Placeholder 3">
+            <a:extLst>
+              <a:ext uri="{FF2B5EF4-FFF2-40B4-BE49-F238E27FC236}">
+                <a16:creationId xmlns:a16="http://schemas.microsoft.com/office/drawing/2014/main" id="{934FEE85-A449-2D44-92CA-D05554EC36E5}"/>
+              </a:ext>
+            </a:extLst>
+          </p:cNvPr>
+          <p:cNvSpPr txBox="1">
+            <a:spLocks/>
+          </p:cNvSpPr>
+          <p:nvPr/>
+        </p:nvSpPr>
+        <p:spPr>
+          <a:xfrm>
+            <a:off x="6686550" y="1241398"/>
+            <a:ext cx="4829175" cy="4887939"/>
+          </a:xfrm>
+          <a:prstGeom prst="rect">
+            <a:avLst/>
+          </a:prstGeom>
+        </p:spPr>
+        <p:txBody>
+          <a:bodyPr vert="horz" lIns="91440" tIns="45720" rIns="91440" bIns="45720" rtlCol="0">
+            <a:normAutofit/>
+          </a:bodyPr>
+          <a:lstStyle>
+            <a:lvl1pPr marL="342900" indent="-342900" algn="l" defTabSz="457200" rtl="0" eaLnBrk="1" latinLnBrk="0" hangingPunct="1">
+              <a:spcBef>
+                <a:spcPts val="1000"/>
+              </a:spcBef>
+              <a:spcAft>
+                <a:spcPts val="0"/>
+              </a:spcAft>
+              <a:buClr>
+                <a:schemeClr val="accent1"/>
+              </a:buClr>
+              <a:buFont typeface="Wingdings 3" charset="2"/>
+              <a:buChar char=""/>
+              <a:defRPr sz="1800" kern="1200">
+                <a:solidFill>
+                  <a:schemeClr val="tx1">
+                    <a:lumMod val="75000"/>
+                    <a:lumOff val="25000"/>
+                  </a:schemeClr>
+                </a:solidFill>
+                <a:latin typeface="+mn-lt"/>
+                <a:ea typeface="+mn-ea"/>
+                <a:cs typeface="+mn-cs"/>
+              </a:defRPr>
+            </a:lvl1pPr>
+            <a:lvl2pPr marL="742950" indent="-285750" algn="l" defTabSz="457200" rtl="0" eaLnBrk="1" latinLnBrk="0" hangingPunct="1">
+              <a:spcBef>
+                <a:spcPts val="1000"/>
+              </a:spcBef>
+              <a:spcAft>
+                <a:spcPts val="0"/>
+              </a:spcAft>
+              <a:buClr>
+                <a:schemeClr val="accent1"/>
+              </a:buClr>
+              <a:buFont typeface="Wingdings 3" charset="2"/>
+              <a:buChar char=""/>
+              <a:defRPr sz="1600" kern="1200">
+                <a:solidFill>
+                  <a:schemeClr val="tx1">
+                    <a:lumMod val="75000"/>
+                    <a:lumOff val="25000"/>
+                  </a:schemeClr>
+                </a:solidFill>
+                <a:latin typeface="+mn-lt"/>
+                <a:ea typeface="+mn-ea"/>
+                <a:cs typeface="+mn-cs"/>
+              </a:defRPr>
+            </a:lvl2pPr>
+            <a:lvl3pPr marL="1143000" indent="-228600" algn="l" defTabSz="457200" rtl="0" eaLnBrk="1" latinLnBrk="0" hangingPunct="1">
+              <a:spcBef>
+                <a:spcPts val="1000"/>
+              </a:spcBef>
+              <a:spcAft>
+                <a:spcPts val="0"/>
+              </a:spcAft>
+              <a:buClr>
+                <a:schemeClr val="accent1"/>
+              </a:buClr>
+              <a:buFont typeface="Wingdings 3" charset="2"/>
+              <a:buChar char=""/>
+              <a:defRPr sz="1400" kern="1200">
+                <a:solidFill>
+                  <a:schemeClr val="tx1">
+                    <a:lumMod val="75000"/>
+                    <a:lumOff val="25000"/>
+                  </a:schemeClr>
+                </a:solidFill>
+                <a:latin typeface="+mn-lt"/>
+                <a:ea typeface="+mn-ea"/>
+                <a:cs typeface="+mn-cs"/>
+              </a:defRPr>
+            </a:lvl3pPr>
+            <a:lvl4pPr marL="1600200" indent="-228600" algn="l" defTabSz="457200" rtl="0" eaLnBrk="1" latinLnBrk="0" hangingPunct="1">
+              <a:spcBef>
+                <a:spcPts val="1000"/>
+              </a:spcBef>
+              <a:spcAft>
+                <a:spcPts val="0"/>
+              </a:spcAft>
+              <a:buClr>
+                <a:schemeClr val="accent1"/>
+              </a:buClr>
+              <a:buFont typeface="Wingdings 3" charset="2"/>
+              <a:buChar char=""/>
+              <a:defRPr sz="1200" kern="1200">
+                <a:solidFill>
+                  <a:schemeClr val="tx1">
+                    <a:lumMod val="75000"/>
+                    <a:lumOff val="25000"/>
+                  </a:schemeClr>
+                </a:solidFill>
+                <a:latin typeface="+mn-lt"/>
+                <a:ea typeface="+mn-ea"/>
+                <a:cs typeface="+mn-cs"/>
+              </a:defRPr>
+            </a:lvl4pPr>
+            <a:lvl5pPr marL="2057400" indent="-228600" algn="l" defTabSz="457200" rtl="0" eaLnBrk="1" latinLnBrk="0" hangingPunct="1">
+              <a:spcBef>
+                <a:spcPts val="1000"/>
+              </a:spcBef>
+              <a:spcAft>
+                <a:spcPts val="0"/>
+              </a:spcAft>
+              <a:buClr>
+                <a:schemeClr val="accent1"/>
+              </a:buClr>
+              <a:buFont typeface="Wingdings 3" charset="2"/>
+              <a:buChar char=""/>
+              <a:defRPr sz="1200" kern="1200">
+                <a:solidFill>
+                  <a:schemeClr val="tx1">
+                    <a:lumMod val="75000"/>
+                    <a:lumOff val="25000"/>
+                  </a:schemeClr>
+                </a:solidFill>
+                <a:latin typeface="+mn-lt"/>
+                <a:ea typeface="+mn-ea"/>
+                <a:cs typeface="+mn-cs"/>
+              </a:defRPr>
+            </a:lvl5pPr>
+            <a:lvl6pPr marL="2514600" indent="-228600" algn="l" defTabSz="457200" rtl="0" eaLnBrk="1" latinLnBrk="0" hangingPunct="1">
+              <a:spcBef>
+                <a:spcPts val="1000"/>
+              </a:spcBef>
+              <a:spcAft>
+                <a:spcPts val="0"/>
+              </a:spcAft>
+              <a:buClr>
+                <a:schemeClr val="accent1"/>
+              </a:buClr>
+              <a:buFont typeface="Wingdings 3" charset="2"/>
+              <a:buChar char=""/>
+              <a:defRPr sz="1200" kern="1200">
+                <a:solidFill>
+                  <a:schemeClr val="tx1">
+                    <a:lumMod val="75000"/>
+                    <a:lumOff val="25000"/>
+                  </a:schemeClr>
+                </a:solidFill>
+                <a:latin typeface="+mn-lt"/>
+                <a:ea typeface="+mn-ea"/>
+                <a:cs typeface="+mn-cs"/>
+              </a:defRPr>
+            </a:lvl6pPr>
+            <a:lvl7pPr marL="2971800" indent="-228600" algn="l" defTabSz="457200" rtl="0" eaLnBrk="1" latinLnBrk="0" hangingPunct="1">
+              <a:spcBef>
+                <a:spcPts val="1000"/>
+              </a:spcBef>
+              <a:spcAft>
+                <a:spcPts val="0"/>
+              </a:spcAft>
+              <a:buClr>
+                <a:schemeClr val="accent1"/>
+              </a:buClr>
+              <a:buFont typeface="Wingdings 3" charset="2"/>
+              <a:buChar char=""/>
+              <a:defRPr sz="1200" kern="1200">
+                <a:solidFill>
+                  <a:schemeClr val="tx1">
+                    <a:lumMod val="75000"/>
+                    <a:lumOff val="25000"/>
+                  </a:schemeClr>
+                </a:solidFill>
+                <a:latin typeface="+mn-lt"/>
+                <a:ea typeface="+mn-ea"/>
+                <a:cs typeface="+mn-cs"/>
+              </a:defRPr>
+            </a:lvl7pPr>
+            <a:lvl8pPr marL="3429000" indent="-228600" algn="l" defTabSz="457200" rtl="0" eaLnBrk="1" latinLnBrk="0" hangingPunct="1">
+              <a:spcBef>
+                <a:spcPts val="1000"/>
+              </a:spcBef>
+              <a:spcAft>
+                <a:spcPts val="0"/>
+              </a:spcAft>
+              <a:buClr>
+                <a:schemeClr val="accent1"/>
+              </a:buClr>
+              <a:buFont typeface="Wingdings 3" charset="2"/>
+              <a:buChar char=""/>
+              <a:defRPr sz="1200" kern="1200">
+                <a:solidFill>
+                  <a:schemeClr val="tx1">
+                    <a:lumMod val="75000"/>
+                    <a:lumOff val="25000"/>
+                  </a:schemeClr>
+                </a:solidFill>
+                <a:latin typeface="+mn-lt"/>
+                <a:ea typeface="+mn-ea"/>
+                <a:cs typeface="+mn-cs"/>
+              </a:defRPr>
+            </a:lvl8pPr>
+            <a:lvl9pPr marL="3886200" indent="-228600" algn="l" defTabSz="457200" rtl="0" eaLnBrk="1" latinLnBrk="0" hangingPunct="1">
+              <a:spcBef>
+                <a:spcPts val="1000"/>
+              </a:spcBef>
+              <a:spcAft>
+                <a:spcPts val="0"/>
+              </a:spcAft>
+              <a:buClr>
+                <a:schemeClr val="accent1"/>
+              </a:buClr>
+              <a:buFont typeface="Wingdings 3" charset="2"/>
+              <a:buChar char=""/>
+              <a:defRPr sz="1200" kern="1200">
+                <a:solidFill>
+                  <a:schemeClr val="tx1">
+                    <a:lumMod val="75000"/>
+                    <a:lumOff val="25000"/>
+                  </a:schemeClr>
+                </a:solidFill>
+                <a:latin typeface="+mn-lt"/>
+                <a:ea typeface="+mn-ea"/>
+                <a:cs typeface="+mn-cs"/>
+              </a:defRPr>
+            </a:lvl9pPr>
+          </a:lstStyle>
+          <a:p>
+            <a:pPr lvl="1"/>
+            <a:r>
+              <a:rPr lang="en-AU" dirty="0"/>
+              <a:t>Classes</a:t>
+            </a:r>
+          </a:p>
+          <a:p>
+            <a:pPr lvl="2"/>
+            <a:r>
+              <a:rPr lang="en-AU" dirty="0"/>
+              <a:t>Order</a:t>
+            </a:r>
+          </a:p>
+          <a:p>
+            <a:pPr lvl="2"/>
+            <a:r>
+              <a:rPr lang="en-AU" dirty="0" err="1"/>
+              <a:t>CustomerDetails</a:t>
+            </a:r>
+            <a:endParaRPr lang="en-AU" dirty="0"/>
+          </a:p>
+          <a:p>
+            <a:pPr lvl="2"/>
+            <a:r>
+              <a:rPr lang="en-AU" dirty="0" err="1"/>
+              <a:t>DeliveryDetails</a:t>
+            </a:r>
+            <a:endParaRPr lang="en-AU" dirty="0"/>
+          </a:p>
+          <a:p>
+            <a:pPr lvl="2"/>
+            <a:r>
+              <a:rPr lang="en-AU" dirty="0"/>
+              <a:t>Inventory</a:t>
+            </a:r>
+          </a:p>
+          <a:p>
+            <a:pPr lvl="2"/>
+            <a:r>
+              <a:rPr lang="en-AU" dirty="0"/>
+              <a:t>Item</a:t>
+            </a:r>
+          </a:p>
+          <a:p>
+            <a:pPr lvl="2"/>
+            <a:r>
+              <a:rPr lang="en-AU" dirty="0" err="1"/>
+              <a:t>OrderDetails</a:t>
+            </a:r>
+            <a:endParaRPr lang="en-AU" dirty="0"/>
+          </a:p>
+          <a:p>
+            <a:pPr lvl="2"/>
+            <a:r>
+              <a:rPr lang="en-AU" dirty="0" err="1"/>
+              <a:t>PaymentDetails</a:t>
+            </a:r>
+            <a:endParaRPr lang="en-AU" dirty="0"/>
+          </a:p>
+          <a:p>
+            <a:pPr lvl="2"/>
+            <a:r>
+              <a:rPr lang="en-AU" dirty="0"/>
+              <a:t>Specification </a:t>
+            </a:r>
+          </a:p>
+          <a:p>
+            <a:pPr lvl="1"/>
+            <a:r>
+              <a:rPr lang="en-AU" dirty="0"/>
+              <a:t>Each class has extra </a:t>
+            </a:r>
+            <a:r>
+              <a:rPr lang="en-AU" dirty="0" err="1"/>
+              <a:t>additionalProperty</a:t>
+            </a:r>
+            <a:r>
+              <a:rPr lang="en-AU" dirty="0"/>
+              <a:t> created by Jackson</a:t>
+            </a:r>
+          </a:p>
+          <a:p>
+            <a:pPr lvl="2"/>
+            <a:r>
+              <a:rPr lang="en-AU" dirty="0"/>
+              <a:t>Dictionary</a:t>
+            </a:r>
+          </a:p>
+          <a:p>
+            <a:pPr lvl="2"/>
+            <a:r>
+              <a:rPr lang="en-AU" dirty="0"/>
+              <a:t>Placeholder for anything extra</a:t>
+            </a:r>
+          </a:p>
+        </p:txBody>
+      </p:sp>
+    </p:spTree>
+    <p:extLst>
+      <p:ext uri="{BB962C8B-B14F-4D97-AF65-F5344CB8AC3E}">
+        <p14:creationId xmlns:p14="http://schemas.microsoft.com/office/powerpoint/2010/main" val="1586396962"/>
+      </p:ext>
+    </p:extLst>
+  </p:cSld>
+  <p:clrMapOvr>
+    <a:masterClrMapping/>
+  </p:clrMapOvr>
+</p:sld>
+</file>
+
 <file path=ppt/slides/slide2.xml><?xml version="1.0" encoding="utf-8"?>
-<p:sld xmlns:a="http://schemas.openxmlformats.org/drawingml/2006/main" xmlns:r="http://schemas.openxmlformats.org/officeDocument/2006/relationships" xmlns:p="http://schemas.openxmlformats.org/presentationml/2006/main">
+<p:sld xmlns:a="http://schemas.openxmlformats.org/drawingml/2006/main" xmlns:r="http://schemas.openxmlformats.org/officeDocument/2006/relationships" xmlns:p="http://schemas.openxmlformats.org/presentationml/2006/main" show="0">
   <p:cSld>
     <p:spTree>
       <p:nvGrpSpPr>
@@ -11275,6 +12123,4303 @@
 </p:sld>
 </file>
 
+<file path=ppt/slides/slide20.xml><?xml version="1.0" encoding="utf-8"?>
+<p:sld xmlns:a="http://schemas.openxmlformats.org/drawingml/2006/main" xmlns:r="http://schemas.openxmlformats.org/officeDocument/2006/relationships" xmlns:p="http://schemas.openxmlformats.org/presentationml/2006/main">
+  <p:cSld>
+    <p:spTree>
+      <p:nvGrpSpPr>
+        <p:cNvPr id="1" name=""/>
+        <p:cNvGrpSpPr/>
+        <p:nvPr/>
+      </p:nvGrpSpPr>
+      <p:grpSpPr>
+        <a:xfrm>
+          <a:off x="0" y="0"/>
+          <a:ext cx="0" cy="0"/>
+          <a:chOff x="0" y="0"/>
+          <a:chExt cx="0" cy="0"/>
+        </a:xfrm>
+      </p:grpSpPr>
+      <p:sp>
+        <p:nvSpPr>
+          <p:cNvPr id="2" name="Title 1">
+            <a:extLst>
+              <a:ext uri="{FF2B5EF4-FFF2-40B4-BE49-F238E27FC236}">
+                <a16:creationId xmlns:a16="http://schemas.microsoft.com/office/drawing/2014/main" id="{2A6A7509-3510-E84E-9BC4-0A0EF04F28F8}"/>
+              </a:ext>
+            </a:extLst>
+          </p:cNvPr>
+          <p:cNvSpPr>
+            <a:spLocks noGrp="1"/>
+          </p:cNvSpPr>
+          <p:nvPr>
+            <p:ph type="title"/>
+          </p:nvPr>
+        </p:nvSpPr>
+        <p:spPr>
+          <a:xfrm>
+            <a:off x="2151491" y="274013"/>
+            <a:ext cx="8911687" cy="700193"/>
+          </a:xfrm>
+        </p:spPr>
+        <p:txBody>
+          <a:bodyPr/>
+          <a:lstStyle/>
+          <a:p>
+            <a:r>
+              <a:rPr lang="en-US" dirty="0"/>
+              <a:t>Integration Parts – Customer Details API</a:t>
+            </a:r>
+          </a:p>
+        </p:txBody>
+      </p:sp>
+      <p:sp>
+        <p:nvSpPr>
+          <p:cNvPr id="4" name="Content Placeholder 3">
+            <a:extLst>
+              <a:ext uri="{FF2B5EF4-FFF2-40B4-BE49-F238E27FC236}">
+                <a16:creationId xmlns:a16="http://schemas.microsoft.com/office/drawing/2014/main" id="{65A76E98-9216-4EED-8AB5-40415E214144}"/>
+              </a:ext>
+            </a:extLst>
+          </p:cNvPr>
+          <p:cNvSpPr>
+            <a:spLocks noGrp="1"/>
+          </p:cNvSpPr>
+          <p:nvPr>
+            <p:ph idx="1"/>
+          </p:nvPr>
+        </p:nvSpPr>
+        <p:spPr>
+          <a:xfrm>
+            <a:off x="2022437" y="1243012"/>
+            <a:ext cx="8149257" cy="5214937"/>
+          </a:xfrm>
+        </p:spPr>
+        <p:txBody>
+          <a:bodyPr>
+            <a:normAutofit/>
+          </a:bodyPr>
+          <a:lstStyle/>
+          <a:p>
+            <a:pPr lvl="1"/>
+            <a:r>
+              <a:rPr lang="en-AU" sz="2000" dirty="0"/>
+              <a:t>RESTful API</a:t>
+            </a:r>
+          </a:p>
+          <a:p>
+            <a:pPr lvl="2"/>
+            <a:r>
+              <a:rPr lang="en-AU" sz="1800" dirty="0"/>
+              <a:t>Receives a </a:t>
+            </a:r>
+            <a:r>
+              <a:rPr lang="en-AU" sz="1800" dirty="0" err="1"/>
+              <a:t>CustomerID</a:t>
+            </a:r>
+            <a:r>
+              <a:rPr lang="en-AU" sz="1800" dirty="0"/>
+              <a:t> request parameter</a:t>
+            </a:r>
+          </a:p>
+          <a:p>
+            <a:pPr lvl="2"/>
+            <a:r>
+              <a:rPr lang="en-AU" sz="1800" dirty="0"/>
+              <a:t>Returns </a:t>
+            </a:r>
+            <a:r>
+              <a:rPr lang="en-AU" sz="1800" dirty="0" err="1"/>
+              <a:t>CustomerDetails</a:t>
+            </a:r>
+            <a:endParaRPr lang="en-AU" sz="1800" dirty="0"/>
+          </a:p>
+          <a:p>
+            <a:pPr lvl="2"/>
+            <a:r>
+              <a:rPr lang="en-AU" sz="1800" dirty="0"/>
+              <a:t>Uses the </a:t>
+            </a:r>
+            <a:r>
+              <a:rPr lang="en-AU" sz="1800" dirty="0" err="1"/>
+              <a:t>AdditionalProperty</a:t>
+            </a:r>
+            <a:r>
+              <a:rPr lang="en-AU" sz="1800" dirty="0"/>
+              <a:t> Field if no </a:t>
+            </a:r>
+            <a:r>
+              <a:rPr lang="en-AU" sz="1800" dirty="0" err="1"/>
+              <a:t>CustomerDetails</a:t>
+            </a:r>
+            <a:r>
+              <a:rPr lang="en-AU" sz="1800" dirty="0"/>
+              <a:t> found</a:t>
+            </a:r>
+          </a:p>
+          <a:p>
+            <a:pPr lvl="1"/>
+            <a:endParaRPr lang="en-AU" sz="2000" dirty="0"/>
+          </a:p>
+          <a:p>
+            <a:pPr lvl="1"/>
+            <a:endParaRPr lang="en-AU" dirty="0"/>
+          </a:p>
+          <a:p>
+            <a:pPr marL="457200" lvl="1" indent="0">
+              <a:buNone/>
+            </a:pPr>
+            <a:endParaRPr lang="en-AU" dirty="0"/>
+          </a:p>
+          <a:p>
+            <a:pPr lvl="1"/>
+            <a:endParaRPr lang="en-AU" dirty="0"/>
+          </a:p>
+        </p:txBody>
+      </p:sp>
+      <p:sp>
+        <p:nvSpPr>
+          <p:cNvPr id="3" name="TextBox 2">
+            <a:extLst>
+              <a:ext uri="{FF2B5EF4-FFF2-40B4-BE49-F238E27FC236}">
+                <a16:creationId xmlns:a16="http://schemas.microsoft.com/office/drawing/2014/main" id="{69179E84-9C72-514C-ACC5-8EA6C1A22375}"/>
+              </a:ext>
+            </a:extLst>
+          </p:cNvPr>
+          <p:cNvSpPr txBox="1"/>
+          <p:nvPr/>
+        </p:nvSpPr>
+        <p:spPr>
+          <a:xfrm>
+            <a:off x="5257800" y="4143375"/>
+            <a:ext cx="184731" cy="369332"/>
+          </a:xfrm>
+          <a:prstGeom prst="rect">
+            <a:avLst/>
+          </a:prstGeom>
+          <a:noFill/>
+        </p:spPr>
+        <p:txBody>
+          <a:bodyPr wrap="none" rtlCol="0">
+            <a:spAutoFit/>
+          </a:bodyPr>
+          <a:lstStyle/>
+          <a:p>
+            <a:endParaRPr lang="en-US" dirty="0"/>
+          </a:p>
+        </p:txBody>
+      </p:sp>
+      <p:sp>
+        <p:nvSpPr>
+          <p:cNvPr id="5" name="TextBox 4">
+            <a:extLst>
+              <a:ext uri="{FF2B5EF4-FFF2-40B4-BE49-F238E27FC236}">
+                <a16:creationId xmlns:a16="http://schemas.microsoft.com/office/drawing/2014/main" id="{3300ED95-65BD-F342-9078-203195C4461B}"/>
+              </a:ext>
+            </a:extLst>
+          </p:cNvPr>
+          <p:cNvSpPr txBox="1"/>
+          <p:nvPr/>
+        </p:nvSpPr>
+        <p:spPr>
+          <a:xfrm>
+            <a:off x="9986963" y="3786188"/>
+            <a:ext cx="184731" cy="369332"/>
+          </a:xfrm>
+          <a:prstGeom prst="rect">
+            <a:avLst/>
+          </a:prstGeom>
+          <a:noFill/>
+        </p:spPr>
+        <p:txBody>
+          <a:bodyPr wrap="none" rtlCol="0">
+            <a:spAutoFit/>
+          </a:bodyPr>
+          <a:lstStyle/>
+          <a:p>
+            <a:endParaRPr lang="en-US" dirty="0"/>
+          </a:p>
+        </p:txBody>
+      </p:sp>
+    </p:spTree>
+    <p:extLst>
+      <p:ext uri="{BB962C8B-B14F-4D97-AF65-F5344CB8AC3E}">
+        <p14:creationId xmlns:p14="http://schemas.microsoft.com/office/powerpoint/2010/main" val="55997742"/>
+      </p:ext>
+    </p:extLst>
+  </p:cSld>
+  <p:clrMapOvr>
+    <a:masterClrMapping/>
+  </p:clrMapOvr>
+</p:sld>
+</file>
+
+<file path=ppt/slides/slide21.xml><?xml version="1.0" encoding="utf-8"?>
+<p:sld xmlns:a="http://schemas.openxmlformats.org/drawingml/2006/main" xmlns:r="http://schemas.openxmlformats.org/officeDocument/2006/relationships" xmlns:p="http://schemas.openxmlformats.org/presentationml/2006/main">
+  <p:cSld>
+    <p:spTree>
+      <p:nvGrpSpPr>
+        <p:cNvPr id="1" name=""/>
+        <p:cNvGrpSpPr/>
+        <p:nvPr/>
+      </p:nvGrpSpPr>
+      <p:grpSpPr>
+        <a:xfrm>
+          <a:off x="0" y="0"/>
+          <a:ext cx="0" cy="0"/>
+          <a:chOff x="0" y="0"/>
+          <a:chExt cx="0" cy="0"/>
+        </a:xfrm>
+      </p:grpSpPr>
+      <p:sp>
+        <p:nvSpPr>
+          <p:cNvPr id="2" name="Title 1">
+            <a:extLst>
+              <a:ext uri="{FF2B5EF4-FFF2-40B4-BE49-F238E27FC236}">
+                <a16:creationId xmlns:a16="http://schemas.microsoft.com/office/drawing/2014/main" id="{2A6A7509-3510-E84E-9BC4-0A0EF04F28F8}"/>
+              </a:ext>
+            </a:extLst>
+          </p:cNvPr>
+          <p:cNvSpPr>
+            <a:spLocks noGrp="1"/>
+          </p:cNvSpPr>
+          <p:nvPr>
+            <p:ph type="title"/>
+          </p:nvPr>
+        </p:nvSpPr>
+        <p:spPr>
+          <a:xfrm>
+            <a:off x="2151491" y="274013"/>
+            <a:ext cx="8911687" cy="700193"/>
+          </a:xfrm>
+        </p:spPr>
+        <p:txBody>
+          <a:bodyPr/>
+          <a:lstStyle/>
+          <a:p>
+            <a:r>
+              <a:rPr lang="en-US" dirty="0"/>
+              <a:t>Integration Parts – Invoicing SOAP</a:t>
+            </a:r>
+          </a:p>
+        </p:txBody>
+      </p:sp>
+      <p:sp>
+        <p:nvSpPr>
+          <p:cNvPr id="4" name="Content Placeholder 3">
+            <a:extLst>
+              <a:ext uri="{FF2B5EF4-FFF2-40B4-BE49-F238E27FC236}">
+                <a16:creationId xmlns:a16="http://schemas.microsoft.com/office/drawing/2014/main" id="{65A76E98-9216-4EED-8AB5-40415E214144}"/>
+              </a:ext>
+            </a:extLst>
+          </p:cNvPr>
+          <p:cNvSpPr>
+            <a:spLocks noGrp="1"/>
+          </p:cNvSpPr>
+          <p:nvPr>
+            <p:ph idx="1"/>
+          </p:nvPr>
+        </p:nvSpPr>
+        <p:spPr>
+          <a:xfrm>
+            <a:off x="2022437" y="974206"/>
+            <a:ext cx="8149257" cy="5483743"/>
+          </a:xfrm>
+        </p:spPr>
+        <p:txBody>
+          <a:bodyPr>
+            <a:normAutofit fontScale="70000" lnSpcReduction="20000"/>
+          </a:bodyPr>
+          <a:lstStyle/>
+          <a:p>
+            <a:pPr lvl="1"/>
+            <a:r>
+              <a:rPr lang="en-AU" dirty="0"/>
+              <a:t>&lt;</a:t>
+            </a:r>
+            <a:r>
+              <a:rPr lang="en-AU" dirty="0" err="1"/>
+              <a:t>xs:schema</a:t>
+            </a:r>
+            <a:r>
+              <a:rPr lang="en-AU" dirty="0"/>
+              <a:t> </a:t>
+            </a:r>
+            <a:r>
+              <a:rPr lang="en-AU" dirty="0" err="1"/>
+              <a:t>xmlns:xs</a:t>
+            </a:r>
+            <a:r>
+              <a:rPr lang="en-AU" dirty="0"/>
+              <a:t>="http://www.w3.org/2001/</a:t>
+            </a:r>
+            <a:r>
+              <a:rPr lang="en-AU" dirty="0" err="1"/>
+              <a:t>XMLSchema</a:t>
+            </a:r>
+            <a:r>
+              <a:rPr lang="en-AU" dirty="0"/>
+              <a:t>" </a:t>
+            </a:r>
+            <a:r>
+              <a:rPr lang="en-AU" dirty="0" err="1"/>
+              <a:t>xmlns:tns</a:t>
+            </a:r>
+            <a:r>
+              <a:rPr lang="en-AU" dirty="0"/>
+              <a:t>="http://</a:t>
+            </a:r>
+            <a:r>
+              <a:rPr lang="en-AU" dirty="0" err="1"/>
+              <a:t>co.wgmartinez.wsdl</a:t>
+            </a:r>
+            <a:r>
+              <a:rPr lang="en-AU" dirty="0"/>
+              <a:t>/invoice-</a:t>
+            </a:r>
+            <a:r>
+              <a:rPr lang="en-AU" dirty="0" err="1"/>
+              <a:t>ws</a:t>
+            </a:r>
+            <a:r>
+              <a:rPr lang="en-AU" dirty="0"/>
+              <a:t>/"</a:t>
+            </a:r>
+            <a:br>
+              <a:rPr lang="en-AU" dirty="0"/>
+            </a:br>
+            <a:r>
+              <a:rPr lang="en-AU" dirty="0"/>
+              <a:t>           </a:t>
+            </a:r>
+            <a:r>
+              <a:rPr lang="en-AU" dirty="0" err="1"/>
+              <a:t>targetNamespace</a:t>
+            </a:r>
+            <a:r>
+              <a:rPr lang="en-AU" dirty="0"/>
+              <a:t>="http://</a:t>
+            </a:r>
+            <a:r>
+              <a:rPr lang="en-AU" dirty="0" err="1"/>
+              <a:t>co.wgmartinez.wsdl</a:t>
+            </a:r>
+            <a:r>
+              <a:rPr lang="en-AU" dirty="0"/>
+              <a:t>/invoice-</a:t>
+            </a:r>
+            <a:r>
+              <a:rPr lang="en-AU" dirty="0" err="1"/>
+              <a:t>ws</a:t>
+            </a:r>
+            <a:r>
+              <a:rPr lang="en-AU" dirty="0"/>
+              <a:t>/" </a:t>
+            </a:r>
+            <a:r>
+              <a:rPr lang="en-AU" dirty="0" err="1"/>
+              <a:t>elementFormDefault</a:t>
+            </a:r>
+            <a:r>
+              <a:rPr lang="en-AU" dirty="0"/>
+              <a:t>="qualified"&gt;</a:t>
+            </a:r>
+            <a:br>
+              <a:rPr lang="en-AU" dirty="0"/>
+            </a:br>
+            <a:br>
+              <a:rPr lang="en-AU" dirty="0"/>
+            </a:br>
+            <a:r>
+              <a:rPr lang="en-AU" dirty="0"/>
+              <a:t>    &lt;</a:t>
+            </a:r>
+            <a:r>
+              <a:rPr lang="en-AU" dirty="0" err="1"/>
+              <a:t>xs:complexType</a:t>
+            </a:r>
+            <a:r>
+              <a:rPr lang="en-AU" dirty="0"/>
+              <a:t> name="invoice"&gt;</a:t>
+            </a:r>
+            <a:br>
+              <a:rPr lang="en-AU" dirty="0"/>
+            </a:br>
+            <a:r>
+              <a:rPr lang="en-AU" dirty="0"/>
+              <a:t>        &lt;</a:t>
+            </a:r>
+            <a:r>
+              <a:rPr lang="en-AU" dirty="0" err="1"/>
+              <a:t>xs:sequence</a:t>
+            </a:r>
+            <a:r>
+              <a:rPr lang="en-AU" dirty="0"/>
+              <a:t>&gt;</a:t>
+            </a:r>
+            <a:br>
+              <a:rPr lang="en-AU" dirty="0"/>
+            </a:br>
+            <a:r>
+              <a:rPr lang="en-AU" dirty="0"/>
+              <a:t>            &lt;</a:t>
+            </a:r>
+            <a:r>
+              <a:rPr lang="en-AU" dirty="0" err="1"/>
+              <a:t>xs:element</a:t>
+            </a:r>
+            <a:r>
+              <a:rPr lang="en-AU" dirty="0"/>
+              <a:t> name="</a:t>
+            </a:r>
+            <a:r>
+              <a:rPr lang="en-AU" dirty="0" err="1"/>
+              <a:t>invoiceReference</a:t>
+            </a:r>
+            <a:r>
+              <a:rPr lang="en-AU" dirty="0"/>
+              <a:t>" type="</a:t>
+            </a:r>
+            <a:r>
+              <a:rPr lang="en-AU" dirty="0" err="1"/>
+              <a:t>xs:string</a:t>
+            </a:r>
+            <a:r>
+              <a:rPr lang="en-AU" dirty="0"/>
+              <a:t>"/&gt;</a:t>
+            </a:r>
+            <a:br>
+              <a:rPr lang="en-AU" dirty="0"/>
+            </a:br>
+            <a:r>
+              <a:rPr lang="en-AU" dirty="0"/>
+              <a:t>            &lt;</a:t>
+            </a:r>
+            <a:r>
+              <a:rPr lang="en-AU" dirty="0" err="1"/>
+              <a:t>xs:element</a:t>
+            </a:r>
+            <a:r>
+              <a:rPr lang="en-AU" dirty="0"/>
+              <a:t> name="</a:t>
+            </a:r>
+            <a:r>
+              <a:rPr lang="en-AU" dirty="0" err="1"/>
+              <a:t>orderReference</a:t>
+            </a:r>
+            <a:r>
+              <a:rPr lang="en-AU" dirty="0"/>
+              <a:t>" type="</a:t>
+            </a:r>
+            <a:r>
+              <a:rPr lang="en-AU" dirty="0" err="1"/>
+              <a:t>xs:string</a:t>
+            </a:r>
+            <a:r>
+              <a:rPr lang="en-AU" dirty="0"/>
+              <a:t>"/&gt;</a:t>
+            </a:r>
+            <a:br>
+              <a:rPr lang="en-AU" dirty="0"/>
+            </a:br>
+            <a:r>
+              <a:rPr lang="en-AU" dirty="0"/>
+              <a:t>            &lt;</a:t>
+            </a:r>
+            <a:r>
+              <a:rPr lang="en-AU" dirty="0" err="1"/>
+              <a:t>xs:element</a:t>
+            </a:r>
+            <a:r>
+              <a:rPr lang="en-AU" dirty="0"/>
+              <a:t> name="</a:t>
+            </a:r>
+            <a:r>
+              <a:rPr lang="en-AU" dirty="0" err="1"/>
+              <a:t>customerReference</a:t>
+            </a:r>
+            <a:r>
+              <a:rPr lang="en-AU" dirty="0"/>
+              <a:t>" type="</a:t>
+            </a:r>
+            <a:r>
+              <a:rPr lang="en-AU" dirty="0" err="1"/>
+              <a:t>xs:string</a:t>
+            </a:r>
+            <a:r>
+              <a:rPr lang="en-AU" dirty="0"/>
+              <a:t>"/&gt;</a:t>
+            </a:r>
+            <a:br>
+              <a:rPr lang="en-AU" dirty="0"/>
+            </a:br>
+            <a:r>
+              <a:rPr lang="en-AU" dirty="0"/>
+              <a:t>            &lt;</a:t>
+            </a:r>
+            <a:r>
+              <a:rPr lang="en-AU" dirty="0" err="1"/>
+              <a:t>xs:element</a:t>
+            </a:r>
+            <a:r>
+              <a:rPr lang="en-AU" dirty="0"/>
+              <a:t> name="amount" type="</a:t>
+            </a:r>
+            <a:r>
+              <a:rPr lang="en-AU" dirty="0" err="1"/>
+              <a:t>xs:decimal</a:t>
+            </a:r>
+            <a:r>
+              <a:rPr lang="en-AU" dirty="0"/>
+              <a:t>"/&gt;</a:t>
+            </a:r>
+            <a:br>
+              <a:rPr lang="en-AU" dirty="0"/>
+            </a:br>
+            <a:r>
+              <a:rPr lang="en-AU" dirty="0"/>
+              <a:t>        &lt;/</a:t>
+            </a:r>
+            <a:r>
+              <a:rPr lang="en-AU" dirty="0" err="1"/>
+              <a:t>xs:sequence</a:t>
+            </a:r>
+            <a:r>
+              <a:rPr lang="en-AU" dirty="0"/>
+              <a:t>&gt;</a:t>
+            </a:r>
+            <a:br>
+              <a:rPr lang="en-AU" dirty="0"/>
+            </a:br>
+            <a:r>
+              <a:rPr lang="en-AU" dirty="0"/>
+              <a:t>    &lt;/</a:t>
+            </a:r>
+            <a:r>
+              <a:rPr lang="en-AU" dirty="0" err="1"/>
+              <a:t>xs:complexType</a:t>
+            </a:r>
+            <a:r>
+              <a:rPr lang="en-AU" dirty="0"/>
+              <a:t>&gt;</a:t>
+            </a:r>
+            <a:br>
+              <a:rPr lang="en-AU" dirty="0"/>
+            </a:br>
+            <a:br>
+              <a:rPr lang="en-AU" dirty="0"/>
+            </a:br>
+            <a:r>
+              <a:rPr lang="en-AU" dirty="0"/>
+              <a:t>    &lt;</a:t>
+            </a:r>
+            <a:r>
+              <a:rPr lang="en-AU" dirty="0" err="1"/>
+              <a:t>xs:complexType</a:t>
+            </a:r>
+            <a:r>
+              <a:rPr lang="en-AU" dirty="0"/>
+              <a:t> name="</a:t>
+            </a:r>
+            <a:r>
+              <a:rPr lang="en-AU" dirty="0" err="1"/>
+              <a:t>serviceStatus</a:t>
+            </a:r>
+            <a:r>
+              <a:rPr lang="en-AU" dirty="0"/>
+              <a:t>"&gt;</a:t>
+            </a:r>
+            <a:br>
+              <a:rPr lang="en-AU" dirty="0"/>
+            </a:br>
+            <a:r>
+              <a:rPr lang="en-AU" dirty="0"/>
+              <a:t>        &lt;</a:t>
+            </a:r>
+            <a:r>
+              <a:rPr lang="en-AU" dirty="0" err="1"/>
+              <a:t>xs:sequence</a:t>
+            </a:r>
+            <a:r>
+              <a:rPr lang="en-AU" dirty="0"/>
+              <a:t>&gt;</a:t>
+            </a:r>
+            <a:br>
+              <a:rPr lang="en-AU" dirty="0"/>
+            </a:br>
+            <a:r>
+              <a:rPr lang="en-AU" dirty="0"/>
+              <a:t>            &lt;</a:t>
+            </a:r>
+            <a:r>
+              <a:rPr lang="en-AU" dirty="0" err="1"/>
+              <a:t>xs:element</a:t>
+            </a:r>
+            <a:r>
+              <a:rPr lang="en-AU" dirty="0"/>
+              <a:t> name="</a:t>
+            </a:r>
+            <a:r>
+              <a:rPr lang="en-AU" dirty="0" err="1"/>
+              <a:t>statusCode</a:t>
+            </a:r>
+            <a:r>
+              <a:rPr lang="en-AU" dirty="0"/>
+              <a:t>" type="</a:t>
+            </a:r>
+            <a:r>
+              <a:rPr lang="en-AU" dirty="0" err="1"/>
+              <a:t>xs:string</a:t>
+            </a:r>
+            <a:r>
+              <a:rPr lang="en-AU" dirty="0"/>
+              <a:t>"/&gt;</a:t>
+            </a:r>
+            <a:br>
+              <a:rPr lang="en-AU" dirty="0"/>
+            </a:br>
+            <a:r>
+              <a:rPr lang="en-AU" dirty="0"/>
+              <a:t>            &lt;</a:t>
+            </a:r>
+            <a:r>
+              <a:rPr lang="en-AU" dirty="0" err="1"/>
+              <a:t>xs:element</a:t>
+            </a:r>
+            <a:r>
+              <a:rPr lang="en-AU" dirty="0"/>
+              <a:t> name="message" type="</a:t>
+            </a:r>
+            <a:r>
+              <a:rPr lang="en-AU" dirty="0" err="1"/>
+              <a:t>xs:string</a:t>
+            </a:r>
+            <a:r>
+              <a:rPr lang="en-AU" dirty="0"/>
+              <a:t>"/&gt;</a:t>
+            </a:r>
+            <a:br>
+              <a:rPr lang="en-AU" dirty="0"/>
+            </a:br>
+            <a:r>
+              <a:rPr lang="en-AU" dirty="0"/>
+              <a:t>        &lt;/</a:t>
+            </a:r>
+            <a:r>
+              <a:rPr lang="en-AU" dirty="0" err="1"/>
+              <a:t>xs:sequence</a:t>
+            </a:r>
+            <a:r>
+              <a:rPr lang="en-AU" dirty="0"/>
+              <a:t>&gt;</a:t>
+            </a:r>
+            <a:br>
+              <a:rPr lang="en-AU" dirty="0"/>
+            </a:br>
+            <a:r>
+              <a:rPr lang="en-AU" dirty="0"/>
+              <a:t>    &lt;/</a:t>
+            </a:r>
+            <a:r>
+              <a:rPr lang="en-AU" dirty="0" err="1"/>
+              <a:t>xs:complexType</a:t>
+            </a:r>
+            <a:r>
+              <a:rPr lang="en-AU" dirty="0"/>
+              <a:t>&gt;</a:t>
+            </a:r>
+            <a:br>
+              <a:rPr lang="en-AU" dirty="0"/>
+            </a:br>
+            <a:br>
+              <a:rPr lang="en-AU" dirty="0"/>
+            </a:br>
+            <a:r>
+              <a:rPr lang="en-AU" dirty="0"/>
+              <a:t>    &lt;</a:t>
+            </a:r>
+            <a:r>
+              <a:rPr lang="en-AU" dirty="0" err="1"/>
+              <a:t>xs:element</a:t>
+            </a:r>
+            <a:r>
+              <a:rPr lang="en-AU" dirty="0"/>
+              <a:t> name="</a:t>
+            </a:r>
+            <a:r>
+              <a:rPr lang="en-AU" dirty="0" err="1"/>
+              <a:t>addInvoiceRequest</a:t>
+            </a:r>
+            <a:r>
+              <a:rPr lang="en-AU" dirty="0"/>
+              <a:t>"&gt;</a:t>
+            </a:r>
+            <a:br>
+              <a:rPr lang="en-AU" dirty="0"/>
+            </a:br>
+            <a:r>
+              <a:rPr lang="en-AU" dirty="0"/>
+              <a:t>        &lt;</a:t>
+            </a:r>
+            <a:r>
+              <a:rPr lang="en-AU" dirty="0" err="1"/>
+              <a:t>xs:complexType</a:t>
+            </a:r>
+            <a:r>
+              <a:rPr lang="en-AU" dirty="0"/>
+              <a:t>&gt;</a:t>
+            </a:r>
+            <a:br>
+              <a:rPr lang="en-AU" dirty="0"/>
+            </a:br>
+            <a:r>
+              <a:rPr lang="en-AU" dirty="0"/>
+              <a:t>            &lt;</a:t>
+            </a:r>
+            <a:r>
+              <a:rPr lang="en-AU" dirty="0" err="1"/>
+              <a:t>xs:sequence</a:t>
+            </a:r>
+            <a:r>
+              <a:rPr lang="en-AU" dirty="0"/>
+              <a:t>&gt;</a:t>
+            </a:r>
+            <a:br>
+              <a:rPr lang="en-AU" dirty="0"/>
+            </a:br>
+            <a:r>
+              <a:rPr lang="en-AU" dirty="0"/>
+              <a:t>                &lt;</a:t>
+            </a:r>
+            <a:r>
+              <a:rPr lang="en-AU" dirty="0" err="1"/>
+              <a:t>xs:element</a:t>
+            </a:r>
+            <a:r>
+              <a:rPr lang="en-AU" dirty="0"/>
+              <a:t> name="</a:t>
+            </a:r>
+            <a:r>
+              <a:rPr lang="en-AU" dirty="0" err="1"/>
+              <a:t>orderReference</a:t>
+            </a:r>
+            <a:r>
+              <a:rPr lang="en-AU" dirty="0"/>
+              <a:t>" type="</a:t>
+            </a:r>
+            <a:r>
+              <a:rPr lang="en-AU" dirty="0" err="1"/>
+              <a:t>xs:string</a:t>
+            </a:r>
+            <a:r>
+              <a:rPr lang="en-AU" dirty="0"/>
+              <a:t>"/&gt;</a:t>
+            </a:r>
+            <a:br>
+              <a:rPr lang="en-AU" dirty="0"/>
+            </a:br>
+            <a:r>
+              <a:rPr lang="en-AU" dirty="0"/>
+              <a:t>                &lt;</a:t>
+            </a:r>
+            <a:r>
+              <a:rPr lang="en-AU" dirty="0" err="1"/>
+              <a:t>xs:element</a:t>
+            </a:r>
+            <a:r>
+              <a:rPr lang="en-AU" dirty="0"/>
+              <a:t> name="</a:t>
+            </a:r>
+            <a:r>
+              <a:rPr lang="en-AU" dirty="0" err="1"/>
+              <a:t>customerReference</a:t>
+            </a:r>
+            <a:r>
+              <a:rPr lang="en-AU" dirty="0"/>
+              <a:t>" type="</a:t>
+            </a:r>
+            <a:r>
+              <a:rPr lang="en-AU" dirty="0" err="1"/>
+              <a:t>xs:string</a:t>
+            </a:r>
+            <a:r>
+              <a:rPr lang="en-AU" dirty="0"/>
+              <a:t>"/&gt;</a:t>
+            </a:r>
+            <a:br>
+              <a:rPr lang="en-AU" dirty="0"/>
+            </a:br>
+            <a:r>
+              <a:rPr lang="en-AU" dirty="0"/>
+              <a:t>                &lt;</a:t>
+            </a:r>
+            <a:r>
+              <a:rPr lang="en-AU" dirty="0" err="1"/>
+              <a:t>xs:element</a:t>
+            </a:r>
+            <a:r>
+              <a:rPr lang="en-AU" dirty="0"/>
+              <a:t> name="amount" type="</a:t>
+            </a:r>
+            <a:r>
+              <a:rPr lang="en-AU" dirty="0" err="1"/>
+              <a:t>xs:decimal</a:t>
+            </a:r>
+            <a:r>
+              <a:rPr lang="en-AU" dirty="0"/>
+              <a:t>"/&gt;</a:t>
+            </a:r>
+            <a:br>
+              <a:rPr lang="en-AU" dirty="0"/>
+            </a:br>
+            <a:r>
+              <a:rPr lang="en-AU" dirty="0"/>
+              <a:t>            &lt;/</a:t>
+            </a:r>
+            <a:r>
+              <a:rPr lang="en-AU" dirty="0" err="1"/>
+              <a:t>xs:sequence</a:t>
+            </a:r>
+            <a:r>
+              <a:rPr lang="en-AU" dirty="0"/>
+              <a:t>&gt;</a:t>
+            </a:r>
+            <a:br>
+              <a:rPr lang="en-AU" dirty="0"/>
+            </a:br>
+            <a:r>
+              <a:rPr lang="en-AU" dirty="0"/>
+              <a:t>        &lt;/</a:t>
+            </a:r>
+            <a:r>
+              <a:rPr lang="en-AU" dirty="0" err="1"/>
+              <a:t>xs:complexType</a:t>
+            </a:r>
+            <a:r>
+              <a:rPr lang="en-AU" dirty="0"/>
+              <a:t>&gt;</a:t>
+            </a:r>
+            <a:br>
+              <a:rPr lang="en-AU" dirty="0"/>
+            </a:br>
+            <a:r>
+              <a:rPr lang="en-AU" dirty="0"/>
+              <a:t>    &lt;/</a:t>
+            </a:r>
+            <a:r>
+              <a:rPr lang="en-AU" dirty="0" err="1"/>
+              <a:t>xs:element</a:t>
+            </a:r>
+            <a:r>
+              <a:rPr lang="en-AU" dirty="0"/>
+              <a:t>&gt;</a:t>
+            </a:r>
+            <a:br>
+              <a:rPr lang="en-AU" dirty="0"/>
+            </a:br>
+            <a:br>
+              <a:rPr lang="en-AU" dirty="0"/>
+            </a:br>
+            <a:r>
+              <a:rPr lang="en-AU" dirty="0"/>
+              <a:t>    &lt;</a:t>
+            </a:r>
+            <a:r>
+              <a:rPr lang="en-AU" dirty="0" err="1"/>
+              <a:t>xs:element</a:t>
+            </a:r>
+            <a:r>
+              <a:rPr lang="en-AU" dirty="0"/>
+              <a:t> name="</a:t>
+            </a:r>
+            <a:r>
+              <a:rPr lang="en-AU" dirty="0" err="1"/>
+              <a:t>addInvoiceResponse</a:t>
+            </a:r>
+            <a:r>
+              <a:rPr lang="en-AU" dirty="0"/>
+              <a:t>"&gt;</a:t>
+            </a:r>
+            <a:br>
+              <a:rPr lang="en-AU" dirty="0"/>
+            </a:br>
+            <a:r>
+              <a:rPr lang="en-AU" dirty="0"/>
+              <a:t>        &lt;</a:t>
+            </a:r>
+            <a:r>
+              <a:rPr lang="en-AU" dirty="0" err="1"/>
+              <a:t>xs:complexType</a:t>
+            </a:r>
+            <a:r>
+              <a:rPr lang="en-AU" dirty="0"/>
+              <a:t>&gt;</a:t>
+            </a:r>
+            <a:br>
+              <a:rPr lang="en-AU" dirty="0"/>
+            </a:br>
+            <a:r>
+              <a:rPr lang="en-AU" dirty="0"/>
+              <a:t>            &lt;</a:t>
+            </a:r>
+            <a:r>
+              <a:rPr lang="en-AU" dirty="0" err="1"/>
+              <a:t>xs:sequence</a:t>
+            </a:r>
+            <a:r>
+              <a:rPr lang="en-AU" dirty="0"/>
+              <a:t>&gt;</a:t>
+            </a:r>
+            <a:br>
+              <a:rPr lang="en-AU" dirty="0"/>
+            </a:br>
+            <a:r>
+              <a:rPr lang="en-AU" dirty="0"/>
+              <a:t>                &lt;</a:t>
+            </a:r>
+            <a:r>
+              <a:rPr lang="en-AU" dirty="0" err="1"/>
+              <a:t>xs:element</a:t>
+            </a:r>
+            <a:r>
+              <a:rPr lang="en-AU" dirty="0"/>
+              <a:t> name="</a:t>
+            </a:r>
+            <a:r>
+              <a:rPr lang="en-AU" dirty="0" err="1"/>
+              <a:t>serviceStatus</a:t>
+            </a:r>
+            <a:r>
+              <a:rPr lang="en-AU" dirty="0"/>
+              <a:t>" type="</a:t>
+            </a:r>
+            <a:r>
+              <a:rPr lang="en-AU" dirty="0" err="1"/>
+              <a:t>tns:serviceStatus</a:t>
+            </a:r>
+            <a:r>
+              <a:rPr lang="en-AU" dirty="0"/>
+              <a:t>"/&gt;            </a:t>
+            </a:r>
+            <a:br>
+              <a:rPr lang="en-AU" dirty="0"/>
+            </a:br>
+            <a:r>
+              <a:rPr lang="en-AU" dirty="0"/>
+              <a:t>                &lt;</a:t>
+            </a:r>
+            <a:r>
+              <a:rPr lang="en-AU" dirty="0" err="1"/>
+              <a:t>xs:element</a:t>
+            </a:r>
+            <a:r>
+              <a:rPr lang="en-AU" dirty="0"/>
+              <a:t> name="invoice" type="</a:t>
+            </a:r>
+            <a:r>
+              <a:rPr lang="en-AU" dirty="0" err="1"/>
+              <a:t>tns:invoice</a:t>
+            </a:r>
+            <a:r>
+              <a:rPr lang="en-AU" dirty="0"/>
+              <a:t>"/&gt;</a:t>
+            </a:r>
+            <a:br>
+              <a:rPr lang="en-AU" dirty="0"/>
+            </a:br>
+            <a:r>
+              <a:rPr lang="en-AU" dirty="0"/>
+              <a:t>            &lt;/</a:t>
+            </a:r>
+            <a:r>
+              <a:rPr lang="en-AU" dirty="0" err="1"/>
+              <a:t>xs:sequence</a:t>
+            </a:r>
+            <a:r>
+              <a:rPr lang="en-AU" dirty="0"/>
+              <a:t>&gt;</a:t>
+            </a:r>
+            <a:br>
+              <a:rPr lang="en-AU" dirty="0"/>
+            </a:br>
+            <a:r>
+              <a:rPr lang="en-AU" dirty="0"/>
+              <a:t>        &lt;/</a:t>
+            </a:r>
+            <a:r>
+              <a:rPr lang="en-AU" dirty="0" err="1"/>
+              <a:t>xs:complexType</a:t>
+            </a:r>
+            <a:r>
+              <a:rPr lang="en-AU" dirty="0"/>
+              <a:t>&gt;</a:t>
+            </a:r>
+            <a:br>
+              <a:rPr lang="en-AU" dirty="0"/>
+            </a:br>
+            <a:r>
+              <a:rPr lang="en-AU" dirty="0"/>
+              <a:t>    &lt;/</a:t>
+            </a:r>
+            <a:r>
+              <a:rPr lang="en-AU" dirty="0" err="1"/>
+              <a:t>xs:element</a:t>
+            </a:r>
+            <a:r>
+              <a:rPr lang="en-AU" dirty="0"/>
+              <a:t>&gt;</a:t>
+            </a:r>
+            <a:br>
+              <a:rPr lang="en-AU" dirty="0"/>
+            </a:br>
+            <a:r>
+              <a:rPr lang="en-AU" dirty="0"/>
+              <a:t>&lt;/</a:t>
+            </a:r>
+            <a:r>
+              <a:rPr lang="en-AU" dirty="0" err="1"/>
+              <a:t>xs:schema</a:t>
+            </a:r>
+            <a:r>
+              <a:rPr lang="en-AU" dirty="0"/>
+              <a:t>&gt;</a:t>
+            </a:r>
+            <a:endParaRPr lang="en-AU" sz="2000" dirty="0"/>
+          </a:p>
+          <a:p>
+            <a:pPr lvl="1"/>
+            <a:endParaRPr lang="en-AU" dirty="0"/>
+          </a:p>
+          <a:p>
+            <a:pPr marL="457200" lvl="1" indent="0">
+              <a:buNone/>
+            </a:pPr>
+            <a:endParaRPr lang="en-AU" dirty="0"/>
+          </a:p>
+          <a:p>
+            <a:pPr lvl="1"/>
+            <a:endParaRPr lang="en-AU" dirty="0"/>
+          </a:p>
+        </p:txBody>
+      </p:sp>
+      <p:sp>
+        <p:nvSpPr>
+          <p:cNvPr id="3" name="TextBox 2">
+            <a:extLst>
+              <a:ext uri="{FF2B5EF4-FFF2-40B4-BE49-F238E27FC236}">
+                <a16:creationId xmlns:a16="http://schemas.microsoft.com/office/drawing/2014/main" id="{69179E84-9C72-514C-ACC5-8EA6C1A22375}"/>
+              </a:ext>
+            </a:extLst>
+          </p:cNvPr>
+          <p:cNvSpPr txBox="1"/>
+          <p:nvPr/>
+        </p:nvSpPr>
+        <p:spPr>
+          <a:xfrm>
+            <a:off x="5257800" y="4143375"/>
+            <a:ext cx="184731" cy="369332"/>
+          </a:xfrm>
+          <a:prstGeom prst="rect">
+            <a:avLst/>
+          </a:prstGeom>
+          <a:noFill/>
+        </p:spPr>
+        <p:txBody>
+          <a:bodyPr wrap="none" rtlCol="0">
+            <a:spAutoFit/>
+          </a:bodyPr>
+          <a:lstStyle/>
+          <a:p>
+            <a:endParaRPr lang="en-US" dirty="0"/>
+          </a:p>
+        </p:txBody>
+      </p:sp>
+      <p:sp>
+        <p:nvSpPr>
+          <p:cNvPr id="5" name="TextBox 4">
+            <a:extLst>
+              <a:ext uri="{FF2B5EF4-FFF2-40B4-BE49-F238E27FC236}">
+                <a16:creationId xmlns:a16="http://schemas.microsoft.com/office/drawing/2014/main" id="{3300ED95-65BD-F342-9078-203195C4461B}"/>
+              </a:ext>
+            </a:extLst>
+          </p:cNvPr>
+          <p:cNvSpPr txBox="1"/>
+          <p:nvPr/>
+        </p:nvSpPr>
+        <p:spPr>
+          <a:xfrm>
+            <a:off x="9986963" y="3786188"/>
+            <a:ext cx="184731" cy="369332"/>
+          </a:xfrm>
+          <a:prstGeom prst="rect">
+            <a:avLst/>
+          </a:prstGeom>
+          <a:noFill/>
+        </p:spPr>
+        <p:txBody>
+          <a:bodyPr wrap="none" rtlCol="0">
+            <a:spAutoFit/>
+          </a:bodyPr>
+          <a:lstStyle/>
+          <a:p>
+            <a:endParaRPr lang="en-US" dirty="0"/>
+          </a:p>
+        </p:txBody>
+      </p:sp>
+    </p:spTree>
+    <p:extLst>
+      <p:ext uri="{BB962C8B-B14F-4D97-AF65-F5344CB8AC3E}">
+        <p14:creationId xmlns:p14="http://schemas.microsoft.com/office/powerpoint/2010/main" val="801406893"/>
+      </p:ext>
+    </p:extLst>
+  </p:cSld>
+  <p:clrMapOvr>
+    <a:masterClrMapping/>
+  </p:clrMapOvr>
+</p:sld>
+</file>
+
+<file path=ppt/slides/slide22.xml><?xml version="1.0" encoding="utf-8"?>
+<p:sld xmlns:a="http://schemas.openxmlformats.org/drawingml/2006/main" xmlns:r="http://schemas.openxmlformats.org/officeDocument/2006/relationships" xmlns:p="http://schemas.openxmlformats.org/presentationml/2006/main">
+  <p:cSld>
+    <p:spTree>
+      <p:nvGrpSpPr>
+        <p:cNvPr id="1" name=""/>
+        <p:cNvGrpSpPr/>
+        <p:nvPr/>
+      </p:nvGrpSpPr>
+      <p:grpSpPr>
+        <a:xfrm>
+          <a:off x="0" y="0"/>
+          <a:ext cx="0" cy="0"/>
+          <a:chOff x="0" y="0"/>
+          <a:chExt cx="0" cy="0"/>
+        </a:xfrm>
+      </p:grpSpPr>
+      <p:sp>
+        <p:nvSpPr>
+          <p:cNvPr id="2" name="Title 1">
+            <a:extLst>
+              <a:ext uri="{FF2B5EF4-FFF2-40B4-BE49-F238E27FC236}">
+                <a16:creationId xmlns:a16="http://schemas.microsoft.com/office/drawing/2014/main" id="{2A6A7509-3510-E84E-9BC4-0A0EF04F28F8}"/>
+              </a:ext>
+            </a:extLst>
+          </p:cNvPr>
+          <p:cNvSpPr>
+            <a:spLocks noGrp="1"/>
+          </p:cNvSpPr>
+          <p:nvPr>
+            <p:ph type="title"/>
+          </p:nvPr>
+        </p:nvSpPr>
+        <p:spPr>
+          <a:xfrm>
+            <a:off x="2151491" y="274013"/>
+            <a:ext cx="8911687" cy="700193"/>
+          </a:xfrm>
+        </p:spPr>
+        <p:txBody>
+          <a:bodyPr/>
+          <a:lstStyle/>
+          <a:p>
+            <a:r>
+              <a:rPr lang="en-US" dirty="0"/>
+              <a:t>Integration Parts – </a:t>
+            </a:r>
+            <a:r>
+              <a:rPr lang="en-US" dirty="0" err="1"/>
+              <a:t>PubSub</a:t>
+            </a:r>
+            <a:endParaRPr lang="en-US" dirty="0"/>
+          </a:p>
+        </p:txBody>
+      </p:sp>
+      <p:sp>
+        <p:nvSpPr>
+          <p:cNvPr id="4" name="Content Placeholder 3">
+            <a:extLst>
+              <a:ext uri="{FF2B5EF4-FFF2-40B4-BE49-F238E27FC236}">
+                <a16:creationId xmlns:a16="http://schemas.microsoft.com/office/drawing/2014/main" id="{65A76E98-9216-4EED-8AB5-40415E214144}"/>
+              </a:ext>
+            </a:extLst>
+          </p:cNvPr>
+          <p:cNvSpPr>
+            <a:spLocks noGrp="1"/>
+          </p:cNvSpPr>
+          <p:nvPr>
+            <p:ph idx="1"/>
+          </p:nvPr>
+        </p:nvSpPr>
+        <p:spPr>
+          <a:xfrm>
+            <a:off x="2022437" y="974207"/>
+            <a:ext cx="8149257" cy="3840682"/>
+          </a:xfrm>
+        </p:spPr>
+        <p:txBody>
+          <a:bodyPr>
+            <a:normAutofit/>
+          </a:bodyPr>
+          <a:lstStyle/>
+          <a:p>
+            <a:pPr lvl="1"/>
+            <a:r>
+              <a:rPr lang="en-AU" dirty="0"/>
+              <a:t>Receives JSON Documents</a:t>
+            </a:r>
+          </a:p>
+          <a:p>
+            <a:pPr lvl="2"/>
+            <a:r>
+              <a:rPr lang="en-AU" dirty="0"/>
+              <a:t>Google Cloud </a:t>
+            </a:r>
+            <a:r>
+              <a:rPr lang="en-AU" dirty="0" err="1"/>
+              <a:t>PubSub</a:t>
+            </a:r>
+            <a:r>
+              <a:rPr lang="en-AU" dirty="0"/>
+              <a:t> – used on my Mac</a:t>
+            </a:r>
+          </a:p>
+          <a:p>
+            <a:pPr lvl="3"/>
+            <a:r>
+              <a:rPr lang="en-AU" dirty="0"/>
+              <a:t>Google Function is notified when a message is received</a:t>
+            </a:r>
+          </a:p>
+          <a:p>
+            <a:pPr lvl="2"/>
+            <a:r>
+              <a:rPr lang="en-AU" dirty="0"/>
+              <a:t>Containerised Kafka</a:t>
+            </a:r>
+          </a:p>
+          <a:p>
+            <a:pPr lvl="3"/>
+            <a:r>
+              <a:rPr lang="en-AU" dirty="0"/>
+              <a:t>Background Kafka client gets notified</a:t>
+            </a:r>
+          </a:p>
+          <a:p>
+            <a:pPr lvl="1"/>
+            <a:endParaRPr lang="en-AU" dirty="0"/>
+          </a:p>
+          <a:p>
+            <a:pPr marL="457200" lvl="1" indent="0">
+              <a:buNone/>
+            </a:pPr>
+            <a:endParaRPr lang="en-AU" dirty="0"/>
+          </a:p>
+          <a:p>
+            <a:pPr lvl="1"/>
+            <a:endParaRPr lang="en-AU" dirty="0"/>
+          </a:p>
+        </p:txBody>
+      </p:sp>
+      <p:sp>
+        <p:nvSpPr>
+          <p:cNvPr id="3" name="TextBox 2">
+            <a:extLst>
+              <a:ext uri="{FF2B5EF4-FFF2-40B4-BE49-F238E27FC236}">
+                <a16:creationId xmlns:a16="http://schemas.microsoft.com/office/drawing/2014/main" id="{69179E84-9C72-514C-ACC5-8EA6C1A22375}"/>
+              </a:ext>
+            </a:extLst>
+          </p:cNvPr>
+          <p:cNvSpPr txBox="1"/>
+          <p:nvPr/>
+        </p:nvSpPr>
+        <p:spPr>
+          <a:xfrm>
+            <a:off x="5257800" y="4143375"/>
+            <a:ext cx="184731" cy="369332"/>
+          </a:xfrm>
+          <a:prstGeom prst="rect">
+            <a:avLst/>
+          </a:prstGeom>
+          <a:noFill/>
+        </p:spPr>
+        <p:txBody>
+          <a:bodyPr wrap="none" rtlCol="0">
+            <a:spAutoFit/>
+          </a:bodyPr>
+          <a:lstStyle/>
+          <a:p>
+            <a:endParaRPr lang="en-US" dirty="0"/>
+          </a:p>
+        </p:txBody>
+      </p:sp>
+      <p:sp>
+        <p:nvSpPr>
+          <p:cNvPr id="5" name="TextBox 4">
+            <a:extLst>
+              <a:ext uri="{FF2B5EF4-FFF2-40B4-BE49-F238E27FC236}">
+                <a16:creationId xmlns:a16="http://schemas.microsoft.com/office/drawing/2014/main" id="{3300ED95-65BD-F342-9078-203195C4461B}"/>
+              </a:ext>
+            </a:extLst>
+          </p:cNvPr>
+          <p:cNvSpPr txBox="1"/>
+          <p:nvPr/>
+        </p:nvSpPr>
+        <p:spPr>
+          <a:xfrm>
+            <a:off x="9986963" y="3786188"/>
+            <a:ext cx="184731" cy="369332"/>
+          </a:xfrm>
+          <a:prstGeom prst="rect">
+            <a:avLst/>
+          </a:prstGeom>
+          <a:noFill/>
+        </p:spPr>
+        <p:txBody>
+          <a:bodyPr wrap="none" rtlCol="0">
+            <a:spAutoFit/>
+          </a:bodyPr>
+          <a:lstStyle/>
+          <a:p>
+            <a:endParaRPr lang="en-US" dirty="0"/>
+          </a:p>
+        </p:txBody>
+      </p:sp>
+    </p:spTree>
+    <p:extLst>
+      <p:ext uri="{BB962C8B-B14F-4D97-AF65-F5344CB8AC3E}">
+        <p14:creationId xmlns:p14="http://schemas.microsoft.com/office/powerpoint/2010/main" val="2924106715"/>
+      </p:ext>
+    </p:extLst>
+  </p:cSld>
+  <p:clrMapOvr>
+    <a:masterClrMapping/>
+  </p:clrMapOvr>
+</p:sld>
+</file>
+
+<file path=ppt/slides/slide23.xml><?xml version="1.0" encoding="utf-8"?>
+<p:sld xmlns:a="http://schemas.openxmlformats.org/drawingml/2006/main" xmlns:r="http://schemas.openxmlformats.org/officeDocument/2006/relationships" xmlns:p="http://schemas.openxmlformats.org/presentationml/2006/main">
+  <p:cSld>
+    <p:spTree>
+      <p:nvGrpSpPr>
+        <p:cNvPr id="1" name=""/>
+        <p:cNvGrpSpPr/>
+        <p:nvPr/>
+      </p:nvGrpSpPr>
+      <p:grpSpPr>
+        <a:xfrm>
+          <a:off x="0" y="0"/>
+          <a:ext cx="0" cy="0"/>
+          <a:chOff x="0" y="0"/>
+          <a:chExt cx="0" cy="0"/>
+        </a:xfrm>
+      </p:grpSpPr>
+      <p:sp>
+        <p:nvSpPr>
+          <p:cNvPr id="2" name="Title 1">
+            <a:extLst>
+              <a:ext uri="{FF2B5EF4-FFF2-40B4-BE49-F238E27FC236}">
+                <a16:creationId xmlns:a16="http://schemas.microsoft.com/office/drawing/2014/main" id="{2A6A7509-3510-E84E-9BC4-0A0EF04F28F8}"/>
+              </a:ext>
+            </a:extLst>
+          </p:cNvPr>
+          <p:cNvSpPr>
+            <a:spLocks noGrp="1"/>
+          </p:cNvSpPr>
+          <p:nvPr>
+            <p:ph type="title"/>
+          </p:nvPr>
+        </p:nvSpPr>
+        <p:spPr>
+          <a:xfrm>
+            <a:off x="1571625" y="274013"/>
+            <a:ext cx="10044113" cy="700193"/>
+          </a:xfrm>
+        </p:spPr>
+        <p:txBody>
+          <a:bodyPr>
+            <a:normAutofit fontScale="90000"/>
+          </a:bodyPr>
+          <a:lstStyle/>
+          <a:p>
+            <a:r>
+              <a:rPr lang="en-US" dirty="0"/>
+              <a:t>Camel Context/</a:t>
+            </a:r>
+            <a:r>
+              <a:rPr lang="en-US" dirty="0" err="1"/>
+              <a:t>RouteBuilder</a:t>
+            </a:r>
+            <a:r>
+              <a:rPr lang="en-US" dirty="0"/>
+              <a:t> – Traditional Spring</a:t>
+            </a:r>
+          </a:p>
+        </p:txBody>
+      </p:sp>
+      <p:sp>
+        <p:nvSpPr>
+          <p:cNvPr id="4" name="Content Placeholder 3">
+            <a:extLst>
+              <a:ext uri="{FF2B5EF4-FFF2-40B4-BE49-F238E27FC236}">
+                <a16:creationId xmlns:a16="http://schemas.microsoft.com/office/drawing/2014/main" id="{65A76E98-9216-4EED-8AB5-40415E214144}"/>
+              </a:ext>
+            </a:extLst>
+          </p:cNvPr>
+          <p:cNvSpPr>
+            <a:spLocks noGrp="1"/>
+          </p:cNvSpPr>
+          <p:nvPr>
+            <p:ph idx="1"/>
+          </p:nvPr>
+        </p:nvSpPr>
+        <p:spPr>
+          <a:xfrm>
+            <a:off x="2022437" y="974207"/>
+            <a:ext cx="9264688" cy="3840682"/>
+          </a:xfrm>
+        </p:spPr>
+        <p:txBody>
+          <a:bodyPr>
+            <a:normAutofit/>
+          </a:bodyPr>
+          <a:lstStyle/>
+          <a:p>
+            <a:pPr lvl="1"/>
+            <a:r>
+              <a:rPr lang="en-AU" dirty="0"/>
+              <a:t>Spring Camel Context</a:t>
+            </a:r>
+          </a:p>
+          <a:p>
+            <a:pPr lvl="1"/>
+            <a:r>
+              <a:rPr lang="en-AU" dirty="0" err="1"/>
+              <a:t>ApplicationContext</a:t>
+            </a:r>
+            <a:r>
+              <a:rPr lang="en-AU" dirty="0"/>
+              <a:t> </a:t>
+            </a:r>
+            <a:r>
+              <a:rPr lang="en-AU" dirty="0" err="1"/>
+              <a:t>applicationContext</a:t>
+            </a:r>
+            <a:r>
+              <a:rPr lang="en-AU" dirty="0"/>
+              <a:t> = new </a:t>
+            </a:r>
+            <a:r>
+              <a:rPr lang="en-AU" dirty="0" err="1"/>
+              <a:t>ClassPathXmlApplicationContext</a:t>
+            </a:r>
+            <a:r>
+              <a:rPr lang="en-AU" dirty="0"/>
+              <a:t>("</a:t>
+            </a:r>
+            <a:r>
+              <a:rPr lang="en-AU" dirty="0" err="1"/>
+              <a:t>SpringXMLRouteContext.xml</a:t>
+            </a:r>
+            <a:r>
+              <a:rPr lang="en-AU" dirty="0"/>
+              <a:t>");</a:t>
+            </a:r>
+            <a:br>
+              <a:rPr lang="en-AU" dirty="0"/>
+            </a:br>
+            <a:r>
+              <a:rPr lang="en-AU" dirty="0" err="1"/>
+              <a:t>CamelContext</a:t>
+            </a:r>
+            <a:r>
+              <a:rPr lang="en-AU" dirty="0"/>
+              <a:t> </a:t>
+            </a:r>
+            <a:r>
+              <a:rPr lang="en-AU" dirty="0" err="1"/>
+              <a:t>camelContext</a:t>
+            </a:r>
+            <a:r>
+              <a:rPr lang="en-AU" dirty="0"/>
+              <a:t> = </a:t>
+            </a:r>
+            <a:r>
+              <a:rPr lang="en-AU" dirty="0" err="1"/>
+              <a:t>SpringCamelContext.</a:t>
+            </a:r>
+            <a:r>
+              <a:rPr lang="en-AU" i="1" dirty="0" err="1"/>
+              <a:t>springCamelContext</a:t>
+            </a:r>
+            <a:r>
+              <a:rPr lang="en-AU" dirty="0"/>
+              <a:t>(</a:t>
+            </a:r>
+            <a:r>
+              <a:rPr lang="en-AU" dirty="0" err="1"/>
+              <a:t>applicationContext</a:t>
+            </a:r>
+            <a:r>
+              <a:rPr lang="en-AU" dirty="0"/>
+              <a:t>, true);</a:t>
+            </a:r>
+            <a:br>
+              <a:rPr lang="en-AU" dirty="0"/>
+            </a:br>
+            <a:br>
+              <a:rPr lang="en-AU" dirty="0"/>
+            </a:br>
+            <a:r>
+              <a:rPr lang="en-AU" dirty="0"/>
+              <a:t>try {</a:t>
+            </a:r>
+            <a:br>
+              <a:rPr lang="en-AU" dirty="0"/>
+            </a:br>
+            <a:r>
+              <a:rPr lang="en-AU" dirty="0"/>
+              <a:t>    </a:t>
+            </a:r>
+            <a:r>
+              <a:rPr lang="en-AU" dirty="0" err="1"/>
+              <a:t>camelContext.start</a:t>
+            </a:r>
+            <a:r>
+              <a:rPr lang="en-AU" dirty="0"/>
+              <a:t>();</a:t>
+            </a:r>
+            <a:br>
+              <a:rPr lang="en-AU" dirty="0"/>
+            </a:br>
+            <a:r>
+              <a:rPr lang="en-AU" dirty="0"/>
+              <a:t>    </a:t>
+            </a:r>
+            <a:r>
+              <a:rPr lang="en-AU" dirty="0" err="1"/>
+              <a:t>ProducerTemplate</a:t>
+            </a:r>
+            <a:r>
+              <a:rPr lang="en-AU" dirty="0"/>
+              <a:t> template = </a:t>
+            </a:r>
+            <a:r>
+              <a:rPr lang="en-AU" dirty="0" err="1"/>
+              <a:t>camelContext.createProducerTemplate</a:t>
+            </a:r>
+            <a:r>
+              <a:rPr lang="en-AU" dirty="0"/>
+              <a:t>();</a:t>
+            </a:r>
+            <a:br>
+              <a:rPr lang="en-AU" dirty="0"/>
+            </a:br>
+            <a:r>
+              <a:rPr lang="en-AU" dirty="0"/>
+              <a:t>    </a:t>
+            </a:r>
+            <a:r>
+              <a:rPr lang="en-AU" dirty="0" err="1"/>
+              <a:t>InputStream</a:t>
+            </a:r>
+            <a:r>
+              <a:rPr lang="en-AU" dirty="0"/>
+              <a:t> </a:t>
+            </a:r>
+            <a:r>
+              <a:rPr lang="en-AU" dirty="0" err="1"/>
+              <a:t>inputStream</a:t>
+            </a:r>
+            <a:r>
+              <a:rPr lang="en-AU" dirty="0"/>
+              <a:t> = new </a:t>
+            </a:r>
+            <a:r>
+              <a:rPr lang="en-AU" dirty="0" err="1"/>
+              <a:t>FileInputStream</a:t>
+            </a:r>
+            <a:r>
+              <a:rPr lang="en-AU" dirty="0"/>
+              <a:t>("</a:t>
+            </a:r>
+            <a:r>
+              <a:rPr lang="en-AU" dirty="0" err="1"/>
+              <a:t>src</a:t>
+            </a:r>
+            <a:r>
+              <a:rPr lang="en-AU" dirty="0"/>
+              <a:t>/main/resources/</a:t>
+            </a:r>
+            <a:r>
+              <a:rPr lang="en-AU" dirty="0" err="1"/>
+              <a:t>order.xml</a:t>
+            </a:r>
+            <a:r>
+              <a:rPr lang="en-AU" dirty="0"/>
+              <a:t>");</a:t>
+            </a:r>
+            <a:br>
+              <a:rPr lang="en-AU" dirty="0"/>
+            </a:br>
+            <a:r>
+              <a:rPr lang="en-AU" dirty="0"/>
+              <a:t>    </a:t>
+            </a:r>
+            <a:r>
+              <a:rPr lang="en-AU" dirty="0" err="1"/>
+              <a:t>template.sendBody</a:t>
+            </a:r>
+            <a:r>
+              <a:rPr lang="en-AU" dirty="0"/>
+              <a:t>("</a:t>
+            </a:r>
+            <a:r>
+              <a:rPr lang="en-AU" dirty="0" err="1"/>
+              <a:t>direct:SpringXMLRouteStart</a:t>
+            </a:r>
+            <a:r>
+              <a:rPr lang="en-AU" dirty="0"/>
+              <a:t>", </a:t>
+            </a:r>
+            <a:r>
+              <a:rPr lang="en-AU" dirty="0" err="1"/>
+              <a:t>inputStream</a:t>
+            </a:r>
+            <a:r>
+              <a:rPr lang="en-AU" dirty="0"/>
+              <a:t>);</a:t>
+            </a:r>
+            <a:br>
+              <a:rPr lang="en-AU" dirty="0"/>
+            </a:br>
+            <a:r>
+              <a:rPr lang="en-AU" dirty="0"/>
+              <a:t>}finally {</a:t>
+            </a:r>
+            <a:br>
+              <a:rPr lang="en-AU" dirty="0"/>
+            </a:br>
+            <a:r>
+              <a:rPr lang="en-AU" dirty="0"/>
+              <a:t>    </a:t>
+            </a:r>
+            <a:r>
+              <a:rPr lang="en-AU" dirty="0" err="1"/>
+              <a:t>camelContext.stop</a:t>
+            </a:r>
+            <a:r>
+              <a:rPr lang="en-AU" dirty="0"/>
+              <a:t>();</a:t>
+            </a:r>
+            <a:br>
+              <a:rPr lang="en-AU" dirty="0"/>
+            </a:br>
+            <a:r>
+              <a:rPr lang="en-AU" dirty="0"/>
+              <a:t>}</a:t>
+            </a:r>
+          </a:p>
+          <a:p>
+            <a:pPr lvl="1"/>
+            <a:endParaRPr lang="en-AU" dirty="0"/>
+          </a:p>
+          <a:p>
+            <a:pPr marL="457200" lvl="1" indent="0">
+              <a:buNone/>
+            </a:pPr>
+            <a:endParaRPr lang="en-AU" dirty="0"/>
+          </a:p>
+          <a:p>
+            <a:pPr lvl="1"/>
+            <a:endParaRPr lang="en-AU" dirty="0"/>
+          </a:p>
+        </p:txBody>
+      </p:sp>
+      <p:sp>
+        <p:nvSpPr>
+          <p:cNvPr id="3" name="TextBox 2">
+            <a:extLst>
+              <a:ext uri="{FF2B5EF4-FFF2-40B4-BE49-F238E27FC236}">
+                <a16:creationId xmlns:a16="http://schemas.microsoft.com/office/drawing/2014/main" id="{69179E84-9C72-514C-ACC5-8EA6C1A22375}"/>
+              </a:ext>
+            </a:extLst>
+          </p:cNvPr>
+          <p:cNvSpPr txBox="1"/>
+          <p:nvPr/>
+        </p:nvSpPr>
+        <p:spPr>
+          <a:xfrm>
+            <a:off x="5257800" y="4143375"/>
+            <a:ext cx="184731" cy="369332"/>
+          </a:xfrm>
+          <a:prstGeom prst="rect">
+            <a:avLst/>
+          </a:prstGeom>
+          <a:noFill/>
+        </p:spPr>
+        <p:txBody>
+          <a:bodyPr wrap="none" rtlCol="0">
+            <a:spAutoFit/>
+          </a:bodyPr>
+          <a:lstStyle/>
+          <a:p>
+            <a:endParaRPr lang="en-US" dirty="0"/>
+          </a:p>
+        </p:txBody>
+      </p:sp>
+      <p:sp>
+        <p:nvSpPr>
+          <p:cNvPr id="5" name="TextBox 4">
+            <a:extLst>
+              <a:ext uri="{FF2B5EF4-FFF2-40B4-BE49-F238E27FC236}">
+                <a16:creationId xmlns:a16="http://schemas.microsoft.com/office/drawing/2014/main" id="{3300ED95-65BD-F342-9078-203195C4461B}"/>
+              </a:ext>
+            </a:extLst>
+          </p:cNvPr>
+          <p:cNvSpPr txBox="1"/>
+          <p:nvPr/>
+        </p:nvSpPr>
+        <p:spPr>
+          <a:xfrm>
+            <a:off x="9986963" y="3786188"/>
+            <a:ext cx="184731" cy="369332"/>
+          </a:xfrm>
+          <a:prstGeom prst="rect">
+            <a:avLst/>
+          </a:prstGeom>
+          <a:noFill/>
+        </p:spPr>
+        <p:txBody>
+          <a:bodyPr wrap="none" rtlCol="0">
+            <a:spAutoFit/>
+          </a:bodyPr>
+          <a:lstStyle/>
+          <a:p>
+            <a:endParaRPr lang="en-US" dirty="0"/>
+          </a:p>
+        </p:txBody>
+      </p:sp>
+    </p:spTree>
+    <p:extLst>
+      <p:ext uri="{BB962C8B-B14F-4D97-AF65-F5344CB8AC3E}">
+        <p14:creationId xmlns:p14="http://schemas.microsoft.com/office/powerpoint/2010/main" val="2174729777"/>
+      </p:ext>
+    </p:extLst>
+  </p:cSld>
+  <p:clrMapOvr>
+    <a:masterClrMapping/>
+  </p:clrMapOvr>
+</p:sld>
+</file>
+
+<file path=ppt/slides/slide24.xml><?xml version="1.0" encoding="utf-8"?>
+<p:sld xmlns:a="http://schemas.openxmlformats.org/drawingml/2006/main" xmlns:r="http://schemas.openxmlformats.org/officeDocument/2006/relationships" xmlns:p="http://schemas.openxmlformats.org/presentationml/2006/main">
+  <p:cSld>
+    <p:spTree>
+      <p:nvGrpSpPr>
+        <p:cNvPr id="1" name=""/>
+        <p:cNvGrpSpPr/>
+        <p:nvPr/>
+      </p:nvGrpSpPr>
+      <p:grpSpPr>
+        <a:xfrm>
+          <a:off x="0" y="0"/>
+          <a:ext cx="0" cy="0"/>
+          <a:chOff x="0" y="0"/>
+          <a:chExt cx="0" cy="0"/>
+        </a:xfrm>
+      </p:grpSpPr>
+      <p:sp>
+        <p:nvSpPr>
+          <p:cNvPr id="4" name="Content Placeholder 3">
+            <a:extLst>
+              <a:ext uri="{FF2B5EF4-FFF2-40B4-BE49-F238E27FC236}">
+                <a16:creationId xmlns:a16="http://schemas.microsoft.com/office/drawing/2014/main" id="{65A76E98-9216-4EED-8AB5-40415E214144}"/>
+              </a:ext>
+            </a:extLst>
+          </p:cNvPr>
+          <p:cNvSpPr>
+            <a:spLocks noGrp="1"/>
+          </p:cNvSpPr>
+          <p:nvPr>
+            <p:ph idx="1"/>
+          </p:nvPr>
+        </p:nvSpPr>
+        <p:spPr>
+          <a:xfrm>
+            <a:off x="2022437" y="974207"/>
+            <a:ext cx="9264688" cy="3169168"/>
+          </a:xfrm>
+        </p:spPr>
+        <p:txBody>
+          <a:bodyPr>
+            <a:normAutofit fontScale="92500" lnSpcReduction="10000"/>
+          </a:bodyPr>
+          <a:lstStyle/>
+          <a:p>
+            <a:pPr lvl="1"/>
+            <a:r>
+              <a:rPr lang="en-AU" dirty="0"/>
+              <a:t>Spring Camel Context</a:t>
+            </a:r>
+          </a:p>
+          <a:p>
+            <a:pPr lvl="1"/>
+            <a:r>
+              <a:rPr lang="en-AU" dirty="0" err="1"/>
+              <a:t>ApplicationContext</a:t>
+            </a:r>
+            <a:r>
+              <a:rPr lang="en-AU" dirty="0"/>
+              <a:t> </a:t>
+            </a:r>
+            <a:r>
+              <a:rPr lang="en-AU" dirty="0" err="1"/>
+              <a:t>applicationContext</a:t>
+            </a:r>
+            <a:r>
+              <a:rPr lang="en-AU" dirty="0"/>
+              <a:t> = new </a:t>
+            </a:r>
+            <a:r>
+              <a:rPr lang="en-AU" dirty="0" err="1"/>
+              <a:t>ClassPathXmlApplicationContext</a:t>
+            </a:r>
+            <a:r>
+              <a:rPr lang="en-AU" dirty="0"/>
+              <a:t>("</a:t>
+            </a:r>
+            <a:r>
+              <a:rPr lang="en-AU" dirty="0" err="1"/>
+              <a:t>SpringXMLRouteContext.xml</a:t>
+            </a:r>
+            <a:r>
+              <a:rPr lang="en-AU" dirty="0"/>
+              <a:t>");</a:t>
+            </a:r>
+            <a:br>
+              <a:rPr lang="en-AU" dirty="0"/>
+            </a:br>
+            <a:r>
+              <a:rPr lang="en-AU" dirty="0" err="1"/>
+              <a:t>CamelContext</a:t>
+            </a:r>
+            <a:r>
+              <a:rPr lang="en-AU" dirty="0"/>
+              <a:t> </a:t>
+            </a:r>
+            <a:r>
+              <a:rPr lang="en-AU" dirty="0" err="1"/>
+              <a:t>camelContext</a:t>
+            </a:r>
+            <a:r>
+              <a:rPr lang="en-AU" dirty="0"/>
+              <a:t> = </a:t>
+            </a:r>
+            <a:r>
+              <a:rPr lang="en-AU" dirty="0" err="1"/>
+              <a:t>SpringCamelContext.</a:t>
+            </a:r>
+            <a:r>
+              <a:rPr lang="en-AU" i="1" dirty="0" err="1"/>
+              <a:t>springCamelContext</a:t>
+            </a:r>
+            <a:r>
+              <a:rPr lang="en-AU" dirty="0"/>
+              <a:t>(</a:t>
+            </a:r>
+            <a:r>
+              <a:rPr lang="en-AU" dirty="0" err="1"/>
+              <a:t>applicationContext</a:t>
+            </a:r>
+            <a:r>
+              <a:rPr lang="en-AU" dirty="0"/>
+              <a:t>, true);</a:t>
+            </a:r>
+            <a:br>
+              <a:rPr lang="en-AU" dirty="0"/>
+            </a:br>
+            <a:br>
+              <a:rPr lang="en-AU" dirty="0"/>
+            </a:br>
+            <a:r>
+              <a:rPr lang="en-AU" dirty="0"/>
+              <a:t>try {</a:t>
+            </a:r>
+            <a:br>
+              <a:rPr lang="en-AU" dirty="0"/>
+            </a:br>
+            <a:r>
+              <a:rPr lang="en-AU" dirty="0"/>
+              <a:t>    </a:t>
+            </a:r>
+            <a:r>
+              <a:rPr lang="en-AU" dirty="0" err="1"/>
+              <a:t>camelContext.start</a:t>
+            </a:r>
+            <a:r>
+              <a:rPr lang="en-AU" dirty="0"/>
+              <a:t>();</a:t>
+            </a:r>
+            <a:br>
+              <a:rPr lang="en-AU" dirty="0"/>
+            </a:br>
+            <a:r>
+              <a:rPr lang="en-AU" dirty="0"/>
+              <a:t>    </a:t>
+            </a:r>
+            <a:r>
+              <a:rPr lang="en-AU" dirty="0" err="1"/>
+              <a:t>ProducerTemplate</a:t>
+            </a:r>
+            <a:r>
+              <a:rPr lang="en-AU" dirty="0"/>
+              <a:t> template = </a:t>
+            </a:r>
+            <a:r>
+              <a:rPr lang="en-AU" dirty="0" err="1"/>
+              <a:t>camelContext.createProducerTemplate</a:t>
+            </a:r>
+            <a:r>
+              <a:rPr lang="en-AU" dirty="0"/>
+              <a:t>();</a:t>
+            </a:r>
+            <a:br>
+              <a:rPr lang="en-AU" dirty="0"/>
+            </a:br>
+            <a:r>
+              <a:rPr lang="en-AU" dirty="0"/>
+              <a:t>    </a:t>
+            </a:r>
+            <a:r>
+              <a:rPr lang="en-AU" dirty="0" err="1"/>
+              <a:t>InputStream</a:t>
+            </a:r>
+            <a:r>
+              <a:rPr lang="en-AU" dirty="0"/>
+              <a:t> </a:t>
+            </a:r>
+            <a:r>
+              <a:rPr lang="en-AU" dirty="0" err="1"/>
+              <a:t>inputStream</a:t>
+            </a:r>
+            <a:r>
+              <a:rPr lang="en-AU" dirty="0"/>
+              <a:t> = new </a:t>
+            </a:r>
+            <a:r>
+              <a:rPr lang="en-AU" dirty="0" err="1"/>
+              <a:t>FileInputStream</a:t>
+            </a:r>
+            <a:r>
+              <a:rPr lang="en-AU" dirty="0"/>
+              <a:t>("</a:t>
+            </a:r>
+            <a:r>
+              <a:rPr lang="en-AU" dirty="0" err="1"/>
+              <a:t>src</a:t>
+            </a:r>
+            <a:r>
+              <a:rPr lang="en-AU" dirty="0"/>
+              <a:t>/main/resources/</a:t>
+            </a:r>
+            <a:r>
+              <a:rPr lang="en-AU" dirty="0" err="1"/>
+              <a:t>order.xml</a:t>
+            </a:r>
+            <a:r>
+              <a:rPr lang="en-AU" dirty="0"/>
+              <a:t>");</a:t>
+            </a:r>
+            <a:br>
+              <a:rPr lang="en-AU" dirty="0"/>
+            </a:br>
+            <a:r>
+              <a:rPr lang="en-AU" dirty="0"/>
+              <a:t>    </a:t>
+            </a:r>
+            <a:r>
+              <a:rPr lang="en-AU" dirty="0" err="1"/>
+              <a:t>template.sendBody</a:t>
+            </a:r>
+            <a:r>
+              <a:rPr lang="en-AU" dirty="0"/>
+              <a:t>("</a:t>
+            </a:r>
+            <a:r>
+              <a:rPr lang="en-AU" dirty="0" err="1"/>
+              <a:t>direct:SpringXMLRouteStart</a:t>
+            </a:r>
+            <a:r>
+              <a:rPr lang="en-AU" dirty="0"/>
+              <a:t>", </a:t>
+            </a:r>
+            <a:r>
+              <a:rPr lang="en-AU" dirty="0" err="1"/>
+              <a:t>inputStream</a:t>
+            </a:r>
+            <a:r>
+              <a:rPr lang="en-AU" dirty="0"/>
+              <a:t>);</a:t>
+            </a:r>
+            <a:br>
+              <a:rPr lang="en-AU" dirty="0"/>
+            </a:br>
+            <a:r>
+              <a:rPr lang="en-AU" dirty="0"/>
+              <a:t>}finally {</a:t>
+            </a:r>
+            <a:br>
+              <a:rPr lang="en-AU" dirty="0"/>
+            </a:br>
+            <a:r>
+              <a:rPr lang="en-AU" dirty="0"/>
+              <a:t>    </a:t>
+            </a:r>
+            <a:r>
+              <a:rPr lang="en-AU" dirty="0" err="1"/>
+              <a:t>camelContext.stop</a:t>
+            </a:r>
+            <a:r>
+              <a:rPr lang="en-AU" dirty="0"/>
+              <a:t>();</a:t>
+            </a:r>
+            <a:br>
+              <a:rPr lang="en-AU" dirty="0"/>
+            </a:br>
+            <a:r>
+              <a:rPr lang="en-AU" dirty="0"/>
+              <a:t>}</a:t>
+            </a:r>
+          </a:p>
+          <a:p>
+            <a:pPr lvl="1"/>
+            <a:endParaRPr lang="en-AU" dirty="0"/>
+          </a:p>
+          <a:p>
+            <a:pPr marL="457200" lvl="1" indent="0">
+              <a:buNone/>
+            </a:pPr>
+            <a:endParaRPr lang="en-AU" dirty="0"/>
+          </a:p>
+          <a:p>
+            <a:pPr lvl="1"/>
+            <a:endParaRPr lang="en-AU" dirty="0"/>
+          </a:p>
+        </p:txBody>
+      </p:sp>
+      <p:sp>
+        <p:nvSpPr>
+          <p:cNvPr id="3" name="TextBox 2">
+            <a:extLst>
+              <a:ext uri="{FF2B5EF4-FFF2-40B4-BE49-F238E27FC236}">
+                <a16:creationId xmlns:a16="http://schemas.microsoft.com/office/drawing/2014/main" id="{69179E84-9C72-514C-ACC5-8EA6C1A22375}"/>
+              </a:ext>
+            </a:extLst>
+          </p:cNvPr>
+          <p:cNvSpPr txBox="1"/>
+          <p:nvPr/>
+        </p:nvSpPr>
+        <p:spPr>
+          <a:xfrm>
+            <a:off x="5257800" y="4143375"/>
+            <a:ext cx="184731" cy="369332"/>
+          </a:xfrm>
+          <a:prstGeom prst="rect">
+            <a:avLst/>
+          </a:prstGeom>
+          <a:noFill/>
+        </p:spPr>
+        <p:txBody>
+          <a:bodyPr wrap="none" rtlCol="0">
+            <a:spAutoFit/>
+          </a:bodyPr>
+          <a:lstStyle/>
+          <a:p>
+            <a:endParaRPr lang="en-US" dirty="0"/>
+          </a:p>
+        </p:txBody>
+      </p:sp>
+      <p:sp>
+        <p:nvSpPr>
+          <p:cNvPr id="5" name="TextBox 4">
+            <a:extLst>
+              <a:ext uri="{FF2B5EF4-FFF2-40B4-BE49-F238E27FC236}">
+                <a16:creationId xmlns:a16="http://schemas.microsoft.com/office/drawing/2014/main" id="{3300ED95-65BD-F342-9078-203195C4461B}"/>
+              </a:ext>
+            </a:extLst>
+          </p:cNvPr>
+          <p:cNvSpPr txBox="1"/>
+          <p:nvPr/>
+        </p:nvSpPr>
+        <p:spPr>
+          <a:xfrm>
+            <a:off x="9986963" y="3786188"/>
+            <a:ext cx="184731" cy="369332"/>
+          </a:xfrm>
+          <a:prstGeom prst="rect">
+            <a:avLst/>
+          </a:prstGeom>
+          <a:noFill/>
+        </p:spPr>
+        <p:txBody>
+          <a:bodyPr wrap="none" rtlCol="0">
+            <a:spAutoFit/>
+          </a:bodyPr>
+          <a:lstStyle/>
+          <a:p>
+            <a:endParaRPr lang="en-US" dirty="0"/>
+          </a:p>
+        </p:txBody>
+      </p:sp>
+      <p:sp>
+        <p:nvSpPr>
+          <p:cNvPr id="9" name="Title 1">
+            <a:extLst>
+              <a:ext uri="{FF2B5EF4-FFF2-40B4-BE49-F238E27FC236}">
+                <a16:creationId xmlns:a16="http://schemas.microsoft.com/office/drawing/2014/main" id="{1BB5A528-BC54-8C48-BF75-9C608D06B124}"/>
+              </a:ext>
+            </a:extLst>
+          </p:cNvPr>
+          <p:cNvSpPr txBox="1">
+            <a:spLocks/>
+          </p:cNvSpPr>
+          <p:nvPr/>
+        </p:nvSpPr>
+        <p:spPr>
+          <a:xfrm>
+            <a:off x="1571625" y="274013"/>
+            <a:ext cx="10044113" cy="700193"/>
+          </a:xfrm>
+          <a:prstGeom prst="rect">
+            <a:avLst/>
+          </a:prstGeom>
+        </p:spPr>
+        <p:txBody>
+          <a:bodyPr vert="horz" lIns="91440" tIns="45720" rIns="91440" bIns="45720" rtlCol="0" anchor="t">
+            <a:normAutofit fontScale="90000"/>
+          </a:bodyPr>
+          <a:lstStyle>
+            <a:lvl1pPr algn="l" defTabSz="457200" rtl="0" eaLnBrk="1" latinLnBrk="0" hangingPunct="1">
+              <a:spcBef>
+                <a:spcPct val="0"/>
+              </a:spcBef>
+              <a:buNone/>
+              <a:defRPr sz="3600" kern="1200">
+                <a:solidFill>
+                  <a:schemeClr val="tx1">
+                    <a:lumMod val="85000"/>
+                    <a:lumOff val="15000"/>
+                  </a:schemeClr>
+                </a:solidFill>
+                <a:latin typeface="+mj-lt"/>
+                <a:ea typeface="+mj-ea"/>
+                <a:cs typeface="+mj-cs"/>
+              </a:defRPr>
+            </a:lvl1pPr>
+            <a:lvl2pPr eaLnBrk="1" hangingPunct="1">
+              <a:defRPr>
+                <a:solidFill>
+                  <a:schemeClr val="tx2"/>
+                </a:solidFill>
+              </a:defRPr>
+            </a:lvl2pPr>
+            <a:lvl3pPr eaLnBrk="1" hangingPunct="1">
+              <a:defRPr>
+                <a:solidFill>
+                  <a:schemeClr val="tx2"/>
+                </a:solidFill>
+              </a:defRPr>
+            </a:lvl3pPr>
+            <a:lvl4pPr eaLnBrk="1" hangingPunct="1">
+              <a:defRPr>
+                <a:solidFill>
+                  <a:schemeClr val="tx2"/>
+                </a:solidFill>
+              </a:defRPr>
+            </a:lvl4pPr>
+            <a:lvl5pPr eaLnBrk="1" hangingPunct="1">
+              <a:defRPr>
+                <a:solidFill>
+                  <a:schemeClr val="tx2"/>
+                </a:solidFill>
+              </a:defRPr>
+            </a:lvl5pPr>
+            <a:lvl6pPr eaLnBrk="1" hangingPunct="1">
+              <a:defRPr>
+                <a:solidFill>
+                  <a:schemeClr val="tx2"/>
+                </a:solidFill>
+              </a:defRPr>
+            </a:lvl6pPr>
+            <a:lvl7pPr eaLnBrk="1" hangingPunct="1">
+              <a:defRPr>
+                <a:solidFill>
+                  <a:schemeClr val="tx2"/>
+                </a:solidFill>
+              </a:defRPr>
+            </a:lvl7pPr>
+            <a:lvl8pPr eaLnBrk="1" hangingPunct="1">
+              <a:defRPr>
+                <a:solidFill>
+                  <a:schemeClr val="tx2"/>
+                </a:solidFill>
+              </a:defRPr>
+            </a:lvl8pPr>
+            <a:lvl9pPr eaLnBrk="1" hangingPunct="1">
+              <a:defRPr>
+                <a:solidFill>
+                  <a:schemeClr val="tx2"/>
+                </a:solidFill>
+              </a:defRPr>
+            </a:lvl9pPr>
+          </a:lstStyle>
+          <a:p>
+            <a:r>
+              <a:rPr lang="en-US"/>
+              <a:t>Camel Context/RouteBuilder – Traditional Spring</a:t>
+            </a:r>
+            <a:endParaRPr lang="en-US" dirty="0"/>
+          </a:p>
+        </p:txBody>
+      </p:sp>
+    </p:spTree>
+    <p:extLst>
+      <p:ext uri="{BB962C8B-B14F-4D97-AF65-F5344CB8AC3E}">
+        <p14:creationId xmlns:p14="http://schemas.microsoft.com/office/powerpoint/2010/main" val="3489124257"/>
+      </p:ext>
+    </p:extLst>
+  </p:cSld>
+  <p:clrMapOvr>
+    <a:masterClrMapping/>
+  </p:clrMapOvr>
+</p:sld>
+</file>
+
+<file path=ppt/slides/slide25.xml><?xml version="1.0" encoding="utf-8"?>
+<p:sld xmlns:a="http://schemas.openxmlformats.org/drawingml/2006/main" xmlns:r="http://schemas.openxmlformats.org/officeDocument/2006/relationships" xmlns:p="http://schemas.openxmlformats.org/presentationml/2006/main">
+  <p:cSld>
+    <p:spTree>
+      <p:nvGrpSpPr>
+        <p:cNvPr id="1" name=""/>
+        <p:cNvGrpSpPr/>
+        <p:nvPr/>
+      </p:nvGrpSpPr>
+      <p:grpSpPr>
+        <a:xfrm>
+          <a:off x="0" y="0"/>
+          <a:ext cx="0" cy="0"/>
+          <a:chOff x="0" y="0"/>
+          <a:chExt cx="0" cy="0"/>
+        </a:xfrm>
+      </p:grpSpPr>
+      <p:sp>
+        <p:nvSpPr>
+          <p:cNvPr id="4" name="Content Placeholder 3">
+            <a:extLst>
+              <a:ext uri="{FF2B5EF4-FFF2-40B4-BE49-F238E27FC236}">
+                <a16:creationId xmlns:a16="http://schemas.microsoft.com/office/drawing/2014/main" id="{65A76E98-9216-4EED-8AB5-40415E214144}"/>
+              </a:ext>
+            </a:extLst>
+          </p:cNvPr>
+          <p:cNvSpPr>
+            <a:spLocks noGrp="1"/>
+          </p:cNvSpPr>
+          <p:nvPr>
+            <p:ph idx="1"/>
+          </p:nvPr>
+        </p:nvSpPr>
+        <p:spPr>
+          <a:xfrm>
+            <a:off x="2022437" y="974206"/>
+            <a:ext cx="9264688" cy="4855093"/>
+          </a:xfrm>
+        </p:spPr>
+        <p:txBody>
+          <a:bodyPr>
+            <a:normAutofit fontScale="77500" lnSpcReduction="20000"/>
+          </a:bodyPr>
+          <a:lstStyle/>
+          <a:p>
+            <a:pPr marL="457200" lvl="1" indent="0">
+              <a:buNone/>
+            </a:pPr>
+            <a:r>
+              <a:rPr lang="en-AU" dirty="0"/>
+              <a:t>&lt;beans&gt;</a:t>
+            </a:r>
+          </a:p>
+          <a:p>
+            <a:pPr marL="457200" lvl="1" indent="0">
+              <a:buNone/>
+            </a:pPr>
+            <a:r>
+              <a:rPr lang="en-AU" dirty="0"/>
+              <a:t>………</a:t>
+            </a:r>
+          </a:p>
+          <a:p>
+            <a:pPr marL="457200" lvl="1" indent="0">
+              <a:buNone/>
+            </a:pPr>
+            <a:r>
+              <a:rPr lang="en-AU" dirty="0"/>
+              <a:t>&lt;bean id="</a:t>
+            </a:r>
+            <a:r>
+              <a:rPr lang="en-AU" dirty="0" err="1"/>
+              <a:t>executorService</a:t>
+            </a:r>
+            <a:r>
+              <a:rPr lang="en-AU" dirty="0"/>
+              <a:t>" class="</a:t>
+            </a:r>
+            <a:r>
+              <a:rPr lang="en-AU" dirty="0" err="1"/>
+              <a:t>java.util.concurrent.Executors</a:t>
+            </a:r>
+            <a:r>
+              <a:rPr lang="en-AU" dirty="0"/>
+              <a:t>" factory-method="</a:t>
+            </a:r>
+            <a:r>
+              <a:rPr lang="en-AU" dirty="0" err="1"/>
+              <a:t>newSingleThreadExecutor</a:t>
+            </a:r>
+            <a:r>
+              <a:rPr lang="en-AU" dirty="0"/>
+              <a:t>"/&gt;</a:t>
+            </a:r>
+            <a:br>
+              <a:rPr lang="en-AU" dirty="0"/>
+            </a:br>
+            <a:br>
+              <a:rPr lang="en-AU" dirty="0"/>
+            </a:br>
+            <a:r>
+              <a:rPr lang="en-AU" dirty="0"/>
+              <a:t>    &lt;</a:t>
+            </a:r>
+            <a:r>
+              <a:rPr lang="en-AU" dirty="0" err="1"/>
+              <a:t>camelContext</a:t>
+            </a:r>
+            <a:r>
+              <a:rPr lang="en-AU" dirty="0"/>
+              <a:t> </a:t>
+            </a:r>
+            <a:r>
+              <a:rPr lang="en-AU" dirty="0" err="1"/>
+              <a:t>xmlns</a:t>
+            </a:r>
+            <a:r>
+              <a:rPr lang="en-AU" dirty="0"/>
+              <a:t>="http://</a:t>
+            </a:r>
+            <a:r>
+              <a:rPr lang="en-AU" dirty="0" err="1"/>
+              <a:t>camel.apache.org</a:t>
+            </a:r>
+            <a:r>
+              <a:rPr lang="en-AU" dirty="0"/>
+              <a:t>/schema/spring"&gt;</a:t>
+            </a:r>
+            <a:br>
+              <a:rPr lang="en-AU" dirty="0"/>
+            </a:br>
+            <a:r>
+              <a:rPr lang="en-AU" dirty="0"/>
+              <a:t>        &lt;route&gt;</a:t>
+            </a:r>
+            <a:br>
+              <a:rPr lang="en-AU" dirty="0"/>
+            </a:br>
+            <a:r>
+              <a:rPr lang="en-AU" dirty="0"/>
+              <a:t>            &lt;from </a:t>
+            </a:r>
+            <a:r>
+              <a:rPr lang="en-AU" dirty="0" err="1"/>
+              <a:t>uri</a:t>
+            </a:r>
+            <a:r>
+              <a:rPr lang="en-AU" dirty="0"/>
+              <a:t>="</a:t>
+            </a:r>
+            <a:r>
+              <a:rPr lang="en-AU" dirty="0" err="1"/>
+              <a:t>direct:SpringXMLRouteStart</a:t>
+            </a:r>
+            <a:r>
+              <a:rPr lang="en-AU" dirty="0"/>
+              <a:t>"/&gt;</a:t>
+            </a:r>
+            <a:br>
+              <a:rPr lang="en-AU" dirty="0"/>
+            </a:br>
+            <a:r>
+              <a:rPr lang="en-AU" dirty="0"/>
+              <a:t>            &lt;log message="Split by article element"/&gt;</a:t>
+            </a:r>
+            <a:br>
+              <a:rPr lang="en-AU" dirty="0"/>
+            </a:br>
+            <a:r>
+              <a:rPr lang="en-AU" dirty="0"/>
+              <a:t>            &lt;</a:t>
+            </a:r>
+            <a:r>
+              <a:rPr lang="en-AU" dirty="0" err="1"/>
+              <a:t>convertBodyTo</a:t>
+            </a:r>
+            <a:r>
+              <a:rPr lang="en-AU" dirty="0"/>
+              <a:t> type="String"/&gt;</a:t>
+            </a:r>
+            <a:br>
+              <a:rPr lang="en-AU" dirty="0"/>
+            </a:br>
+            <a:r>
+              <a:rPr lang="en-AU" dirty="0"/>
+              <a:t>            &lt;split&gt;</a:t>
+            </a:r>
+            <a:br>
+              <a:rPr lang="en-AU" dirty="0"/>
+            </a:br>
+            <a:r>
+              <a:rPr lang="en-AU" dirty="0"/>
+              <a:t>                &lt;</a:t>
+            </a:r>
+            <a:r>
+              <a:rPr lang="en-AU" dirty="0" err="1"/>
+              <a:t>xpath</a:t>
+            </a:r>
+            <a:r>
+              <a:rPr lang="en-AU" dirty="0"/>
+              <a:t>&gt;//order[@product = 'electronics']/items&lt;/</a:t>
+            </a:r>
+            <a:r>
+              <a:rPr lang="en-AU" dirty="0" err="1"/>
+              <a:t>xpath</a:t>
+            </a:r>
+            <a:r>
+              <a:rPr lang="en-AU" dirty="0"/>
+              <a:t>&gt;</a:t>
+            </a:r>
+            <a:br>
+              <a:rPr lang="en-AU" dirty="0"/>
+            </a:br>
+            <a:r>
+              <a:rPr lang="en-AU" dirty="0"/>
+              <a:t>                &lt;to </a:t>
+            </a:r>
+            <a:r>
+              <a:rPr lang="en-AU" dirty="0" err="1"/>
+              <a:t>uri</a:t>
+            </a:r>
+            <a:r>
+              <a:rPr lang="en-AU" dirty="0"/>
+              <a:t>="activemq:queue:Q1"/&gt;</a:t>
+            </a:r>
+            <a:br>
+              <a:rPr lang="en-AU" dirty="0"/>
+            </a:br>
+            <a:r>
+              <a:rPr lang="en-AU" dirty="0"/>
+              <a:t>            &lt;/split&gt;</a:t>
+            </a:r>
+            <a:br>
+              <a:rPr lang="en-AU" dirty="0"/>
+            </a:br>
+            <a:br>
+              <a:rPr lang="en-AU" dirty="0"/>
+            </a:br>
+            <a:r>
+              <a:rPr lang="en-AU" dirty="0"/>
+              <a:t>            &lt;split&gt;</a:t>
+            </a:r>
+            <a:br>
+              <a:rPr lang="en-AU" dirty="0"/>
+            </a:br>
+            <a:r>
+              <a:rPr lang="en-AU" dirty="0"/>
+              <a:t>                &lt;</a:t>
+            </a:r>
+            <a:r>
+              <a:rPr lang="en-AU" dirty="0" err="1"/>
+              <a:t>xpath</a:t>
+            </a:r>
+            <a:r>
+              <a:rPr lang="en-AU" dirty="0"/>
+              <a:t>&gt;//order[@product = 'books']/items&lt;/</a:t>
+            </a:r>
+            <a:r>
+              <a:rPr lang="en-AU" dirty="0" err="1"/>
+              <a:t>xpath</a:t>
+            </a:r>
+            <a:r>
+              <a:rPr lang="en-AU" dirty="0"/>
+              <a:t>&gt;</a:t>
+            </a:r>
+            <a:br>
+              <a:rPr lang="en-AU" dirty="0"/>
+            </a:br>
+            <a:r>
+              <a:rPr lang="en-AU" dirty="0"/>
+              <a:t>                &lt;to </a:t>
+            </a:r>
+            <a:r>
+              <a:rPr lang="en-AU" dirty="0" err="1"/>
+              <a:t>uri</a:t>
+            </a:r>
+            <a:r>
+              <a:rPr lang="en-AU" dirty="0"/>
+              <a:t>="activemq:queue:Q2"/&gt;</a:t>
+            </a:r>
+            <a:br>
+              <a:rPr lang="en-AU" dirty="0"/>
+            </a:br>
+            <a:r>
+              <a:rPr lang="en-AU" dirty="0"/>
+              <a:t>            &lt;/split&gt;</a:t>
+            </a:r>
+            <a:br>
+              <a:rPr lang="en-AU" dirty="0"/>
+            </a:br>
+            <a:r>
+              <a:rPr lang="en-AU" dirty="0"/>
+              <a:t>        &lt;/route&gt;</a:t>
+            </a:r>
+            <a:br>
+              <a:rPr lang="en-AU" dirty="0"/>
+            </a:br>
+            <a:r>
+              <a:rPr lang="en-AU" dirty="0"/>
+              <a:t>        &lt;route&gt;</a:t>
+            </a:r>
+            <a:br>
+              <a:rPr lang="en-AU" dirty="0"/>
+            </a:br>
+            <a:r>
+              <a:rPr lang="en-AU" dirty="0"/>
+              <a:t>            &lt;from </a:t>
+            </a:r>
+            <a:r>
+              <a:rPr lang="en-AU" dirty="0" err="1"/>
+              <a:t>uri</a:t>
+            </a:r>
+            <a:r>
+              <a:rPr lang="en-AU" dirty="0"/>
+              <a:t>="activemq:queue:Q1"/&gt;</a:t>
+            </a:r>
+            <a:br>
+              <a:rPr lang="en-AU" dirty="0"/>
+            </a:br>
+            <a:r>
+              <a:rPr lang="en-AU" dirty="0"/>
+              <a:t>            &lt;log message="</a:t>
+            </a:r>
+            <a:r>
+              <a:rPr lang="en-AU" dirty="0" err="1"/>
+              <a:t>Dequeud</a:t>
+            </a:r>
+            <a:r>
+              <a:rPr lang="en-AU" dirty="0"/>
+              <a:t> from Q1 and will be multicast to 3 more queues"/&gt;</a:t>
+            </a:r>
+            <a:br>
+              <a:rPr lang="en-AU" dirty="0"/>
+            </a:br>
+            <a:r>
+              <a:rPr lang="en-AU" dirty="0"/>
+              <a:t>            &lt;multicast </a:t>
+            </a:r>
+            <a:r>
+              <a:rPr lang="en-AU" dirty="0" err="1"/>
+              <a:t>parallelProcessing</a:t>
+            </a:r>
+            <a:r>
+              <a:rPr lang="en-AU" dirty="0"/>
+              <a:t>="true" </a:t>
+            </a:r>
+            <a:r>
+              <a:rPr lang="en-AU" dirty="0" err="1"/>
+              <a:t>executorServiceRef</a:t>
+            </a:r>
+            <a:r>
+              <a:rPr lang="en-AU" dirty="0"/>
+              <a:t>="</a:t>
+            </a:r>
+            <a:r>
+              <a:rPr lang="en-AU" dirty="0" err="1"/>
+              <a:t>executorService</a:t>
+            </a:r>
+            <a:r>
+              <a:rPr lang="en-AU" dirty="0"/>
+              <a:t>"&gt;</a:t>
+            </a:r>
+            <a:br>
+              <a:rPr lang="en-AU" dirty="0"/>
+            </a:br>
+            <a:r>
+              <a:rPr lang="en-AU" dirty="0"/>
+              <a:t>                &lt;to </a:t>
+            </a:r>
+            <a:r>
+              <a:rPr lang="en-AU" dirty="0" err="1"/>
+              <a:t>uri</a:t>
+            </a:r>
+            <a:r>
+              <a:rPr lang="en-AU" dirty="0"/>
+              <a:t>="activemq:queue:Q5"/&gt;</a:t>
+            </a:r>
+            <a:br>
+              <a:rPr lang="en-AU" dirty="0"/>
+            </a:br>
+            <a:r>
+              <a:rPr lang="en-AU" dirty="0"/>
+              <a:t>                &lt;to </a:t>
+            </a:r>
+            <a:r>
+              <a:rPr lang="en-AU" dirty="0" err="1"/>
+              <a:t>uri</a:t>
+            </a:r>
+            <a:r>
+              <a:rPr lang="en-AU" dirty="0"/>
+              <a:t>="activemq:queue:Q6"/&gt;</a:t>
+            </a:r>
+            <a:br>
+              <a:rPr lang="en-AU" dirty="0"/>
+            </a:br>
+            <a:r>
+              <a:rPr lang="en-AU" dirty="0"/>
+              <a:t>                &lt;to </a:t>
+            </a:r>
+            <a:r>
+              <a:rPr lang="en-AU" dirty="0" err="1"/>
+              <a:t>uri</a:t>
+            </a:r>
+            <a:r>
+              <a:rPr lang="en-AU" dirty="0"/>
+              <a:t>="activemq:queue:Q7"/&gt;</a:t>
+            </a:r>
+            <a:br>
+              <a:rPr lang="en-AU" dirty="0"/>
+            </a:br>
+            <a:r>
+              <a:rPr lang="en-AU" dirty="0"/>
+              <a:t>            &lt;/multicast&gt;</a:t>
+            </a:r>
+            <a:br>
+              <a:rPr lang="en-AU" dirty="0"/>
+            </a:br>
+            <a:r>
+              <a:rPr lang="en-AU" dirty="0"/>
+              <a:t>        &lt;/route&gt;</a:t>
+            </a:r>
+            <a:br>
+              <a:rPr lang="en-AU" dirty="0"/>
+            </a:br>
+            <a:r>
+              <a:rPr lang="en-AU" dirty="0"/>
+              <a:t>    &lt;/</a:t>
+            </a:r>
+            <a:r>
+              <a:rPr lang="en-AU" dirty="0" err="1"/>
+              <a:t>camelContext</a:t>
+            </a:r>
+            <a:r>
+              <a:rPr lang="en-AU" dirty="0"/>
+              <a:t>&gt;</a:t>
+            </a:r>
+            <a:br>
+              <a:rPr lang="en-AU" dirty="0"/>
+            </a:br>
+            <a:r>
+              <a:rPr lang="en-AU" dirty="0"/>
+              <a:t>&lt;/beans&gt;</a:t>
+            </a:r>
+          </a:p>
+          <a:p>
+            <a:pPr marL="457200" lvl="1" indent="0">
+              <a:buNone/>
+            </a:pPr>
+            <a:endParaRPr lang="en-AU" dirty="0"/>
+          </a:p>
+          <a:p>
+            <a:pPr lvl="1"/>
+            <a:endParaRPr lang="en-AU" dirty="0"/>
+          </a:p>
+        </p:txBody>
+      </p:sp>
+      <p:sp>
+        <p:nvSpPr>
+          <p:cNvPr id="3" name="TextBox 2">
+            <a:extLst>
+              <a:ext uri="{FF2B5EF4-FFF2-40B4-BE49-F238E27FC236}">
+                <a16:creationId xmlns:a16="http://schemas.microsoft.com/office/drawing/2014/main" id="{69179E84-9C72-514C-ACC5-8EA6C1A22375}"/>
+              </a:ext>
+            </a:extLst>
+          </p:cNvPr>
+          <p:cNvSpPr txBox="1"/>
+          <p:nvPr/>
+        </p:nvSpPr>
+        <p:spPr>
+          <a:xfrm>
+            <a:off x="5257800" y="4143375"/>
+            <a:ext cx="184731" cy="369332"/>
+          </a:xfrm>
+          <a:prstGeom prst="rect">
+            <a:avLst/>
+          </a:prstGeom>
+          <a:noFill/>
+        </p:spPr>
+        <p:txBody>
+          <a:bodyPr wrap="none" rtlCol="0">
+            <a:spAutoFit/>
+          </a:bodyPr>
+          <a:lstStyle/>
+          <a:p>
+            <a:endParaRPr lang="en-US" dirty="0"/>
+          </a:p>
+        </p:txBody>
+      </p:sp>
+      <p:sp>
+        <p:nvSpPr>
+          <p:cNvPr id="5" name="TextBox 4">
+            <a:extLst>
+              <a:ext uri="{FF2B5EF4-FFF2-40B4-BE49-F238E27FC236}">
+                <a16:creationId xmlns:a16="http://schemas.microsoft.com/office/drawing/2014/main" id="{3300ED95-65BD-F342-9078-203195C4461B}"/>
+              </a:ext>
+            </a:extLst>
+          </p:cNvPr>
+          <p:cNvSpPr txBox="1"/>
+          <p:nvPr/>
+        </p:nvSpPr>
+        <p:spPr>
+          <a:xfrm>
+            <a:off x="9986963" y="3786188"/>
+            <a:ext cx="184731" cy="369332"/>
+          </a:xfrm>
+          <a:prstGeom prst="rect">
+            <a:avLst/>
+          </a:prstGeom>
+          <a:noFill/>
+        </p:spPr>
+        <p:txBody>
+          <a:bodyPr wrap="none" rtlCol="0">
+            <a:spAutoFit/>
+          </a:bodyPr>
+          <a:lstStyle/>
+          <a:p>
+            <a:endParaRPr lang="en-US" dirty="0"/>
+          </a:p>
+        </p:txBody>
+      </p:sp>
+      <p:sp>
+        <p:nvSpPr>
+          <p:cNvPr id="8" name="Title 1">
+            <a:extLst>
+              <a:ext uri="{FF2B5EF4-FFF2-40B4-BE49-F238E27FC236}">
+                <a16:creationId xmlns:a16="http://schemas.microsoft.com/office/drawing/2014/main" id="{A60CD197-9838-374F-B9DB-01771DABFE46}"/>
+              </a:ext>
+            </a:extLst>
+          </p:cNvPr>
+          <p:cNvSpPr txBox="1">
+            <a:spLocks/>
+          </p:cNvSpPr>
+          <p:nvPr/>
+        </p:nvSpPr>
+        <p:spPr>
+          <a:xfrm>
+            <a:off x="1571625" y="274013"/>
+            <a:ext cx="10044113" cy="700193"/>
+          </a:xfrm>
+          <a:prstGeom prst="rect">
+            <a:avLst/>
+          </a:prstGeom>
+        </p:spPr>
+        <p:txBody>
+          <a:bodyPr vert="horz" lIns="91440" tIns="45720" rIns="91440" bIns="45720" rtlCol="0" anchor="t">
+            <a:normAutofit fontScale="90000"/>
+          </a:bodyPr>
+          <a:lstStyle>
+            <a:lvl1pPr algn="l" defTabSz="457200" rtl="0" eaLnBrk="1" latinLnBrk="0" hangingPunct="1">
+              <a:spcBef>
+                <a:spcPct val="0"/>
+              </a:spcBef>
+              <a:buNone/>
+              <a:defRPr sz="3600" kern="1200">
+                <a:solidFill>
+                  <a:schemeClr val="tx1">
+                    <a:lumMod val="85000"/>
+                    <a:lumOff val="15000"/>
+                  </a:schemeClr>
+                </a:solidFill>
+                <a:latin typeface="+mj-lt"/>
+                <a:ea typeface="+mj-ea"/>
+                <a:cs typeface="+mj-cs"/>
+              </a:defRPr>
+            </a:lvl1pPr>
+            <a:lvl2pPr eaLnBrk="1" hangingPunct="1">
+              <a:defRPr>
+                <a:solidFill>
+                  <a:schemeClr val="tx2"/>
+                </a:solidFill>
+              </a:defRPr>
+            </a:lvl2pPr>
+            <a:lvl3pPr eaLnBrk="1" hangingPunct="1">
+              <a:defRPr>
+                <a:solidFill>
+                  <a:schemeClr val="tx2"/>
+                </a:solidFill>
+              </a:defRPr>
+            </a:lvl3pPr>
+            <a:lvl4pPr eaLnBrk="1" hangingPunct="1">
+              <a:defRPr>
+                <a:solidFill>
+                  <a:schemeClr val="tx2"/>
+                </a:solidFill>
+              </a:defRPr>
+            </a:lvl4pPr>
+            <a:lvl5pPr eaLnBrk="1" hangingPunct="1">
+              <a:defRPr>
+                <a:solidFill>
+                  <a:schemeClr val="tx2"/>
+                </a:solidFill>
+              </a:defRPr>
+            </a:lvl5pPr>
+            <a:lvl6pPr eaLnBrk="1" hangingPunct="1">
+              <a:defRPr>
+                <a:solidFill>
+                  <a:schemeClr val="tx2"/>
+                </a:solidFill>
+              </a:defRPr>
+            </a:lvl6pPr>
+            <a:lvl7pPr eaLnBrk="1" hangingPunct="1">
+              <a:defRPr>
+                <a:solidFill>
+                  <a:schemeClr val="tx2"/>
+                </a:solidFill>
+              </a:defRPr>
+            </a:lvl7pPr>
+            <a:lvl8pPr eaLnBrk="1" hangingPunct="1">
+              <a:defRPr>
+                <a:solidFill>
+                  <a:schemeClr val="tx2"/>
+                </a:solidFill>
+              </a:defRPr>
+            </a:lvl8pPr>
+            <a:lvl9pPr eaLnBrk="1" hangingPunct="1">
+              <a:defRPr>
+                <a:solidFill>
+                  <a:schemeClr val="tx2"/>
+                </a:solidFill>
+              </a:defRPr>
+            </a:lvl9pPr>
+          </a:lstStyle>
+          <a:p>
+            <a:r>
+              <a:rPr lang="en-US"/>
+              <a:t>Camel Context/RouteBuilder – Traditional Spring</a:t>
+            </a:r>
+            <a:endParaRPr lang="en-US" dirty="0"/>
+          </a:p>
+        </p:txBody>
+      </p:sp>
+    </p:spTree>
+    <p:extLst>
+      <p:ext uri="{BB962C8B-B14F-4D97-AF65-F5344CB8AC3E}">
+        <p14:creationId xmlns:p14="http://schemas.microsoft.com/office/powerpoint/2010/main" val="1850915309"/>
+      </p:ext>
+    </p:extLst>
+  </p:cSld>
+  <p:clrMapOvr>
+    <a:masterClrMapping/>
+  </p:clrMapOvr>
+</p:sld>
+</file>
+
+<file path=ppt/slides/slide26.xml><?xml version="1.0" encoding="utf-8"?>
+<p:sld xmlns:a="http://schemas.openxmlformats.org/drawingml/2006/main" xmlns:r="http://schemas.openxmlformats.org/officeDocument/2006/relationships" xmlns:p="http://schemas.openxmlformats.org/presentationml/2006/main">
+  <p:cSld>
+    <p:spTree>
+      <p:nvGrpSpPr>
+        <p:cNvPr id="1" name=""/>
+        <p:cNvGrpSpPr/>
+        <p:nvPr/>
+      </p:nvGrpSpPr>
+      <p:grpSpPr>
+        <a:xfrm>
+          <a:off x="0" y="0"/>
+          <a:ext cx="0" cy="0"/>
+          <a:chOff x="0" y="0"/>
+          <a:chExt cx="0" cy="0"/>
+        </a:xfrm>
+      </p:grpSpPr>
+      <p:sp>
+        <p:nvSpPr>
+          <p:cNvPr id="2" name="Title 1">
+            <a:extLst>
+              <a:ext uri="{FF2B5EF4-FFF2-40B4-BE49-F238E27FC236}">
+                <a16:creationId xmlns:a16="http://schemas.microsoft.com/office/drawing/2014/main" id="{2A6A7509-3510-E84E-9BC4-0A0EF04F28F8}"/>
+              </a:ext>
+            </a:extLst>
+          </p:cNvPr>
+          <p:cNvSpPr>
+            <a:spLocks noGrp="1"/>
+          </p:cNvSpPr>
+          <p:nvPr>
+            <p:ph type="title"/>
+          </p:nvPr>
+        </p:nvSpPr>
+        <p:spPr>
+          <a:xfrm>
+            <a:off x="2151491" y="274013"/>
+            <a:ext cx="8911687" cy="700193"/>
+          </a:xfrm>
+        </p:spPr>
+        <p:txBody>
+          <a:bodyPr/>
+          <a:lstStyle/>
+          <a:p>
+            <a:r>
+              <a:rPr lang="en-US" dirty="0"/>
+              <a:t>Camel Context/</a:t>
+            </a:r>
+            <a:r>
+              <a:rPr lang="en-US" dirty="0" err="1"/>
+              <a:t>RouteBuilder</a:t>
+            </a:r>
+            <a:r>
+              <a:rPr lang="en-US" dirty="0"/>
+              <a:t> - Java</a:t>
+            </a:r>
+          </a:p>
+        </p:txBody>
+      </p:sp>
+      <p:sp>
+        <p:nvSpPr>
+          <p:cNvPr id="4" name="Content Placeholder 3">
+            <a:extLst>
+              <a:ext uri="{FF2B5EF4-FFF2-40B4-BE49-F238E27FC236}">
+                <a16:creationId xmlns:a16="http://schemas.microsoft.com/office/drawing/2014/main" id="{65A76E98-9216-4EED-8AB5-40415E214144}"/>
+              </a:ext>
+            </a:extLst>
+          </p:cNvPr>
+          <p:cNvSpPr>
+            <a:spLocks noGrp="1"/>
+          </p:cNvSpPr>
+          <p:nvPr>
+            <p:ph idx="1"/>
+          </p:nvPr>
+        </p:nvSpPr>
+        <p:spPr>
+          <a:xfrm>
+            <a:off x="1643063" y="974207"/>
+            <a:ext cx="9644062" cy="5609780"/>
+          </a:xfrm>
+        </p:spPr>
+        <p:txBody>
+          <a:bodyPr>
+            <a:normAutofit fontScale="62500" lnSpcReduction="20000"/>
+          </a:bodyPr>
+          <a:lstStyle/>
+          <a:p>
+            <a:pPr lvl="1"/>
+            <a:r>
+              <a:rPr lang="en-AU" dirty="0"/>
+              <a:t>Add a route builder to the context</a:t>
+            </a:r>
+          </a:p>
+          <a:p>
+            <a:pPr lvl="1"/>
+            <a:r>
+              <a:rPr lang="en-AU" dirty="0"/>
+              <a:t>public static void main(String[] </a:t>
+            </a:r>
+            <a:r>
+              <a:rPr lang="en-AU" dirty="0" err="1"/>
+              <a:t>args</a:t>
+            </a:r>
+            <a:r>
+              <a:rPr lang="en-AU" dirty="0"/>
+              <a:t>) throws Exception {</a:t>
+            </a:r>
+            <a:br>
+              <a:rPr lang="en-AU" dirty="0"/>
+            </a:br>
+            <a:r>
+              <a:rPr lang="en-AU" dirty="0"/>
+              <a:t>    </a:t>
+            </a:r>
+            <a:r>
+              <a:rPr lang="en-AU" dirty="0" err="1">
+                <a:highlight>
+                  <a:srgbClr val="FFFF00"/>
+                </a:highlight>
+              </a:rPr>
+              <a:t>CamelContext</a:t>
+            </a:r>
+            <a:r>
+              <a:rPr lang="en-AU" dirty="0">
+                <a:highlight>
+                  <a:srgbClr val="FFFF00"/>
+                </a:highlight>
+              </a:rPr>
+              <a:t> </a:t>
+            </a:r>
+            <a:r>
+              <a:rPr lang="en-AU" dirty="0" err="1">
+                <a:highlight>
+                  <a:srgbClr val="FFFF00"/>
+                </a:highlight>
+              </a:rPr>
+              <a:t>camelContext</a:t>
+            </a:r>
+            <a:r>
+              <a:rPr lang="en-AU" dirty="0">
+                <a:highlight>
+                  <a:srgbClr val="FFFF00"/>
+                </a:highlight>
+              </a:rPr>
+              <a:t> = new </a:t>
+            </a:r>
+            <a:r>
+              <a:rPr lang="en-AU" dirty="0" err="1">
+                <a:highlight>
+                  <a:srgbClr val="FFFF00"/>
+                </a:highlight>
+              </a:rPr>
+              <a:t>DefaultCamelContext</a:t>
+            </a:r>
+            <a:r>
+              <a:rPr lang="en-AU" dirty="0">
+                <a:highlight>
+                  <a:srgbClr val="FFFF00"/>
+                </a:highlight>
+              </a:rPr>
+              <a:t>();</a:t>
+            </a:r>
+            <a:br>
+              <a:rPr lang="en-AU" dirty="0"/>
+            </a:br>
+            <a:br>
+              <a:rPr lang="en-AU" dirty="0"/>
+            </a:br>
+            <a:br>
+              <a:rPr lang="en-AU" dirty="0"/>
+            </a:br>
+            <a:r>
+              <a:rPr lang="en-AU" dirty="0"/>
+              <a:t>    try {</a:t>
+            </a:r>
+            <a:br>
+              <a:rPr lang="en-AU" dirty="0"/>
+            </a:br>
+            <a:r>
+              <a:rPr lang="en-AU" dirty="0"/>
+              <a:t>        </a:t>
+            </a:r>
+            <a:r>
+              <a:rPr lang="en-AU" dirty="0" err="1"/>
+              <a:t>camelContext.addRoutes</a:t>
+            </a:r>
+            <a:r>
+              <a:rPr lang="en-AU" dirty="0"/>
+              <a:t>(new </a:t>
+            </a:r>
+            <a:r>
+              <a:rPr lang="en-AU" dirty="0" err="1"/>
+              <a:t>RouteBuilder</a:t>
+            </a:r>
+            <a:r>
+              <a:rPr lang="en-AU" dirty="0"/>
+              <a:t>() {</a:t>
+            </a:r>
+            <a:br>
+              <a:rPr lang="en-AU" dirty="0"/>
+            </a:br>
+            <a:r>
+              <a:rPr lang="en-AU" dirty="0"/>
+              <a:t>            @Override</a:t>
+            </a:r>
+            <a:br>
+              <a:rPr lang="en-AU" dirty="0"/>
+            </a:br>
+            <a:r>
+              <a:rPr lang="en-AU" dirty="0"/>
+              <a:t>            </a:t>
+            </a:r>
+            <a:r>
+              <a:rPr lang="en-AU" dirty="0">
+                <a:highlight>
+                  <a:srgbClr val="FFFF00"/>
+                </a:highlight>
+              </a:rPr>
+              <a:t>public void configure() throws Exception {</a:t>
+            </a:r>
+            <a:br>
+              <a:rPr lang="en-AU" dirty="0">
+                <a:highlight>
+                  <a:srgbClr val="FFFF00"/>
+                </a:highlight>
+              </a:rPr>
+            </a:br>
+            <a:r>
+              <a:rPr lang="en-AU" dirty="0"/>
+              <a:t>                from("</a:t>
+            </a:r>
+            <a:r>
+              <a:rPr lang="en-AU" dirty="0" err="1"/>
+              <a:t>file:src</a:t>
+            </a:r>
+            <a:r>
+              <a:rPr lang="en-AU" dirty="0"/>
+              <a:t>/main/resources/</a:t>
+            </a:r>
+            <a:r>
+              <a:rPr lang="en-AU" dirty="0" err="1"/>
+              <a:t>order.xml</a:t>
+            </a:r>
+            <a:r>
+              <a:rPr lang="en-AU" dirty="0"/>
+              <a:t>")</a:t>
+            </a:r>
+            <a:br>
+              <a:rPr lang="en-AU" dirty="0"/>
+            </a:br>
+            <a:r>
+              <a:rPr lang="en-AU" dirty="0"/>
+              <a:t>                        .split(</a:t>
+            </a:r>
+            <a:r>
+              <a:rPr lang="en-AU" dirty="0" err="1"/>
+              <a:t>xpath</a:t>
+            </a:r>
+            <a:r>
+              <a:rPr lang="en-AU" dirty="0"/>
+              <a:t>("//order[@product = 'electronics']/items"))</a:t>
+            </a:r>
+            <a:br>
+              <a:rPr lang="en-AU" dirty="0"/>
+            </a:br>
+            <a:r>
+              <a:rPr lang="en-AU" dirty="0"/>
+              <a:t>                        .process(new Processor() {</a:t>
+            </a:r>
+            <a:br>
+              <a:rPr lang="en-AU" dirty="0"/>
+            </a:br>
+            <a:r>
+              <a:rPr lang="en-AU" dirty="0"/>
+              <a:t>                            @Override</a:t>
+            </a:r>
+            <a:br>
+              <a:rPr lang="en-AU" dirty="0"/>
+            </a:br>
+            <a:r>
+              <a:rPr lang="en-AU" dirty="0"/>
+              <a:t>                            public void process(Exchange exchange) throws Exception {</a:t>
+            </a:r>
+            <a:br>
+              <a:rPr lang="en-AU" dirty="0"/>
+            </a:br>
+            <a:r>
+              <a:rPr lang="en-AU" dirty="0"/>
+              <a:t>                                Message message = </a:t>
+            </a:r>
+            <a:r>
+              <a:rPr lang="en-AU" dirty="0" err="1"/>
+              <a:t>exchange.getIn</a:t>
+            </a:r>
+            <a:r>
+              <a:rPr lang="en-AU" dirty="0"/>
+              <a:t>();</a:t>
+            </a:r>
+            <a:br>
+              <a:rPr lang="en-AU" dirty="0"/>
+            </a:br>
+            <a:r>
+              <a:rPr lang="en-AU" dirty="0"/>
+              <a:t>                                </a:t>
+            </a:r>
+            <a:r>
+              <a:rPr lang="en-AU" dirty="0" err="1"/>
+              <a:t>message.setHeader</a:t>
+            </a:r>
+            <a:r>
+              <a:rPr lang="en-AU" dirty="0"/>
+              <a:t>("</a:t>
+            </a:r>
+            <a:r>
+              <a:rPr lang="en-AU" dirty="0" err="1"/>
+              <a:t>MyHeader</a:t>
+            </a:r>
+            <a:r>
+              <a:rPr lang="en-AU" dirty="0"/>
+              <a:t>", "Hello World");</a:t>
+            </a:r>
+            <a:br>
+              <a:rPr lang="en-AU" dirty="0"/>
+            </a:br>
+            <a:r>
+              <a:rPr lang="en-AU" dirty="0"/>
+              <a:t>                                </a:t>
+            </a:r>
+            <a:r>
+              <a:rPr lang="en-AU" dirty="0" err="1"/>
+              <a:t>System.</a:t>
+            </a:r>
+            <a:r>
+              <a:rPr lang="en-AU" i="1" dirty="0" err="1"/>
+              <a:t>out</a:t>
+            </a:r>
+            <a:r>
+              <a:rPr lang="en-AU" dirty="0" err="1"/>
+              <a:t>.println</a:t>
+            </a:r>
+            <a:r>
+              <a:rPr lang="en-AU" dirty="0"/>
+              <a:t>("Processing electronic products");</a:t>
+            </a:r>
+            <a:br>
+              <a:rPr lang="en-AU" dirty="0"/>
+            </a:br>
+            <a:r>
+              <a:rPr lang="en-AU" dirty="0"/>
+              <a:t>                            }</a:t>
+            </a:r>
+            <a:br>
+              <a:rPr lang="en-AU" dirty="0"/>
+            </a:br>
+            <a:r>
+              <a:rPr lang="en-AU" dirty="0"/>
+              <a:t>                        })</a:t>
+            </a:r>
+            <a:br>
+              <a:rPr lang="en-AU" dirty="0"/>
+            </a:br>
+            <a:r>
+              <a:rPr lang="en-AU" dirty="0"/>
+              <a:t>                        .process(e -&gt; {</a:t>
+            </a:r>
+            <a:br>
+              <a:rPr lang="en-AU" dirty="0"/>
+            </a:br>
+            <a:r>
+              <a:rPr lang="en-AU" dirty="0"/>
+              <a:t>                            Message </a:t>
+            </a:r>
+            <a:r>
+              <a:rPr lang="en-AU" dirty="0" err="1"/>
+              <a:t>msg</a:t>
+            </a:r>
+            <a:r>
+              <a:rPr lang="en-AU" dirty="0"/>
+              <a:t> = </a:t>
+            </a:r>
+            <a:r>
+              <a:rPr lang="en-AU" dirty="0" err="1"/>
+              <a:t>e.getIn</a:t>
+            </a:r>
+            <a:r>
+              <a:rPr lang="en-AU" dirty="0"/>
+              <a:t>();</a:t>
+            </a:r>
+            <a:br>
+              <a:rPr lang="en-AU" dirty="0"/>
+            </a:br>
+            <a:br>
+              <a:rPr lang="en-AU" dirty="0"/>
+            </a:br>
+            <a:r>
+              <a:rPr lang="en-AU" dirty="0"/>
+              <a:t>                        })</a:t>
+            </a:r>
+            <a:br>
+              <a:rPr lang="en-AU" dirty="0"/>
+            </a:br>
+            <a:r>
+              <a:rPr lang="en-AU" dirty="0"/>
+              <a:t>                        .log(body().</a:t>
+            </a:r>
+            <a:r>
+              <a:rPr lang="en-AU" dirty="0" err="1"/>
+              <a:t>toString</a:t>
+            </a:r>
+            <a:r>
+              <a:rPr lang="en-AU" dirty="0"/>
+              <a:t>())</a:t>
+            </a:r>
+            <a:br>
+              <a:rPr lang="en-AU" dirty="0"/>
+            </a:br>
+            <a:r>
+              <a:rPr lang="en-AU" dirty="0"/>
+              <a:t>                        .to("jms:queue:Q1");</a:t>
+            </a:r>
+            <a:br>
+              <a:rPr lang="en-AU" dirty="0"/>
+            </a:br>
+            <a:r>
+              <a:rPr lang="en-AU" dirty="0"/>
+              <a:t>            }</a:t>
+            </a:r>
+            <a:br>
+              <a:rPr lang="en-AU" dirty="0"/>
+            </a:br>
+            <a:r>
+              <a:rPr lang="en-AU" dirty="0"/>
+              <a:t>        });</a:t>
+            </a:r>
+            <a:br>
+              <a:rPr lang="en-AU" dirty="0"/>
+            </a:br>
+            <a:r>
+              <a:rPr lang="en-AU" dirty="0"/>
+              <a:t>        </a:t>
+            </a:r>
+            <a:r>
+              <a:rPr lang="en-AU" dirty="0" err="1">
+                <a:highlight>
+                  <a:srgbClr val="FFFF00"/>
+                </a:highlight>
+              </a:rPr>
+              <a:t>camelContext.start</a:t>
+            </a:r>
+            <a:r>
+              <a:rPr lang="en-AU" dirty="0">
+                <a:highlight>
+                  <a:srgbClr val="FFFF00"/>
+                </a:highlight>
+              </a:rPr>
+              <a:t>();</a:t>
+            </a:r>
+            <a:br>
+              <a:rPr lang="en-AU" dirty="0"/>
+            </a:br>
+            <a:br>
+              <a:rPr lang="en-AU" dirty="0"/>
+            </a:br>
+            <a:r>
+              <a:rPr lang="en-AU" dirty="0"/>
+              <a:t>        </a:t>
+            </a:r>
+            <a:r>
+              <a:rPr lang="en-AU" dirty="0" err="1">
+                <a:highlight>
+                  <a:srgbClr val="FFFF00"/>
+                </a:highlight>
+              </a:rPr>
+              <a:t>ProducerTemplate</a:t>
+            </a:r>
+            <a:r>
+              <a:rPr lang="en-AU" dirty="0">
+                <a:highlight>
+                  <a:srgbClr val="FFFF00"/>
+                </a:highlight>
+              </a:rPr>
+              <a:t> template = </a:t>
+            </a:r>
+            <a:r>
+              <a:rPr lang="en-AU" dirty="0" err="1">
+                <a:highlight>
+                  <a:srgbClr val="FFFF00"/>
+                </a:highlight>
+              </a:rPr>
+              <a:t>camelContext.createProducerTemplate</a:t>
+            </a:r>
+            <a:r>
+              <a:rPr lang="en-AU" dirty="0">
+                <a:highlight>
+                  <a:srgbClr val="FFFF00"/>
+                </a:highlight>
+              </a:rPr>
+              <a:t>();</a:t>
+            </a:r>
+            <a:br>
+              <a:rPr lang="en-AU" dirty="0"/>
+            </a:br>
+            <a:r>
+              <a:rPr lang="en-AU" dirty="0"/>
+              <a:t>        </a:t>
+            </a:r>
+            <a:r>
+              <a:rPr lang="en-AU" dirty="0" err="1"/>
+              <a:t>template.sendBody</a:t>
+            </a:r>
+            <a:r>
+              <a:rPr lang="en-AU" dirty="0"/>
+              <a:t>(.....)</a:t>
+            </a:r>
+            <a:br>
+              <a:rPr lang="en-AU" dirty="0"/>
+            </a:br>
+            <a:br>
+              <a:rPr lang="en-AU" dirty="0"/>
+            </a:br>
+            <a:r>
+              <a:rPr lang="en-AU" dirty="0"/>
+              <a:t>        </a:t>
+            </a:r>
+            <a:r>
+              <a:rPr lang="en-AU" dirty="0" err="1"/>
+              <a:t>Thread.</a:t>
+            </a:r>
+            <a:r>
+              <a:rPr lang="en-AU" i="1" dirty="0" err="1"/>
+              <a:t>sleep</a:t>
+            </a:r>
+            <a:r>
+              <a:rPr lang="en-AU" dirty="0"/>
+              <a:t>(5000);</a:t>
+            </a:r>
+            <a:br>
+              <a:rPr lang="en-AU" dirty="0"/>
+            </a:br>
+            <a:br>
+              <a:rPr lang="en-AU" dirty="0"/>
+            </a:br>
+            <a:r>
+              <a:rPr lang="en-AU" dirty="0"/>
+              <a:t>    } catch (Exception e) {</a:t>
+            </a:r>
+            <a:br>
+              <a:rPr lang="en-AU" dirty="0"/>
+            </a:br>
+            <a:br>
+              <a:rPr lang="en-AU" dirty="0"/>
+            </a:br>
+            <a:r>
+              <a:rPr lang="en-AU" dirty="0"/>
+              <a:t>    } finally {</a:t>
+            </a:r>
+            <a:br>
+              <a:rPr lang="en-AU" dirty="0"/>
+            </a:br>
+            <a:r>
+              <a:rPr lang="en-AU" dirty="0"/>
+              <a:t>        </a:t>
+            </a:r>
+            <a:r>
+              <a:rPr lang="en-AU" dirty="0" err="1"/>
+              <a:t>camelContext.stop</a:t>
+            </a:r>
+            <a:r>
+              <a:rPr lang="en-AU" dirty="0"/>
+              <a:t>();</a:t>
+            </a:r>
+            <a:br>
+              <a:rPr lang="en-AU" dirty="0"/>
+            </a:br>
+            <a:r>
+              <a:rPr lang="en-AU" dirty="0"/>
+              <a:t>    }</a:t>
+            </a:r>
+            <a:br>
+              <a:rPr lang="en-AU" dirty="0"/>
+            </a:br>
+            <a:br>
+              <a:rPr lang="en-AU" dirty="0"/>
+            </a:br>
+            <a:r>
+              <a:rPr lang="en-AU" dirty="0"/>
+              <a:t>}</a:t>
+            </a:r>
+          </a:p>
+          <a:p>
+            <a:pPr lvl="1"/>
+            <a:endParaRPr lang="en-AU" dirty="0"/>
+          </a:p>
+        </p:txBody>
+      </p:sp>
+      <p:sp>
+        <p:nvSpPr>
+          <p:cNvPr id="3" name="TextBox 2">
+            <a:extLst>
+              <a:ext uri="{FF2B5EF4-FFF2-40B4-BE49-F238E27FC236}">
+                <a16:creationId xmlns:a16="http://schemas.microsoft.com/office/drawing/2014/main" id="{69179E84-9C72-514C-ACC5-8EA6C1A22375}"/>
+              </a:ext>
+            </a:extLst>
+          </p:cNvPr>
+          <p:cNvSpPr txBox="1"/>
+          <p:nvPr/>
+        </p:nvSpPr>
+        <p:spPr>
+          <a:xfrm>
+            <a:off x="5257800" y="4143375"/>
+            <a:ext cx="184731" cy="369332"/>
+          </a:xfrm>
+          <a:prstGeom prst="rect">
+            <a:avLst/>
+          </a:prstGeom>
+          <a:noFill/>
+        </p:spPr>
+        <p:txBody>
+          <a:bodyPr wrap="none" rtlCol="0">
+            <a:spAutoFit/>
+          </a:bodyPr>
+          <a:lstStyle/>
+          <a:p>
+            <a:endParaRPr lang="en-US" dirty="0"/>
+          </a:p>
+        </p:txBody>
+      </p:sp>
+      <p:sp>
+        <p:nvSpPr>
+          <p:cNvPr id="5" name="TextBox 4">
+            <a:extLst>
+              <a:ext uri="{FF2B5EF4-FFF2-40B4-BE49-F238E27FC236}">
+                <a16:creationId xmlns:a16="http://schemas.microsoft.com/office/drawing/2014/main" id="{3300ED95-65BD-F342-9078-203195C4461B}"/>
+              </a:ext>
+            </a:extLst>
+          </p:cNvPr>
+          <p:cNvSpPr txBox="1"/>
+          <p:nvPr/>
+        </p:nvSpPr>
+        <p:spPr>
+          <a:xfrm>
+            <a:off x="9986963" y="3786188"/>
+            <a:ext cx="184731" cy="369332"/>
+          </a:xfrm>
+          <a:prstGeom prst="rect">
+            <a:avLst/>
+          </a:prstGeom>
+          <a:noFill/>
+        </p:spPr>
+        <p:txBody>
+          <a:bodyPr wrap="none" rtlCol="0">
+            <a:spAutoFit/>
+          </a:bodyPr>
+          <a:lstStyle/>
+          <a:p>
+            <a:endParaRPr lang="en-US" dirty="0"/>
+          </a:p>
+        </p:txBody>
+      </p:sp>
+    </p:spTree>
+    <p:extLst>
+      <p:ext uri="{BB962C8B-B14F-4D97-AF65-F5344CB8AC3E}">
+        <p14:creationId xmlns:p14="http://schemas.microsoft.com/office/powerpoint/2010/main" val="2783600022"/>
+      </p:ext>
+    </p:extLst>
+  </p:cSld>
+  <p:clrMapOvr>
+    <a:masterClrMapping/>
+  </p:clrMapOvr>
+</p:sld>
+</file>
+
+<file path=ppt/slides/slide27.xml><?xml version="1.0" encoding="utf-8"?>
+<p:sld xmlns:a="http://schemas.openxmlformats.org/drawingml/2006/main" xmlns:r="http://schemas.openxmlformats.org/officeDocument/2006/relationships" xmlns:p="http://schemas.openxmlformats.org/presentationml/2006/main">
+  <p:cSld>
+    <p:spTree>
+      <p:nvGrpSpPr>
+        <p:cNvPr id="1" name=""/>
+        <p:cNvGrpSpPr/>
+        <p:nvPr/>
+      </p:nvGrpSpPr>
+      <p:grpSpPr>
+        <a:xfrm>
+          <a:off x="0" y="0"/>
+          <a:ext cx="0" cy="0"/>
+          <a:chOff x="0" y="0"/>
+          <a:chExt cx="0" cy="0"/>
+        </a:xfrm>
+      </p:grpSpPr>
+      <p:sp>
+        <p:nvSpPr>
+          <p:cNvPr id="2" name="Title 1">
+            <a:extLst>
+              <a:ext uri="{FF2B5EF4-FFF2-40B4-BE49-F238E27FC236}">
+                <a16:creationId xmlns:a16="http://schemas.microsoft.com/office/drawing/2014/main" id="{2A6A7509-3510-E84E-9BC4-0A0EF04F28F8}"/>
+              </a:ext>
+            </a:extLst>
+          </p:cNvPr>
+          <p:cNvSpPr>
+            <a:spLocks noGrp="1"/>
+          </p:cNvSpPr>
+          <p:nvPr>
+            <p:ph type="title"/>
+          </p:nvPr>
+        </p:nvSpPr>
+        <p:spPr>
+          <a:xfrm>
+            <a:off x="2151491" y="274013"/>
+            <a:ext cx="8911687" cy="700193"/>
+          </a:xfrm>
+        </p:spPr>
+        <p:txBody>
+          <a:bodyPr>
+            <a:normAutofit fontScale="90000"/>
+          </a:bodyPr>
+          <a:lstStyle/>
+          <a:p>
+            <a:r>
+              <a:rPr lang="en-US" dirty="0"/>
+              <a:t>Camel Context/</a:t>
+            </a:r>
+            <a:r>
+              <a:rPr lang="en-US" dirty="0" err="1"/>
+              <a:t>RouteBuilder</a:t>
+            </a:r>
+            <a:r>
+              <a:rPr lang="en-US" dirty="0"/>
+              <a:t> - </a:t>
+            </a:r>
+            <a:r>
+              <a:rPr lang="en-US" dirty="0" err="1"/>
+              <a:t>SpringBoot</a:t>
+            </a:r>
+            <a:endParaRPr lang="en-US" dirty="0"/>
+          </a:p>
+        </p:txBody>
+      </p:sp>
+      <p:sp>
+        <p:nvSpPr>
+          <p:cNvPr id="4" name="Content Placeholder 3">
+            <a:extLst>
+              <a:ext uri="{FF2B5EF4-FFF2-40B4-BE49-F238E27FC236}">
+                <a16:creationId xmlns:a16="http://schemas.microsoft.com/office/drawing/2014/main" id="{65A76E98-9216-4EED-8AB5-40415E214144}"/>
+              </a:ext>
+            </a:extLst>
+          </p:cNvPr>
+          <p:cNvSpPr>
+            <a:spLocks noGrp="1"/>
+          </p:cNvSpPr>
+          <p:nvPr>
+            <p:ph idx="1"/>
+          </p:nvPr>
+        </p:nvSpPr>
+        <p:spPr>
+          <a:xfrm>
+            <a:off x="1643063" y="974207"/>
+            <a:ext cx="9644062" cy="5355156"/>
+          </a:xfrm>
+        </p:spPr>
+        <p:txBody>
+          <a:bodyPr>
+            <a:normAutofit/>
+          </a:bodyPr>
+          <a:lstStyle/>
+          <a:p>
+            <a:pPr marL="457200" lvl="1" indent="0">
+              <a:buNone/>
+            </a:pPr>
+            <a:endParaRPr lang="en-AU" dirty="0"/>
+          </a:p>
+          <a:p>
+            <a:pPr marL="457200" lvl="1" indent="0">
+              <a:buNone/>
+            </a:pPr>
+            <a:r>
+              <a:rPr lang="en-AU" dirty="0"/>
+              <a:t>@Component</a:t>
+            </a:r>
+            <a:br>
+              <a:rPr lang="en-AU" dirty="0"/>
+            </a:br>
+            <a:r>
+              <a:rPr lang="en-AU" dirty="0"/>
+              <a:t>public class </a:t>
+            </a:r>
+            <a:r>
+              <a:rPr lang="en-AU" dirty="0" err="1"/>
+              <a:t>ProcessOrderRoute</a:t>
+            </a:r>
+            <a:r>
+              <a:rPr lang="en-AU" dirty="0"/>
+              <a:t> extends </a:t>
+            </a:r>
+            <a:r>
+              <a:rPr lang="en-AU" dirty="0" err="1"/>
+              <a:t>RouteBuilder</a:t>
+            </a:r>
+            <a:r>
+              <a:rPr lang="en-AU" dirty="0"/>
+              <a:t> {</a:t>
+            </a:r>
+            <a:br>
+              <a:rPr lang="en-AU" dirty="0"/>
+            </a:br>
+            <a:r>
+              <a:rPr lang="en-AU" dirty="0"/>
+              <a:t>    @Override</a:t>
+            </a:r>
+            <a:br>
+              <a:rPr lang="en-AU" dirty="0"/>
+            </a:br>
+            <a:r>
+              <a:rPr lang="en-AU" dirty="0"/>
+              <a:t>    public void configure() throws Exception {</a:t>
+            </a:r>
+            <a:br>
+              <a:rPr lang="en-AU" dirty="0"/>
+            </a:br>
+            <a:r>
+              <a:rPr lang="en-AU" dirty="0"/>
+              <a:t>        from("</a:t>
+            </a:r>
+            <a:r>
+              <a:rPr lang="en-AU" dirty="0" err="1"/>
+              <a:t>direct:processOrderStart</a:t>
+            </a:r>
+            <a:r>
+              <a:rPr lang="en-AU" dirty="0"/>
+              <a:t>")</a:t>
+            </a:r>
+            <a:br>
+              <a:rPr lang="en-AU" dirty="0"/>
+            </a:br>
+            <a:r>
+              <a:rPr lang="en-AU" dirty="0"/>
+              <a:t>                .to("</a:t>
+            </a:r>
+            <a:r>
+              <a:rPr lang="en-AU" dirty="0" err="1"/>
+              <a:t>direct:processOrder</a:t>
+            </a:r>
+            <a:r>
+              <a:rPr lang="en-AU" dirty="0"/>
+              <a:t>");</a:t>
+            </a:r>
+            <a:br>
+              <a:rPr lang="en-AU" dirty="0"/>
+            </a:br>
+            <a:r>
+              <a:rPr lang="en-AU" dirty="0"/>
+              <a:t>        from("</a:t>
+            </a:r>
+            <a:r>
+              <a:rPr lang="en-AU" dirty="0" err="1"/>
+              <a:t>direct:processOrder</a:t>
+            </a:r>
+            <a:r>
+              <a:rPr lang="en-AU" dirty="0"/>
+              <a:t>")</a:t>
+            </a:r>
+            <a:br>
+              <a:rPr lang="en-AU" dirty="0"/>
+            </a:br>
+            <a:r>
+              <a:rPr lang="en-AU" dirty="0"/>
+              <a:t>                .log("Order Processed");</a:t>
+            </a:r>
+            <a:br>
+              <a:rPr lang="en-AU" dirty="0"/>
+            </a:br>
+            <a:r>
+              <a:rPr lang="en-AU" dirty="0"/>
+              <a:t>    }</a:t>
+            </a:r>
+            <a:br>
+              <a:rPr lang="en-AU" dirty="0"/>
+            </a:br>
+            <a:r>
+              <a:rPr lang="en-AU" dirty="0"/>
+              <a:t>}</a:t>
+            </a:r>
+            <a:br>
+              <a:rPr lang="en-AU" dirty="0"/>
+            </a:br>
+            <a:endParaRPr lang="en-AU" dirty="0"/>
+          </a:p>
+          <a:p>
+            <a:pPr marL="457200" lvl="1" indent="0">
+              <a:buNone/>
+            </a:pPr>
+            <a:r>
+              <a:rPr lang="en-AU" dirty="0"/>
+              <a:t>&lt;dependency&gt;</a:t>
+            </a:r>
+            <a:br>
+              <a:rPr lang="en-AU" dirty="0"/>
+            </a:br>
+            <a:r>
+              <a:rPr lang="en-AU" dirty="0"/>
+              <a:t>   &lt;</a:t>
+            </a:r>
+            <a:r>
+              <a:rPr lang="en-AU" dirty="0" err="1"/>
+              <a:t>groupId</a:t>
+            </a:r>
+            <a:r>
+              <a:rPr lang="en-AU" dirty="0"/>
+              <a:t>&gt;</a:t>
+            </a:r>
+            <a:r>
+              <a:rPr lang="en-AU" dirty="0" err="1"/>
+              <a:t>org.apache.camel</a:t>
+            </a:r>
+            <a:r>
+              <a:rPr lang="en-AU" dirty="0"/>
+              <a:t>&lt;/</a:t>
+            </a:r>
+            <a:r>
+              <a:rPr lang="en-AU" dirty="0" err="1"/>
+              <a:t>groupId</a:t>
+            </a:r>
+            <a:r>
+              <a:rPr lang="en-AU" dirty="0"/>
+              <a:t>&gt;</a:t>
+            </a:r>
+            <a:br>
+              <a:rPr lang="en-AU" dirty="0"/>
+            </a:br>
+            <a:r>
+              <a:rPr lang="en-AU" dirty="0"/>
+              <a:t>   &lt;</a:t>
+            </a:r>
+            <a:r>
+              <a:rPr lang="en-AU" dirty="0" err="1"/>
+              <a:t>artifactId</a:t>
+            </a:r>
+            <a:r>
+              <a:rPr lang="en-AU" dirty="0"/>
+              <a:t>&gt;camel-core&lt;/</a:t>
+            </a:r>
+            <a:r>
+              <a:rPr lang="en-AU" dirty="0" err="1"/>
+              <a:t>artifactId</a:t>
+            </a:r>
+            <a:r>
+              <a:rPr lang="en-AU" dirty="0"/>
+              <a:t>&gt;</a:t>
+            </a:r>
+            <a:br>
+              <a:rPr lang="en-AU" dirty="0"/>
+            </a:br>
+            <a:r>
+              <a:rPr lang="en-AU" dirty="0"/>
+              <a:t>   &lt;version&gt;${camel-spring-boot-version}&lt;/version&gt;</a:t>
+            </a:r>
+            <a:br>
+              <a:rPr lang="en-AU" dirty="0"/>
+            </a:br>
+            <a:r>
+              <a:rPr lang="en-AU" dirty="0"/>
+              <a:t>&lt;/dependency&gt;</a:t>
+            </a:r>
+          </a:p>
+          <a:p>
+            <a:pPr marL="457200" lvl="1" indent="0">
+              <a:buNone/>
+            </a:pPr>
+            <a:endParaRPr lang="en-AU" dirty="0"/>
+          </a:p>
+          <a:p>
+            <a:pPr marL="457200" lvl="1" indent="0">
+              <a:buNone/>
+            </a:pPr>
+            <a:r>
+              <a:rPr lang="en-AU" dirty="0"/>
+              <a:t>@</a:t>
+            </a:r>
+            <a:r>
+              <a:rPr lang="en-AU" dirty="0" err="1"/>
+              <a:t>Autowire</a:t>
+            </a:r>
+            <a:r>
+              <a:rPr lang="en-AU" dirty="0"/>
+              <a:t> the context in the Service Class</a:t>
+            </a:r>
+          </a:p>
+          <a:p>
+            <a:pPr lvl="1"/>
+            <a:endParaRPr lang="en-AU" dirty="0"/>
+          </a:p>
+        </p:txBody>
+      </p:sp>
+      <p:sp>
+        <p:nvSpPr>
+          <p:cNvPr id="3" name="TextBox 2">
+            <a:extLst>
+              <a:ext uri="{FF2B5EF4-FFF2-40B4-BE49-F238E27FC236}">
+                <a16:creationId xmlns:a16="http://schemas.microsoft.com/office/drawing/2014/main" id="{69179E84-9C72-514C-ACC5-8EA6C1A22375}"/>
+              </a:ext>
+            </a:extLst>
+          </p:cNvPr>
+          <p:cNvSpPr txBox="1"/>
+          <p:nvPr/>
+        </p:nvSpPr>
+        <p:spPr>
+          <a:xfrm>
+            <a:off x="5257800" y="4143375"/>
+            <a:ext cx="184731" cy="369332"/>
+          </a:xfrm>
+          <a:prstGeom prst="rect">
+            <a:avLst/>
+          </a:prstGeom>
+          <a:noFill/>
+        </p:spPr>
+        <p:txBody>
+          <a:bodyPr wrap="none" rtlCol="0">
+            <a:spAutoFit/>
+          </a:bodyPr>
+          <a:lstStyle/>
+          <a:p>
+            <a:endParaRPr lang="en-US" dirty="0"/>
+          </a:p>
+        </p:txBody>
+      </p:sp>
+      <p:sp>
+        <p:nvSpPr>
+          <p:cNvPr id="5" name="TextBox 4">
+            <a:extLst>
+              <a:ext uri="{FF2B5EF4-FFF2-40B4-BE49-F238E27FC236}">
+                <a16:creationId xmlns:a16="http://schemas.microsoft.com/office/drawing/2014/main" id="{3300ED95-65BD-F342-9078-203195C4461B}"/>
+              </a:ext>
+            </a:extLst>
+          </p:cNvPr>
+          <p:cNvSpPr txBox="1"/>
+          <p:nvPr/>
+        </p:nvSpPr>
+        <p:spPr>
+          <a:xfrm>
+            <a:off x="9986963" y="3786188"/>
+            <a:ext cx="184731" cy="369332"/>
+          </a:xfrm>
+          <a:prstGeom prst="rect">
+            <a:avLst/>
+          </a:prstGeom>
+          <a:noFill/>
+        </p:spPr>
+        <p:txBody>
+          <a:bodyPr wrap="none" rtlCol="0">
+            <a:spAutoFit/>
+          </a:bodyPr>
+          <a:lstStyle/>
+          <a:p>
+            <a:endParaRPr lang="en-US" dirty="0"/>
+          </a:p>
+        </p:txBody>
+      </p:sp>
+    </p:spTree>
+    <p:extLst>
+      <p:ext uri="{BB962C8B-B14F-4D97-AF65-F5344CB8AC3E}">
+        <p14:creationId xmlns:p14="http://schemas.microsoft.com/office/powerpoint/2010/main" val="676381009"/>
+      </p:ext>
+    </p:extLst>
+  </p:cSld>
+  <p:clrMapOvr>
+    <a:masterClrMapping/>
+  </p:clrMapOvr>
+</p:sld>
+</file>
+
+<file path=ppt/slides/slide28.xml><?xml version="1.0" encoding="utf-8"?>
+<p:sld xmlns:a="http://schemas.openxmlformats.org/drawingml/2006/main" xmlns:r="http://schemas.openxmlformats.org/officeDocument/2006/relationships" xmlns:p="http://schemas.openxmlformats.org/presentationml/2006/main">
+  <p:cSld>
+    <p:spTree>
+      <p:nvGrpSpPr>
+        <p:cNvPr id="1" name=""/>
+        <p:cNvGrpSpPr/>
+        <p:nvPr/>
+      </p:nvGrpSpPr>
+      <p:grpSpPr>
+        <a:xfrm>
+          <a:off x="0" y="0"/>
+          <a:ext cx="0" cy="0"/>
+          <a:chOff x="0" y="0"/>
+          <a:chExt cx="0" cy="0"/>
+        </a:xfrm>
+      </p:grpSpPr>
+      <p:sp>
+        <p:nvSpPr>
+          <p:cNvPr id="2" name="Title 1">
+            <a:extLst>
+              <a:ext uri="{FF2B5EF4-FFF2-40B4-BE49-F238E27FC236}">
+                <a16:creationId xmlns:a16="http://schemas.microsoft.com/office/drawing/2014/main" id="{2A6A7509-3510-E84E-9BC4-0A0EF04F28F8}"/>
+              </a:ext>
+            </a:extLst>
+          </p:cNvPr>
+          <p:cNvSpPr>
+            <a:spLocks noGrp="1"/>
+          </p:cNvSpPr>
+          <p:nvPr>
+            <p:ph type="title"/>
+          </p:nvPr>
+        </p:nvSpPr>
+        <p:spPr>
+          <a:xfrm>
+            <a:off x="2151491" y="274013"/>
+            <a:ext cx="8911687" cy="700193"/>
+          </a:xfrm>
+        </p:spPr>
+        <p:txBody>
+          <a:bodyPr/>
+          <a:lstStyle/>
+          <a:p>
+            <a:r>
+              <a:rPr lang="en-US" dirty="0"/>
+              <a:t>Writing Type Converters - Steps</a:t>
+            </a:r>
+          </a:p>
+        </p:txBody>
+      </p:sp>
+      <p:sp>
+        <p:nvSpPr>
+          <p:cNvPr id="4" name="Content Placeholder 3">
+            <a:extLst>
+              <a:ext uri="{FF2B5EF4-FFF2-40B4-BE49-F238E27FC236}">
+                <a16:creationId xmlns:a16="http://schemas.microsoft.com/office/drawing/2014/main" id="{65A76E98-9216-4EED-8AB5-40415E214144}"/>
+              </a:ext>
+            </a:extLst>
+          </p:cNvPr>
+          <p:cNvSpPr>
+            <a:spLocks noGrp="1"/>
+          </p:cNvSpPr>
+          <p:nvPr>
+            <p:ph idx="1"/>
+          </p:nvPr>
+        </p:nvSpPr>
+        <p:spPr>
+          <a:xfrm>
+            <a:off x="2022437" y="974207"/>
+            <a:ext cx="8149257" cy="3840682"/>
+          </a:xfrm>
+        </p:spPr>
+        <p:txBody>
+          <a:bodyPr>
+            <a:normAutofit/>
+          </a:bodyPr>
+          <a:lstStyle/>
+          <a:p>
+            <a:pPr lvl="1"/>
+            <a:r>
+              <a:rPr lang="en-AU" dirty="0"/>
+              <a:t>Step 1</a:t>
+            </a:r>
+          </a:p>
+          <a:p>
+            <a:pPr lvl="2"/>
+            <a:r>
+              <a:rPr lang="en-AU" dirty="0"/>
+              <a:t>Create a file called </a:t>
+            </a:r>
+          </a:p>
+          <a:p>
+            <a:pPr lvl="1"/>
+            <a:endParaRPr lang="en-AU" dirty="0"/>
+          </a:p>
+          <a:p>
+            <a:pPr marL="457200" lvl="1" indent="0">
+              <a:buNone/>
+            </a:pPr>
+            <a:endParaRPr lang="en-AU" dirty="0"/>
+          </a:p>
+          <a:p>
+            <a:pPr lvl="1"/>
+            <a:endParaRPr lang="en-AU" dirty="0"/>
+          </a:p>
+        </p:txBody>
+      </p:sp>
+      <p:sp>
+        <p:nvSpPr>
+          <p:cNvPr id="3" name="TextBox 2">
+            <a:extLst>
+              <a:ext uri="{FF2B5EF4-FFF2-40B4-BE49-F238E27FC236}">
+                <a16:creationId xmlns:a16="http://schemas.microsoft.com/office/drawing/2014/main" id="{69179E84-9C72-514C-ACC5-8EA6C1A22375}"/>
+              </a:ext>
+            </a:extLst>
+          </p:cNvPr>
+          <p:cNvSpPr txBox="1"/>
+          <p:nvPr/>
+        </p:nvSpPr>
+        <p:spPr>
+          <a:xfrm>
+            <a:off x="5257800" y="4143375"/>
+            <a:ext cx="184731" cy="369332"/>
+          </a:xfrm>
+          <a:prstGeom prst="rect">
+            <a:avLst/>
+          </a:prstGeom>
+          <a:noFill/>
+        </p:spPr>
+        <p:txBody>
+          <a:bodyPr wrap="none" rtlCol="0">
+            <a:spAutoFit/>
+          </a:bodyPr>
+          <a:lstStyle/>
+          <a:p>
+            <a:endParaRPr lang="en-US" dirty="0"/>
+          </a:p>
+        </p:txBody>
+      </p:sp>
+      <p:sp>
+        <p:nvSpPr>
+          <p:cNvPr id="5" name="TextBox 4">
+            <a:extLst>
+              <a:ext uri="{FF2B5EF4-FFF2-40B4-BE49-F238E27FC236}">
+                <a16:creationId xmlns:a16="http://schemas.microsoft.com/office/drawing/2014/main" id="{3300ED95-65BD-F342-9078-203195C4461B}"/>
+              </a:ext>
+            </a:extLst>
+          </p:cNvPr>
+          <p:cNvSpPr txBox="1"/>
+          <p:nvPr/>
+        </p:nvSpPr>
+        <p:spPr>
+          <a:xfrm>
+            <a:off x="9986963" y="3786188"/>
+            <a:ext cx="184731" cy="369332"/>
+          </a:xfrm>
+          <a:prstGeom prst="rect">
+            <a:avLst/>
+          </a:prstGeom>
+          <a:noFill/>
+        </p:spPr>
+        <p:txBody>
+          <a:bodyPr wrap="none" rtlCol="0">
+            <a:spAutoFit/>
+          </a:bodyPr>
+          <a:lstStyle/>
+          <a:p>
+            <a:endParaRPr lang="en-US" dirty="0"/>
+          </a:p>
+        </p:txBody>
+      </p:sp>
+    </p:spTree>
+    <p:extLst>
+      <p:ext uri="{BB962C8B-B14F-4D97-AF65-F5344CB8AC3E}">
+        <p14:creationId xmlns:p14="http://schemas.microsoft.com/office/powerpoint/2010/main" val="767738670"/>
+      </p:ext>
+    </p:extLst>
+  </p:cSld>
+  <p:clrMapOvr>
+    <a:masterClrMapping/>
+  </p:clrMapOvr>
+</p:sld>
+</file>
+
+<file path=ppt/slides/slide29.xml><?xml version="1.0" encoding="utf-8"?>
+<p:sld xmlns:a="http://schemas.openxmlformats.org/drawingml/2006/main" xmlns:r="http://schemas.openxmlformats.org/officeDocument/2006/relationships" xmlns:p="http://schemas.openxmlformats.org/presentationml/2006/main">
+  <p:cSld>
+    <p:spTree>
+      <p:nvGrpSpPr>
+        <p:cNvPr id="1" name=""/>
+        <p:cNvGrpSpPr/>
+        <p:nvPr/>
+      </p:nvGrpSpPr>
+      <p:grpSpPr>
+        <a:xfrm>
+          <a:off x="0" y="0"/>
+          <a:ext cx="0" cy="0"/>
+          <a:chOff x="0" y="0"/>
+          <a:chExt cx="0" cy="0"/>
+        </a:xfrm>
+      </p:grpSpPr>
+      <p:sp>
+        <p:nvSpPr>
+          <p:cNvPr id="2" name="Title 1">
+            <a:extLst>
+              <a:ext uri="{FF2B5EF4-FFF2-40B4-BE49-F238E27FC236}">
+                <a16:creationId xmlns:a16="http://schemas.microsoft.com/office/drawing/2014/main" id="{2A6A7509-3510-E84E-9BC4-0A0EF04F28F8}"/>
+              </a:ext>
+            </a:extLst>
+          </p:cNvPr>
+          <p:cNvSpPr>
+            <a:spLocks noGrp="1"/>
+          </p:cNvSpPr>
+          <p:nvPr>
+            <p:ph type="title"/>
+          </p:nvPr>
+        </p:nvSpPr>
+        <p:spPr>
+          <a:xfrm>
+            <a:off x="4835739" y="3078903"/>
+            <a:ext cx="2520522" cy="700193"/>
+          </a:xfrm>
+        </p:spPr>
+        <p:txBody>
+          <a:bodyPr/>
+          <a:lstStyle/>
+          <a:p>
+            <a:r>
+              <a:rPr lang="en-US" dirty="0"/>
+              <a:t>The End</a:t>
+            </a:r>
+          </a:p>
+        </p:txBody>
+      </p:sp>
+      <p:sp>
+        <p:nvSpPr>
+          <p:cNvPr id="3" name="TextBox 2">
+            <a:extLst>
+              <a:ext uri="{FF2B5EF4-FFF2-40B4-BE49-F238E27FC236}">
+                <a16:creationId xmlns:a16="http://schemas.microsoft.com/office/drawing/2014/main" id="{69179E84-9C72-514C-ACC5-8EA6C1A22375}"/>
+              </a:ext>
+            </a:extLst>
+          </p:cNvPr>
+          <p:cNvSpPr txBox="1"/>
+          <p:nvPr/>
+        </p:nvSpPr>
+        <p:spPr>
+          <a:xfrm>
+            <a:off x="5257800" y="4143375"/>
+            <a:ext cx="184731" cy="369332"/>
+          </a:xfrm>
+          <a:prstGeom prst="rect">
+            <a:avLst/>
+          </a:prstGeom>
+          <a:noFill/>
+        </p:spPr>
+        <p:txBody>
+          <a:bodyPr wrap="none" rtlCol="0">
+            <a:spAutoFit/>
+          </a:bodyPr>
+          <a:lstStyle/>
+          <a:p>
+            <a:endParaRPr lang="en-US" dirty="0"/>
+          </a:p>
+        </p:txBody>
+      </p:sp>
+      <p:sp>
+        <p:nvSpPr>
+          <p:cNvPr id="5" name="TextBox 4">
+            <a:extLst>
+              <a:ext uri="{FF2B5EF4-FFF2-40B4-BE49-F238E27FC236}">
+                <a16:creationId xmlns:a16="http://schemas.microsoft.com/office/drawing/2014/main" id="{3300ED95-65BD-F342-9078-203195C4461B}"/>
+              </a:ext>
+            </a:extLst>
+          </p:cNvPr>
+          <p:cNvSpPr txBox="1"/>
+          <p:nvPr/>
+        </p:nvSpPr>
+        <p:spPr>
+          <a:xfrm>
+            <a:off x="9986963" y="3786188"/>
+            <a:ext cx="184731" cy="369332"/>
+          </a:xfrm>
+          <a:prstGeom prst="rect">
+            <a:avLst/>
+          </a:prstGeom>
+          <a:noFill/>
+        </p:spPr>
+        <p:txBody>
+          <a:bodyPr wrap="none" rtlCol="0">
+            <a:spAutoFit/>
+          </a:bodyPr>
+          <a:lstStyle/>
+          <a:p>
+            <a:endParaRPr lang="en-US" dirty="0"/>
+          </a:p>
+        </p:txBody>
+      </p:sp>
+    </p:spTree>
+    <p:extLst>
+      <p:ext uri="{BB962C8B-B14F-4D97-AF65-F5344CB8AC3E}">
+        <p14:creationId xmlns:p14="http://schemas.microsoft.com/office/powerpoint/2010/main" val="2960268776"/>
+      </p:ext>
+    </p:extLst>
+  </p:cSld>
+  <p:clrMapOvr>
+    <a:masterClrMapping/>
+  </p:clrMapOvr>
+</p:sld>
+</file>
+
 <file path=ppt/slides/slide3.xml><?xml version="1.0" encoding="utf-8"?>
 <p:sld xmlns:a="http://schemas.openxmlformats.org/drawingml/2006/main" xmlns:r="http://schemas.openxmlformats.org/officeDocument/2006/relationships" xmlns:p="http://schemas.openxmlformats.org/presentationml/2006/main">
   <p:cSld>
@@ -11370,6 +16515,32 @@
               <a:rPr lang="en-US" dirty="0">
                 <a:latin typeface="Bookman Old Style" panose="02050604050505020204" pitchFamily="18" charset="0"/>
               </a:rPr>
+              <a:t>Message channels</a:t>
+            </a:r>
+          </a:p>
+          <a:p>
+            <a:pPr lvl="1"/>
+            <a:r>
+              <a:rPr lang="en-US" dirty="0">
+                <a:latin typeface="Bookman Old Style" panose="02050604050505020204" pitchFamily="18" charset="0"/>
+              </a:rPr>
+              <a:t>Connect endpoints</a:t>
+            </a:r>
+          </a:p>
+          <a:p>
+            <a:pPr lvl="1"/>
+            <a:r>
+              <a:rPr lang="en-US" dirty="0">
+                <a:latin typeface="Bookman Old Style" panose="02050604050505020204" pitchFamily="18" charset="0"/>
+              </a:rPr>
+              <a:t>Messages are exchanged</a:t>
+            </a:r>
+          </a:p>
+          <a:p>
+            <a:r>
+              <a:rPr lang="en-US" dirty="0">
+                <a:latin typeface="Bookman Old Style" panose="02050604050505020204" pitchFamily="18" charset="0"/>
+              </a:rPr>
               <a:t>Endpoints </a:t>
             </a:r>
           </a:p>
@@ -11396,7 +16567,7 @@
               <a:rPr lang="en-US" dirty="0">
                 <a:latin typeface="Bookman Old Style" panose="02050604050505020204" pitchFamily="18" charset="0"/>
               </a:rPr>
-              <a:t>Message channels</a:t>
+              <a:t>Message</a:t>
             </a:r>
           </a:p>
           <a:p>
@@ -11405,8 +16576,28 @@
               <a:rPr lang="en-US" dirty="0">
                 <a:latin typeface="Bookman Old Style" panose="02050604050505020204" pitchFamily="18" charset="0"/>
               </a:rPr>
-              <a:t>Connect endpoints</a:t>
-            </a:r>
+              <a:t>Contains actual data (business documents), JSON, XML, CSV, </a:t>
+            </a:r>
+          </a:p>
+          <a:p>
+            <a:pPr lvl="1"/>
+            <a:r>
+              <a:rPr lang="en-US">
+                <a:latin typeface="Bookman Old Style" panose="02050604050505020204" pitchFamily="18" charset="0"/>
+              </a:rPr>
+              <a:t>Headers, Attachments, Bodies</a:t>
+            </a:r>
+          </a:p>
+          <a:p>
+            <a:r>
+              <a:rPr lang="en-US">
+                <a:latin typeface="Bookman Old Style" panose="02050604050505020204" pitchFamily="18" charset="0"/>
+              </a:rPr>
+              <a:t>Exchange</a:t>
+            </a:r>
+            <a:endParaRPr lang="en-US" dirty="0">
+              <a:latin typeface="Bookman Old Style" panose="02050604050505020204" pitchFamily="18" charset="0"/>
+            </a:endParaRPr>
           </a:p>
           <a:p>
             <a:pPr lvl="1"/>
@@ -11414,24 +16605,7 @@
               <a:rPr lang="en-US" dirty="0">
                 <a:latin typeface="Bookman Old Style" panose="02050604050505020204" pitchFamily="18" charset="0"/>
               </a:rPr>
-              <a:t>Messages are exchanged</a:t>
-            </a:r>
-          </a:p>
-          <a:p>
-            <a:r>
-              <a:rPr lang="en-US" dirty="0">
-                <a:latin typeface="Bookman Old Style" panose="02050604050505020204" pitchFamily="18" charset="0"/>
-              </a:rPr>
-              <a:t>Exchange</a:t>
-            </a:r>
-          </a:p>
-          <a:p>
-            <a:pPr lvl="1"/>
-            <a:r>
-              <a:rPr lang="en-US" dirty="0">
-                <a:latin typeface="Bookman Old Style" panose="02050604050505020204" pitchFamily="18" charset="0"/>
-              </a:rPr>
-              <a:t>Contains messages</a:t>
+              <a:t>Message Wrappers</a:t>
             </a:r>
           </a:p>
           <a:p>
@@ -11453,44 +16627,6 @@
                 <a:latin typeface="Bookman Old Style" panose="02050604050505020204" pitchFamily="18" charset="0"/>
               </a:rPr>
               <a:t>, MEP, Properties</a:t>
-            </a:r>
-          </a:p>
-          <a:p>
-            <a:r>
-              <a:rPr lang="en-US" dirty="0">
-                <a:latin typeface="Bookman Old Style" panose="02050604050505020204" pitchFamily="18" charset="0"/>
-              </a:rPr>
-              <a:t>Message</a:t>
-            </a:r>
-          </a:p>
-          <a:p>
-            <a:pPr lvl="1"/>
-            <a:r>
-              <a:rPr lang="en-US" dirty="0">
-                <a:latin typeface="Bookman Old Style" panose="02050604050505020204" pitchFamily="18" charset="0"/>
-              </a:rPr>
-              <a:t>Contains actual data (business documents), JSON, XML, CSV, </a:t>
-            </a:r>
-          </a:p>
-          <a:p>
-            <a:pPr lvl="1"/>
-            <a:r>
-              <a:rPr lang="en-US" dirty="0">
-                <a:latin typeface="Bookman Old Style" panose="02050604050505020204" pitchFamily="18" charset="0"/>
-              </a:rPr>
-              <a:t>Headers</a:t>
-            </a:r>
-            <a:r>
-              <a:rPr lang="en-US">
-                <a:latin typeface="Bookman Old Style" panose="02050604050505020204" pitchFamily="18" charset="0"/>
-              </a:rPr>
-              <a:t>, Attachments</a:t>
-            </a:r>
-            <a:r>
-              <a:rPr lang="en-US" dirty="0">
-                <a:latin typeface="Bookman Old Style" panose="02050604050505020204" pitchFamily="18" charset="0"/>
-              </a:rPr>
-              <a:t>, Bodies</a:t>
             </a:r>
           </a:p>
           <a:p>
@@ -11519,7 +16655,7 @@
 </file>
 
 <file path=ppt/slides/slide4.xml><?xml version="1.0" encoding="utf-8"?>
-<p:sld xmlns:a="http://schemas.openxmlformats.org/drawingml/2006/main" xmlns:r="http://schemas.openxmlformats.org/officeDocument/2006/relationships" xmlns:p="http://schemas.openxmlformats.org/presentationml/2006/main">
+<p:sld xmlns:a="http://schemas.openxmlformats.org/drawingml/2006/main" xmlns:r="http://schemas.openxmlformats.org/officeDocument/2006/relationships" xmlns:p="http://schemas.openxmlformats.org/presentationml/2006/main" show="0">
   <p:cSld>
     <p:spTree>
       <p:nvGrpSpPr>
@@ -11699,7 +16835,7 @@
 </file>
 
 <file path=ppt/slides/slide5.xml><?xml version="1.0" encoding="utf-8"?>
-<p:sld xmlns:a="http://schemas.openxmlformats.org/drawingml/2006/main" xmlns:r="http://schemas.openxmlformats.org/officeDocument/2006/relationships" xmlns:p="http://schemas.openxmlformats.org/presentationml/2006/main">
+<p:sld xmlns:a="http://schemas.openxmlformats.org/drawingml/2006/main" xmlns:r="http://schemas.openxmlformats.org/officeDocument/2006/relationships" xmlns:p="http://schemas.openxmlformats.org/presentationml/2006/main" show="0">
   <p:cSld>
     <p:spTree>
       <p:nvGrpSpPr>
@@ -12051,7 +17187,7 @@
 </file>
 
 <file path=ppt/slides/slide7.xml><?xml version="1.0" encoding="utf-8"?>
-<p:sld xmlns:a="http://schemas.openxmlformats.org/drawingml/2006/main" xmlns:r="http://schemas.openxmlformats.org/officeDocument/2006/relationships" xmlns:p="http://schemas.openxmlformats.org/presentationml/2006/main">
+<p:sld xmlns:a="http://schemas.openxmlformats.org/drawingml/2006/main" xmlns:r="http://schemas.openxmlformats.org/officeDocument/2006/relationships" xmlns:p="http://schemas.openxmlformats.org/presentationml/2006/main" show="0">
   <p:cSld>
     <p:spTree>
       <p:nvGrpSpPr>
@@ -12202,7 +17338,7 @@
 </file>
 
 <file path=ppt/slides/slide8.xml><?xml version="1.0" encoding="utf-8"?>
-<p:sld xmlns:a="http://schemas.openxmlformats.org/drawingml/2006/main" xmlns:r="http://schemas.openxmlformats.org/officeDocument/2006/relationships" xmlns:p="http://schemas.openxmlformats.org/presentationml/2006/main">
+<p:sld xmlns:a="http://schemas.openxmlformats.org/drawingml/2006/main" xmlns:r="http://schemas.openxmlformats.org/officeDocument/2006/relationships" xmlns:p="http://schemas.openxmlformats.org/presentationml/2006/main" show="0">
   <p:cSld>
     <p:spTree>
       <p:nvGrpSpPr>
